--- a/StrongStylePairing.pptx
+++ b/StrongStylePairing.pptx
@@ -5,16 +5,25 @@
     <p:sldMasterId id="2147483648" r:id="rId1"/>
   </p:sldMasterIdLst>
   <p:notesMasterIdLst>
-    <p:notesMasterId r:id="rId9"/>
+    <p:notesMasterId r:id="rId18"/>
   </p:notesMasterIdLst>
   <p:sldIdLst>
     <p:sldId id="256" r:id="rId2"/>
-    <p:sldId id="284" r:id="rId3"/>
-    <p:sldId id="291" r:id="rId4"/>
-    <p:sldId id="285" r:id="rId5"/>
-    <p:sldId id="292" r:id="rId6"/>
-    <p:sldId id="287" r:id="rId7"/>
-    <p:sldId id="272" r:id="rId8"/>
+    <p:sldId id="296" r:id="rId3"/>
+    <p:sldId id="301" r:id="rId4"/>
+    <p:sldId id="299" r:id="rId5"/>
+    <p:sldId id="304" r:id="rId6"/>
+    <p:sldId id="292" r:id="rId7"/>
+    <p:sldId id="298" r:id="rId8"/>
+    <p:sldId id="293" r:id="rId9"/>
+    <p:sldId id="294" r:id="rId10"/>
+    <p:sldId id="297" r:id="rId11"/>
+    <p:sldId id="300" r:id="rId12"/>
+    <p:sldId id="295" r:id="rId13"/>
+    <p:sldId id="303" r:id="rId14"/>
+    <p:sldId id="302" r:id="rId15"/>
+    <p:sldId id="287" r:id="rId16"/>
+    <p:sldId id="272" r:id="rId17"/>
   </p:sldIdLst>
   <p:sldSz cx="9144000" cy="6858000" type="screen4x3"/>
   <p:notesSz cx="6858000" cy="9144000"/>
@@ -3636,7 +3645,7 @@
 </p:sld>
 </file>
 
-<file path=ppt/slides/slide2.xml><?xml version="1.0" encoding="utf-8"?>
+<file path=ppt/slides/slide10.xml><?xml version="1.0" encoding="utf-8"?>
 <p:sld xmlns:a="http://schemas.openxmlformats.org/drawingml/2006/main" xmlns:r="http://schemas.openxmlformats.org/officeDocument/2006/relationships" xmlns:p="http://schemas.openxmlformats.org/presentationml/2006/main">
   <p:cSld>
     <p:spTree>
@@ -3676,17 +3685,17 @@
           <a:lstStyle/>
           <a:p>
             <a:r>
-              <a:rPr lang="en-US" dirty="0" smtClean="0"/>
-              <a:t>Except…</a:t>
-            </a:r>
-            <a:endParaRPr lang="en-US" dirty="0"/>
+              <a:rPr lang="en-US" b="1" dirty="0" smtClean="0"/>
+              <a:t>How to start pairing.</a:t>
+            </a:r>
+            <a:endParaRPr lang="en-US" b="1" dirty="0"/>
           </a:p>
         </p:txBody>
       </p:sp>
     </p:spTree>
     <p:extLst>
       <p:ext uri="{BB962C8B-B14F-4D97-AF65-F5344CB8AC3E}">
-        <p14:creationId xmlns:p14="http://schemas.microsoft.com/office/powerpoint/2010/main" val="4176282085"/>
+        <p14:creationId xmlns:p14="http://schemas.microsoft.com/office/powerpoint/2010/main" val="1727143805"/>
       </p:ext>
     </p:extLst>
   </p:cSld>
@@ -3711,7 +3720,7 @@
 </p:sld>
 </file>
 
-<file path=ppt/slides/slide3.xml><?xml version="1.0" encoding="utf-8"?>
+<file path=ppt/slides/slide11.xml><?xml version="1.0" encoding="utf-8"?>
 <p:sld xmlns:a="http://schemas.openxmlformats.org/drawingml/2006/main" xmlns:r="http://schemas.openxmlformats.org/officeDocument/2006/relationships" xmlns:p="http://schemas.openxmlformats.org/presentationml/2006/main">
   <p:cSld>
     <p:spTree>
@@ -3752,7 +3761,14 @@
           <a:p>
             <a:r>
               <a:rPr lang="en-US" b="1" dirty="0" smtClean="0"/>
-              <a:t>Benefits of working together</a:t>
+              <a:t>Trust is built on </a:t>
+            </a:r>
+            <a:br>
+              <a:rPr lang="en-US" b="1" dirty="0" smtClean="0"/>
+            </a:br>
+            <a:r>
+              <a:rPr lang="en-US" b="1" dirty="0" smtClean="0"/>
+              <a:t>Many small successes</a:t>
             </a:r>
             <a:endParaRPr lang="en-US" b="1" dirty="0"/>
           </a:p>
@@ -3761,7 +3777,7 @@
     </p:spTree>
     <p:extLst>
       <p:ext uri="{BB962C8B-B14F-4D97-AF65-F5344CB8AC3E}">
-        <p14:creationId xmlns:p14="http://schemas.microsoft.com/office/powerpoint/2010/main" val="3955293609"/>
+        <p14:creationId xmlns:p14="http://schemas.microsoft.com/office/powerpoint/2010/main" val="2066617551"/>
       </p:ext>
     </p:extLst>
   </p:cSld>
@@ -3786,7 +3802,7 @@
 </p:sld>
 </file>
 
-<file path=ppt/slides/slide4.xml><?xml version="1.0" encoding="utf-8"?>
+<file path=ppt/slides/slide12.xml><?xml version="1.0" encoding="utf-8"?>
 <p:sld xmlns:a="http://schemas.openxmlformats.org/drawingml/2006/main" xmlns:r="http://schemas.openxmlformats.org/officeDocument/2006/relationships" xmlns:p="http://schemas.openxmlformats.org/presentationml/2006/main">
   <p:cSld>
     <p:spTree>
@@ -3831,61 +3847,13 @@
                   <a:srgbClr val="0000FF"/>
                 </a:solidFill>
               </a:rPr>
-              <a:t>Wasted Effort</a:t>
-            </a:r>
-            <a:br>
-              <a:rPr lang="en-US" b="1" dirty="0" smtClean="0">
-                <a:solidFill>
-                  <a:srgbClr val="0000FF"/>
-                </a:solidFill>
-              </a:rPr>
-            </a:br>
-            <a:r>
-              <a:rPr lang="en-US" b="1" dirty="0" smtClean="0">
-                <a:solidFill>
-                  <a:srgbClr val="0000FF"/>
-                </a:solidFill>
-              </a:rPr>
-              <a:t/>
-            </a:r>
-            <a:br>
-              <a:rPr lang="en-US" b="1" dirty="0" smtClean="0">
-                <a:solidFill>
-                  <a:srgbClr val="0000FF"/>
-                </a:solidFill>
-              </a:rPr>
-            </a:br>
-            <a:r>
-              <a:rPr lang="en-US" dirty="0" smtClean="0"/>
-              <a:t>effort</a:t>
-            </a:r>
-            <a:r>
-              <a:rPr lang="en-US" b="1" dirty="0" smtClean="0"/>
-              <a:t> building wrong thing</a:t>
-            </a:r>
-            <a:br>
-              <a:rPr lang="en-US" b="1" dirty="0" smtClean="0"/>
-            </a:br>
-            <a:r>
-              <a:rPr lang="en-US" dirty="0" smtClean="0"/>
-              <a:t>effort</a:t>
-            </a:r>
-            <a:r>
-              <a:rPr lang="en-US" b="1" dirty="0" smtClean="0"/>
-              <a:t> testing</a:t>
-            </a:r>
-            <a:br>
-              <a:rPr lang="en-US" b="1" dirty="0" smtClean="0"/>
-            </a:br>
-            <a:r>
-              <a:rPr lang="en-US" dirty="0" smtClean="0"/>
-              <a:t>effort</a:t>
-            </a:r>
-            <a:r>
-              <a:rPr lang="en-US" b="1" dirty="0" smtClean="0"/>
-              <a:t> fixing</a:t>
-            </a:r>
-            <a:endParaRPr lang="en-US" b="1" dirty="0"/>
+              <a:t>Coding exercise</a:t>
+            </a:r>
+            <a:endParaRPr lang="en-US" b="1" dirty="0">
+              <a:solidFill>
+                <a:srgbClr val="0000FF"/>
+              </a:solidFill>
+            </a:endParaRPr>
           </a:p>
         </p:txBody>
       </p:sp>
@@ -3897,8 +3865,8 @@
         </p:nvSpPr>
         <p:spPr>
           <a:xfrm>
-            <a:off x="6779451" y="6273224"/>
-            <a:ext cx="2364549" cy="584776"/>
+            <a:off x="5289459" y="6273224"/>
+            <a:ext cx="3854541" cy="584776"/>
           </a:xfrm>
           <a:prstGeom prst="rect">
             <a:avLst/>
@@ -3911,6 +3879,7 @@
           </a:bodyPr>
           <a:lstStyle/>
           <a:p>
+            <a:pPr algn="r"/>
             <a:r>
               <a:rPr lang="en-US" sz="3200" b="1" dirty="0" smtClean="0">
                 <a:solidFill>
@@ -3921,19 +3890,7 @@
                 <a:latin typeface="Arial Black"/>
                 <a:cs typeface="Arial Black"/>
               </a:rPr>
-              <a:t>@</a:t>
-            </a:r>
-            <a:r>
-              <a:rPr lang="en-US" sz="3200" b="1" dirty="0" err="1" smtClean="0">
-                <a:solidFill>
-                  <a:schemeClr val="bg1">
-                    <a:lumMod val="75000"/>
-                  </a:schemeClr>
-                </a:solidFill>
-                <a:latin typeface="Arial Black"/>
-                <a:cs typeface="Arial Black"/>
-              </a:rPr>
-              <a:t>maaretp</a:t>
+              <a:t>@LlewellynFalco</a:t>
             </a:r>
             <a:endParaRPr lang="en-US" sz="3200" b="1" dirty="0">
               <a:solidFill>
@@ -3950,7 +3907,7 @@
     </p:spTree>
     <p:extLst>
       <p:ext uri="{BB962C8B-B14F-4D97-AF65-F5344CB8AC3E}">
-        <p14:creationId xmlns:p14="http://schemas.microsoft.com/office/powerpoint/2010/main" val="710113217"/>
+        <p14:creationId xmlns:p14="http://schemas.microsoft.com/office/powerpoint/2010/main" val="959464983"/>
       </p:ext>
     </p:extLst>
   </p:cSld>
@@ -3975,7 +3932,7 @@
 </p:sld>
 </file>
 
-<file path=ppt/slides/slide5.xml><?xml version="1.0" encoding="utf-8"?>
+<file path=ppt/slides/slide13.xml><?xml version="1.0" encoding="utf-8"?>
 <p:sld xmlns:a="http://schemas.openxmlformats.org/drawingml/2006/main" xmlns:r="http://schemas.openxmlformats.org/officeDocument/2006/relationships" xmlns:p="http://schemas.openxmlformats.org/presentationml/2006/main">
   <p:cSld>
     <p:spTree>
@@ -4020,46 +3977,8 @@
                   <a:srgbClr val="0000FF"/>
                 </a:solidFill>
               </a:rPr>
-              <a:t/>
-            </a:r>
-            <a:br>
-              <a:rPr lang="en-US" b="1" dirty="0" smtClean="0">
-                <a:solidFill>
-                  <a:srgbClr val="0000FF"/>
-                </a:solidFill>
-              </a:rPr>
-            </a:br>
-            <a:r>
-              <a:rPr lang="en-US" b="1" dirty="0" smtClean="0">
-                <a:solidFill>
-                  <a:srgbClr val="0000FF"/>
-                </a:solidFill>
-              </a:rPr>
-              <a:t>Time </a:t>
-            </a:r>
-            <a:r>
-              <a:rPr lang="en-US" b="1" dirty="0">
-                <a:solidFill>
-                  <a:srgbClr val="0000FF"/>
-                </a:solidFill>
-              </a:rPr>
-              <a:t>to deliver</a:t>
-            </a:r>
-            <a:r>
-              <a:rPr lang="en-US" b="1" dirty="0" smtClean="0">
-                <a:solidFill>
-                  <a:srgbClr val="0000FF"/>
-                </a:solidFill>
-              </a:rPr>
-              <a:t/>
-            </a:r>
-            <a:br>
-              <a:rPr lang="en-US" b="1" dirty="0" smtClean="0">
-                <a:solidFill>
-                  <a:srgbClr val="0000FF"/>
-                </a:solidFill>
-              </a:rPr>
-            </a:br>
+              <a:t>Mobbing exercise</a:t>
+            </a:r>
             <a:endParaRPr lang="en-US" b="1" dirty="0">
               <a:solidFill>
                 <a:srgbClr val="0000FF"/>
@@ -4118,7 +4037,7 @@
     </p:spTree>
     <p:extLst>
       <p:ext uri="{BB962C8B-B14F-4D97-AF65-F5344CB8AC3E}">
-        <p14:creationId xmlns:p14="http://schemas.microsoft.com/office/powerpoint/2010/main" val="3955293609"/>
+        <p14:creationId xmlns:p14="http://schemas.microsoft.com/office/powerpoint/2010/main" val="3147229093"/>
       </p:ext>
     </p:extLst>
   </p:cSld>
@@ -4143,7 +4062,137 @@
 </p:sld>
 </file>
 
-<file path=ppt/slides/slide6.xml><?xml version="1.0" encoding="utf-8"?>
+<file path=ppt/slides/slide14.xml><?xml version="1.0" encoding="utf-8"?>
+<p:sld xmlns:a="http://schemas.openxmlformats.org/drawingml/2006/main" xmlns:r="http://schemas.openxmlformats.org/officeDocument/2006/relationships" xmlns:p="http://schemas.openxmlformats.org/presentationml/2006/main">
+  <p:cSld>
+    <p:spTree>
+      <p:nvGrpSpPr>
+        <p:cNvPr id="1" name=""/>
+        <p:cNvGrpSpPr/>
+        <p:nvPr/>
+      </p:nvGrpSpPr>
+      <p:grpSpPr>
+        <a:xfrm>
+          <a:off x="0" y="0"/>
+          <a:ext cx="0" cy="0"/>
+          <a:chOff x="0" y="0"/>
+          <a:chExt cx="0" cy="0"/>
+        </a:xfrm>
+      </p:grpSpPr>
+      <p:sp>
+        <p:nvSpPr>
+          <p:cNvPr id="4" name="Title 3"/>
+          <p:cNvSpPr>
+            <a:spLocks noGrp="1"/>
+          </p:cNvSpPr>
+          <p:nvPr>
+            <p:ph type="title"/>
+          </p:nvPr>
+        </p:nvSpPr>
+        <p:spPr>
+          <a:xfrm>
+            <a:off x="457201" y="274640"/>
+            <a:ext cx="8229599" cy="6162776"/>
+          </a:xfrm>
+        </p:spPr>
+        <p:txBody>
+          <a:bodyPr>
+            <a:normAutofit/>
+          </a:bodyPr>
+          <a:lstStyle/>
+          <a:p>
+            <a:r>
+              <a:rPr lang="en-US" b="1" dirty="0" smtClean="0">
+                <a:solidFill>
+                  <a:srgbClr val="0000FF"/>
+                </a:solidFill>
+              </a:rPr>
+              <a:t>Homework Assignment</a:t>
+            </a:r>
+            <a:endParaRPr lang="en-US" b="1" dirty="0">
+              <a:solidFill>
+                <a:srgbClr val="0000FF"/>
+              </a:solidFill>
+            </a:endParaRPr>
+          </a:p>
+        </p:txBody>
+      </p:sp>
+      <p:sp>
+        <p:nvSpPr>
+          <p:cNvPr id="3" name="TextBox 2"/>
+          <p:cNvSpPr txBox="1"/>
+          <p:nvPr/>
+        </p:nvSpPr>
+        <p:spPr>
+          <a:xfrm>
+            <a:off x="5289459" y="6273224"/>
+            <a:ext cx="3854541" cy="584776"/>
+          </a:xfrm>
+          <a:prstGeom prst="rect">
+            <a:avLst/>
+          </a:prstGeom>
+          <a:noFill/>
+        </p:spPr>
+        <p:txBody>
+          <a:bodyPr wrap="none" rtlCol="0">
+            <a:spAutoFit/>
+          </a:bodyPr>
+          <a:lstStyle/>
+          <a:p>
+            <a:pPr algn="r"/>
+            <a:r>
+              <a:rPr lang="en-US" sz="3200" b="1" dirty="0" smtClean="0">
+                <a:solidFill>
+                  <a:schemeClr val="bg1">
+                    <a:lumMod val="75000"/>
+                  </a:schemeClr>
+                </a:solidFill>
+                <a:latin typeface="Arial Black"/>
+                <a:cs typeface="Arial Black"/>
+              </a:rPr>
+              <a:t>@LlewellynFalco</a:t>
+            </a:r>
+            <a:endParaRPr lang="en-US" sz="3200" b="1" dirty="0">
+              <a:solidFill>
+                <a:schemeClr val="bg1">
+                  <a:lumMod val="75000"/>
+                </a:schemeClr>
+              </a:solidFill>
+              <a:latin typeface="Arial Black"/>
+              <a:cs typeface="Arial Black"/>
+            </a:endParaRPr>
+          </a:p>
+        </p:txBody>
+      </p:sp>
+    </p:spTree>
+    <p:extLst>
+      <p:ext uri="{BB962C8B-B14F-4D97-AF65-F5344CB8AC3E}">
+        <p14:creationId xmlns:p14="http://schemas.microsoft.com/office/powerpoint/2010/main" val="258791637"/>
+      </p:ext>
+    </p:extLst>
+  </p:cSld>
+  <p:clrMapOvr>
+    <a:masterClrMapping/>
+  </p:clrMapOvr>
+  <mc:AlternateContent xmlns:mc="http://schemas.openxmlformats.org/markup-compatibility/2006" xmlns:p14="http://schemas.microsoft.com/office/powerpoint/2010/main">
+    <mc:Choice Requires="p14">
+      <p:transition spd="slow" p14:dur="2000"/>
+    </mc:Choice>
+    <mc:Fallback xmlns="">
+      <p:transition xmlns:p14="http://schemas.microsoft.com/office/powerpoint/2010/main" spd="slow"/>
+    </mc:Fallback>
+  </mc:AlternateContent>
+  <p:timing>
+    <p:tnLst>
+      <p:par>
+        <p:cTn xmlns:p14="http://schemas.microsoft.com/office/powerpoint/2010/main" id="1" dur="indefinite" restart="never" nodeType="tmRoot"/>
+      </p:par>
+    </p:tnLst>
+  </p:timing>
+</p:sld>
+</file>
+
+<file path=ppt/slides/slide15.xml><?xml version="1.0" encoding="utf-8"?>
 <p:sld xmlns:a="http://schemas.openxmlformats.org/drawingml/2006/main" xmlns:r="http://schemas.openxmlformats.org/officeDocument/2006/relationships" xmlns:p="http://schemas.openxmlformats.org/presentationml/2006/main">
   <p:cSld>
     <p:spTree>
@@ -4253,7 +4302,7 @@
 </p:sld>
 </file>
 
-<file path=ppt/slides/slide7.xml><?xml version="1.0" encoding="utf-8"?>
+<file path=ppt/slides/slide16.xml><?xml version="1.0" encoding="utf-8"?>
 <p:sld xmlns:a="http://schemas.openxmlformats.org/drawingml/2006/main" xmlns:r="http://schemas.openxmlformats.org/officeDocument/2006/relationships" xmlns:p="http://schemas.openxmlformats.org/presentationml/2006/main">
   <p:cSld>
     <p:spTree>
@@ -4490,6 +4539,922 @@
     <p:extLst>
       <p:ext uri="{BB962C8B-B14F-4D97-AF65-F5344CB8AC3E}">
         <p14:creationId xmlns:p14="http://schemas.microsoft.com/office/powerpoint/2010/main" val="1060893599"/>
+      </p:ext>
+    </p:extLst>
+  </p:cSld>
+  <p:clrMapOvr>
+    <a:masterClrMapping/>
+  </p:clrMapOvr>
+  <mc:AlternateContent xmlns:mc="http://schemas.openxmlformats.org/markup-compatibility/2006" xmlns:p14="http://schemas.microsoft.com/office/powerpoint/2010/main">
+    <mc:Choice Requires="p14">
+      <p:transition spd="slow" p14:dur="2000"/>
+    </mc:Choice>
+    <mc:Fallback xmlns="">
+      <p:transition xmlns:p14="http://schemas.microsoft.com/office/powerpoint/2010/main" spd="slow"/>
+    </mc:Fallback>
+  </mc:AlternateContent>
+  <p:timing>
+    <p:tnLst>
+      <p:par>
+        <p:cTn xmlns:p14="http://schemas.microsoft.com/office/powerpoint/2010/main" id="1" dur="indefinite" restart="never" nodeType="tmRoot"/>
+      </p:par>
+    </p:tnLst>
+  </p:timing>
+</p:sld>
+</file>
+
+<file path=ppt/slides/slide2.xml><?xml version="1.0" encoding="utf-8"?>
+<p:sld xmlns:a="http://schemas.openxmlformats.org/drawingml/2006/main" xmlns:r="http://schemas.openxmlformats.org/officeDocument/2006/relationships" xmlns:p="http://schemas.openxmlformats.org/presentationml/2006/main">
+  <p:cSld>
+    <p:spTree>
+      <p:nvGrpSpPr>
+        <p:cNvPr id="1" name=""/>
+        <p:cNvGrpSpPr/>
+        <p:nvPr/>
+      </p:nvGrpSpPr>
+      <p:grpSpPr>
+        <a:xfrm>
+          <a:off x="0" y="0"/>
+          <a:ext cx="0" cy="0"/>
+          <a:chOff x="0" y="0"/>
+          <a:chExt cx="0" cy="0"/>
+        </a:xfrm>
+      </p:grpSpPr>
+      <p:sp>
+        <p:nvSpPr>
+          <p:cNvPr id="4" name="Title 3"/>
+          <p:cNvSpPr>
+            <a:spLocks noGrp="1"/>
+          </p:cNvSpPr>
+          <p:nvPr>
+            <p:ph type="title"/>
+          </p:nvPr>
+        </p:nvSpPr>
+        <p:spPr>
+          <a:xfrm>
+            <a:off x="457201" y="274640"/>
+            <a:ext cx="8229599" cy="6162776"/>
+          </a:xfrm>
+        </p:spPr>
+        <p:txBody>
+          <a:bodyPr>
+            <a:normAutofit/>
+          </a:bodyPr>
+          <a:lstStyle/>
+          <a:p>
+            <a:r>
+              <a:rPr lang="en-US" b="1" dirty="0" smtClean="0"/>
+              <a:t>What is Strong Style?</a:t>
+            </a:r>
+            <a:endParaRPr lang="en-US" b="1" dirty="0"/>
+          </a:p>
+        </p:txBody>
+      </p:sp>
+    </p:spTree>
+    <p:extLst>
+      <p:ext uri="{BB962C8B-B14F-4D97-AF65-F5344CB8AC3E}">
+        <p14:creationId xmlns:p14="http://schemas.microsoft.com/office/powerpoint/2010/main" val="14549952"/>
+      </p:ext>
+    </p:extLst>
+  </p:cSld>
+  <p:clrMapOvr>
+    <a:masterClrMapping/>
+  </p:clrMapOvr>
+  <mc:AlternateContent xmlns:mc="http://schemas.openxmlformats.org/markup-compatibility/2006" xmlns:p14="http://schemas.microsoft.com/office/powerpoint/2010/main">
+    <mc:Choice Requires="p14">
+      <p:transition spd="slow" p14:dur="2000"/>
+    </mc:Choice>
+    <mc:Fallback xmlns="">
+      <p:transition xmlns:p14="http://schemas.microsoft.com/office/powerpoint/2010/main" spd="slow"/>
+    </mc:Fallback>
+  </mc:AlternateContent>
+  <p:timing>
+    <p:tnLst>
+      <p:par>
+        <p:cTn xmlns:p14="http://schemas.microsoft.com/office/powerpoint/2010/main" id="1" dur="indefinite" restart="never" nodeType="tmRoot"/>
+      </p:par>
+    </p:tnLst>
+  </p:timing>
+</p:sld>
+</file>
+
+<file path=ppt/slides/slide3.xml><?xml version="1.0" encoding="utf-8"?>
+<p:sld xmlns:a="http://schemas.openxmlformats.org/drawingml/2006/main" xmlns:r="http://schemas.openxmlformats.org/officeDocument/2006/relationships" xmlns:p="http://schemas.openxmlformats.org/presentationml/2006/main">
+  <p:cSld>
+    <p:spTree>
+      <p:nvGrpSpPr>
+        <p:cNvPr id="1" name=""/>
+        <p:cNvGrpSpPr/>
+        <p:nvPr/>
+      </p:nvGrpSpPr>
+      <p:grpSpPr>
+        <a:xfrm>
+          <a:off x="0" y="0"/>
+          <a:ext cx="0" cy="0"/>
+          <a:chOff x="0" y="0"/>
+          <a:chExt cx="0" cy="0"/>
+        </a:xfrm>
+      </p:grpSpPr>
+      <p:sp>
+        <p:nvSpPr>
+          <p:cNvPr id="4" name="Title 3"/>
+          <p:cNvSpPr>
+            <a:spLocks noGrp="1"/>
+          </p:cNvSpPr>
+          <p:nvPr>
+            <p:ph type="title"/>
+          </p:nvPr>
+        </p:nvSpPr>
+        <p:spPr>
+          <a:xfrm>
+            <a:off x="457201" y="274640"/>
+            <a:ext cx="8229599" cy="6162776"/>
+          </a:xfrm>
+        </p:spPr>
+        <p:txBody>
+          <a:bodyPr>
+            <a:normAutofit/>
+          </a:bodyPr>
+          <a:lstStyle/>
+          <a:p>
+            <a:r>
+              <a:rPr lang="en-US" b="1" dirty="0" smtClean="0"/>
+              <a:t>“</a:t>
+            </a:r>
+            <a:r>
+              <a:rPr lang="en-US" dirty="0" smtClean="0"/>
+              <a:t>For an </a:t>
+            </a:r>
+            <a:r>
+              <a:rPr lang="en-US" dirty="0"/>
+              <a:t>i</a:t>
+            </a:r>
+            <a:r>
+              <a:rPr lang="en-US" dirty="0" smtClean="0"/>
+              <a:t>dea to go from </a:t>
+            </a:r>
+            <a:br>
+              <a:rPr lang="en-US" dirty="0" smtClean="0"/>
+            </a:br>
+            <a:r>
+              <a:rPr lang="en-US" b="1" dirty="0" smtClean="0"/>
+              <a:t>your</a:t>
+            </a:r>
+            <a:r>
+              <a:rPr lang="en-US" dirty="0" smtClean="0"/>
+              <a:t> </a:t>
+            </a:r>
+            <a:r>
+              <a:rPr lang="en-US" b="1" dirty="0"/>
+              <a:t>h</a:t>
+            </a:r>
+            <a:r>
+              <a:rPr lang="en-US" b="1" dirty="0" smtClean="0"/>
+              <a:t>ead </a:t>
+            </a:r>
+            <a:r>
+              <a:rPr lang="en-US" dirty="0" smtClean="0"/>
+              <a:t>to the </a:t>
+            </a:r>
+            <a:r>
+              <a:rPr lang="en-US" b="1" dirty="0" smtClean="0"/>
+              <a:t>computer</a:t>
+            </a:r>
+            <a:br>
+              <a:rPr lang="en-US" b="1" dirty="0" smtClean="0"/>
+            </a:br>
+            <a:r>
+              <a:rPr lang="en-US" b="1" dirty="0" smtClean="0"/>
+              <a:t> </a:t>
+            </a:r>
+            <a:r>
+              <a:rPr lang="en-US" dirty="0" smtClean="0"/>
+              <a:t>it must go through</a:t>
+            </a:r>
+            <a:br>
+              <a:rPr lang="en-US" dirty="0" smtClean="0"/>
+            </a:br>
+            <a:r>
+              <a:rPr lang="en-US" dirty="0" smtClean="0"/>
+              <a:t> </a:t>
+            </a:r>
+            <a:r>
+              <a:rPr lang="en-US" b="1" dirty="0" smtClean="0"/>
+              <a:t>someone else’s hands”</a:t>
+            </a:r>
+            <a:endParaRPr lang="en-US" b="1" dirty="0"/>
+          </a:p>
+        </p:txBody>
+      </p:sp>
+    </p:spTree>
+    <p:extLst>
+      <p:ext uri="{BB962C8B-B14F-4D97-AF65-F5344CB8AC3E}">
+        <p14:creationId xmlns:p14="http://schemas.microsoft.com/office/powerpoint/2010/main" val="1918024727"/>
+      </p:ext>
+    </p:extLst>
+  </p:cSld>
+  <p:clrMapOvr>
+    <a:masterClrMapping/>
+  </p:clrMapOvr>
+  <mc:AlternateContent xmlns:mc="http://schemas.openxmlformats.org/markup-compatibility/2006" xmlns:p14="http://schemas.microsoft.com/office/powerpoint/2010/main">
+    <mc:Choice Requires="p14">
+      <p:transition spd="slow" p14:dur="2000"/>
+    </mc:Choice>
+    <mc:Fallback xmlns="">
+      <p:transition xmlns:p14="http://schemas.microsoft.com/office/powerpoint/2010/main" spd="slow"/>
+    </mc:Fallback>
+  </mc:AlternateContent>
+  <p:timing>
+    <p:tnLst>
+      <p:par>
+        <p:cTn xmlns:p14="http://schemas.microsoft.com/office/powerpoint/2010/main" id="1" dur="indefinite" restart="never" nodeType="tmRoot"/>
+      </p:par>
+    </p:tnLst>
+  </p:timing>
+</p:sld>
+</file>
+
+<file path=ppt/slides/slide4.xml><?xml version="1.0" encoding="utf-8"?>
+<p:sld xmlns:a="http://schemas.openxmlformats.org/drawingml/2006/main" xmlns:r="http://schemas.openxmlformats.org/officeDocument/2006/relationships" xmlns:p="http://schemas.openxmlformats.org/presentationml/2006/main">
+  <p:cSld>
+    <p:spTree>
+      <p:nvGrpSpPr>
+        <p:cNvPr id="1" name=""/>
+        <p:cNvGrpSpPr/>
+        <p:nvPr/>
+      </p:nvGrpSpPr>
+      <p:grpSpPr>
+        <a:xfrm>
+          <a:off x="0" y="0"/>
+          <a:ext cx="0" cy="0"/>
+          <a:chOff x="0" y="0"/>
+          <a:chExt cx="0" cy="0"/>
+        </a:xfrm>
+      </p:grpSpPr>
+      <p:sp>
+        <p:nvSpPr>
+          <p:cNvPr id="4" name="Title 3"/>
+          <p:cNvSpPr>
+            <a:spLocks noGrp="1"/>
+          </p:cNvSpPr>
+          <p:nvPr>
+            <p:ph type="title"/>
+          </p:nvPr>
+        </p:nvSpPr>
+        <p:spPr>
+          <a:xfrm>
+            <a:off x="457201" y="274640"/>
+            <a:ext cx="8229599" cy="6162776"/>
+          </a:xfrm>
+        </p:spPr>
+        <p:txBody>
+          <a:bodyPr>
+            <a:normAutofit/>
+          </a:bodyPr>
+          <a:lstStyle/>
+          <a:p>
+            <a:r>
+              <a:rPr lang="en-US" b="1" dirty="0" smtClean="0"/>
+              <a:t>Highest level of abstraction</a:t>
+            </a:r>
+            <a:br>
+              <a:rPr lang="en-US" b="1" dirty="0" smtClean="0"/>
+            </a:br>
+            <a:r>
+              <a:rPr lang="en-US" b="1" dirty="0"/>
+              <a:t/>
+            </a:r>
+            <a:br>
+              <a:rPr lang="en-US" b="1" dirty="0"/>
+            </a:br>
+            <a:r>
+              <a:rPr lang="en-US" b="1" dirty="0" smtClean="0"/>
+              <a:t>Intent</a:t>
+            </a:r>
+            <a:br>
+              <a:rPr lang="en-US" b="1" dirty="0" smtClean="0"/>
+            </a:br>
+            <a:r>
+              <a:rPr lang="en-US" b="1" dirty="0" smtClean="0"/>
+              <a:t>Location</a:t>
+            </a:r>
+            <a:br>
+              <a:rPr lang="en-US" b="1" dirty="0" smtClean="0"/>
+            </a:br>
+            <a:r>
+              <a:rPr lang="en-US" b="1" dirty="0" smtClean="0"/>
+              <a:t>Details</a:t>
+            </a:r>
+            <a:endParaRPr lang="en-US" b="1" dirty="0"/>
+          </a:p>
+        </p:txBody>
+      </p:sp>
+    </p:spTree>
+    <p:extLst>
+      <p:ext uri="{BB962C8B-B14F-4D97-AF65-F5344CB8AC3E}">
+        <p14:creationId xmlns:p14="http://schemas.microsoft.com/office/powerpoint/2010/main" val="835406623"/>
+      </p:ext>
+    </p:extLst>
+  </p:cSld>
+  <p:clrMapOvr>
+    <a:masterClrMapping/>
+  </p:clrMapOvr>
+  <mc:AlternateContent xmlns:mc="http://schemas.openxmlformats.org/markup-compatibility/2006" xmlns:p14="http://schemas.microsoft.com/office/powerpoint/2010/main">
+    <mc:Choice Requires="p14">
+      <p:transition spd="slow" p14:dur="2000"/>
+    </mc:Choice>
+    <mc:Fallback xmlns="">
+      <p:transition xmlns:p14="http://schemas.microsoft.com/office/powerpoint/2010/main" spd="slow"/>
+    </mc:Fallback>
+  </mc:AlternateContent>
+  <p:timing>
+    <p:tnLst>
+      <p:par>
+        <p:cTn xmlns:p14="http://schemas.microsoft.com/office/powerpoint/2010/main" id="1" dur="indefinite" restart="never" nodeType="tmRoot"/>
+      </p:par>
+    </p:tnLst>
+  </p:timing>
+</p:sld>
+</file>
+
+<file path=ppt/slides/slide5.xml><?xml version="1.0" encoding="utf-8"?>
+<p:sld xmlns:a="http://schemas.openxmlformats.org/drawingml/2006/main" xmlns:r="http://schemas.openxmlformats.org/officeDocument/2006/relationships" xmlns:p="http://schemas.openxmlformats.org/presentationml/2006/main">
+  <p:cSld>
+    <p:spTree>
+      <p:nvGrpSpPr>
+        <p:cNvPr id="1" name=""/>
+        <p:cNvGrpSpPr/>
+        <p:nvPr/>
+      </p:nvGrpSpPr>
+      <p:grpSpPr>
+        <a:xfrm>
+          <a:off x="0" y="0"/>
+          <a:ext cx="0" cy="0"/>
+          <a:chOff x="0" y="0"/>
+          <a:chExt cx="0" cy="0"/>
+        </a:xfrm>
+      </p:grpSpPr>
+      <p:sp>
+        <p:nvSpPr>
+          <p:cNvPr id="4" name="Title 3"/>
+          <p:cNvSpPr>
+            <a:spLocks noGrp="1"/>
+          </p:cNvSpPr>
+          <p:nvPr>
+            <p:ph type="title"/>
+          </p:nvPr>
+        </p:nvSpPr>
+        <p:spPr>
+          <a:xfrm>
+            <a:off x="457201" y="274640"/>
+            <a:ext cx="8229599" cy="6162776"/>
+          </a:xfrm>
+        </p:spPr>
+        <p:txBody>
+          <a:bodyPr>
+            <a:normAutofit/>
+          </a:bodyPr>
+          <a:lstStyle/>
+          <a:p>
+            <a:r>
+              <a:rPr lang="en-US" b="1" dirty="0" smtClean="0"/>
+              <a:t>In the beginning </a:t>
+            </a:r>
+            <a:br>
+              <a:rPr lang="en-US" b="1" dirty="0" smtClean="0"/>
+            </a:br>
+            <a:r>
+              <a:rPr lang="en-US" b="1" dirty="0"/>
+              <a:t/>
+            </a:r>
+            <a:br>
+              <a:rPr lang="en-US" b="1" dirty="0"/>
+            </a:br>
+            <a:r>
+              <a:rPr lang="en-US" sz="3200" i="1" dirty="0" smtClean="0"/>
+              <a:t>(stories of pairing with </a:t>
+            </a:r>
+            <a:r>
+              <a:rPr lang="en-US" sz="3200" i="1" dirty="0"/>
+              <a:t>L</a:t>
+            </a:r>
+            <a:r>
+              <a:rPr lang="en-US" sz="3200" i="1" dirty="0" smtClean="0"/>
+              <a:t>lewellyn)</a:t>
+            </a:r>
+            <a:endParaRPr lang="en-US" sz="3200" i="1" dirty="0"/>
+          </a:p>
+        </p:txBody>
+      </p:sp>
+    </p:spTree>
+    <p:extLst>
+      <p:ext uri="{BB962C8B-B14F-4D97-AF65-F5344CB8AC3E}">
+        <p14:creationId xmlns:p14="http://schemas.microsoft.com/office/powerpoint/2010/main" val="1876350745"/>
+      </p:ext>
+    </p:extLst>
+  </p:cSld>
+  <p:clrMapOvr>
+    <a:masterClrMapping/>
+  </p:clrMapOvr>
+  <mc:AlternateContent xmlns:mc="http://schemas.openxmlformats.org/markup-compatibility/2006" xmlns:p14="http://schemas.microsoft.com/office/powerpoint/2010/main">
+    <mc:Choice Requires="p14">
+      <p:transition spd="slow" p14:dur="2000"/>
+    </mc:Choice>
+    <mc:Fallback xmlns="">
+      <p:transition xmlns:p14="http://schemas.microsoft.com/office/powerpoint/2010/main" spd="slow"/>
+    </mc:Fallback>
+  </mc:AlternateContent>
+  <p:timing>
+    <p:tnLst>
+      <p:par>
+        <p:cTn xmlns:p14="http://schemas.microsoft.com/office/powerpoint/2010/main" id="1" dur="indefinite" restart="never" nodeType="tmRoot"/>
+      </p:par>
+    </p:tnLst>
+  </p:timing>
+</p:sld>
+</file>
+
+<file path=ppt/slides/slide6.xml><?xml version="1.0" encoding="utf-8"?>
+<p:sld xmlns:a="http://schemas.openxmlformats.org/drawingml/2006/main" xmlns:r="http://schemas.openxmlformats.org/officeDocument/2006/relationships" xmlns:p="http://schemas.openxmlformats.org/presentationml/2006/main">
+  <p:cSld>
+    <p:spTree>
+      <p:nvGrpSpPr>
+        <p:cNvPr id="1" name=""/>
+        <p:cNvGrpSpPr/>
+        <p:nvPr/>
+      </p:nvGrpSpPr>
+      <p:grpSpPr>
+        <a:xfrm>
+          <a:off x="0" y="0"/>
+          <a:ext cx="0" cy="0"/>
+          <a:chOff x="0" y="0"/>
+          <a:chExt cx="0" cy="0"/>
+        </a:xfrm>
+      </p:grpSpPr>
+      <p:sp>
+        <p:nvSpPr>
+          <p:cNvPr id="4" name="Title 3"/>
+          <p:cNvSpPr>
+            <a:spLocks noGrp="1"/>
+          </p:cNvSpPr>
+          <p:nvPr>
+            <p:ph type="title"/>
+          </p:nvPr>
+        </p:nvSpPr>
+        <p:spPr>
+          <a:xfrm>
+            <a:off x="457201" y="274640"/>
+            <a:ext cx="8229599" cy="6162776"/>
+          </a:xfrm>
+        </p:spPr>
+        <p:txBody>
+          <a:bodyPr>
+            <a:normAutofit/>
+          </a:bodyPr>
+          <a:lstStyle/>
+          <a:p>
+            <a:r>
+              <a:rPr lang="en-US" b="1" dirty="0" smtClean="0">
+                <a:solidFill>
+                  <a:srgbClr val="0000FF"/>
+                </a:solidFill>
+              </a:rPr>
+              <a:t>Lines</a:t>
+            </a:r>
+            <a:endParaRPr lang="en-US" b="1" dirty="0">
+              <a:solidFill>
+                <a:srgbClr val="0000FF"/>
+              </a:solidFill>
+            </a:endParaRPr>
+          </a:p>
+        </p:txBody>
+      </p:sp>
+      <p:sp>
+        <p:nvSpPr>
+          <p:cNvPr id="3" name="TextBox 2"/>
+          <p:cNvSpPr txBox="1"/>
+          <p:nvPr/>
+        </p:nvSpPr>
+        <p:spPr>
+          <a:xfrm>
+            <a:off x="5289459" y="6273224"/>
+            <a:ext cx="3854541" cy="584776"/>
+          </a:xfrm>
+          <a:prstGeom prst="rect">
+            <a:avLst/>
+          </a:prstGeom>
+          <a:noFill/>
+        </p:spPr>
+        <p:txBody>
+          <a:bodyPr wrap="none" rtlCol="0">
+            <a:spAutoFit/>
+          </a:bodyPr>
+          <a:lstStyle/>
+          <a:p>
+            <a:pPr algn="r"/>
+            <a:r>
+              <a:rPr lang="en-US" sz="3200" b="1" dirty="0" smtClean="0">
+                <a:solidFill>
+                  <a:schemeClr val="bg1">
+                    <a:lumMod val="75000"/>
+                  </a:schemeClr>
+                </a:solidFill>
+                <a:latin typeface="Arial Black"/>
+                <a:cs typeface="Arial Black"/>
+              </a:rPr>
+              <a:t>@LlewellynFalco</a:t>
+            </a:r>
+            <a:endParaRPr lang="en-US" sz="3200" b="1" dirty="0">
+              <a:solidFill>
+                <a:schemeClr val="bg1">
+                  <a:lumMod val="75000"/>
+                </a:schemeClr>
+              </a:solidFill>
+              <a:latin typeface="Arial Black"/>
+              <a:cs typeface="Arial Black"/>
+            </a:endParaRPr>
+          </a:p>
+        </p:txBody>
+      </p:sp>
+    </p:spTree>
+    <p:extLst>
+      <p:ext uri="{BB962C8B-B14F-4D97-AF65-F5344CB8AC3E}">
+        <p14:creationId xmlns:p14="http://schemas.microsoft.com/office/powerpoint/2010/main" val="3955293609"/>
+      </p:ext>
+    </p:extLst>
+  </p:cSld>
+  <p:clrMapOvr>
+    <a:masterClrMapping/>
+  </p:clrMapOvr>
+  <mc:AlternateContent xmlns:mc="http://schemas.openxmlformats.org/markup-compatibility/2006" xmlns:p14="http://schemas.microsoft.com/office/powerpoint/2010/main">
+    <mc:Choice Requires="p14">
+      <p:transition spd="slow" p14:dur="2000"/>
+    </mc:Choice>
+    <mc:Fallback xmlns="">
+      <p:transition xmlns:p14="http://schemas.microsoft.com/office/powerpoint/2010/main" spd="slow"/>
+    </mc:Fallback>
+  </mc:AlternateContent>
+  <p:timing>
+    <p:tnLst>
+      <p:par>
+        <p:cTn xmlns:p14="http://schemas.microsoft.com/office/powerpoint/2010/main" id="1" dur="indefinite" restart="never" nodeType="tmRoot"/>
+      </p:par>
+    </p:tnLst>
+  </p:timing>
+</p:sld>
+</file>
+
+<file path=ppt/slides/slide7.xml><?xml version="1.0" encoding="utf-8"?>
+<p:sld xmlns:a="http://schemas.openxmlformats.org/drawingml/2006/main" xmlns:r="http://schemas.openxmlformats.org/officeDocument/2006/relationships" xmlns:p="http://schemas.openxmlformats.org/presentationml/2006/main">
+  <p:cSld>
+    <p:spTree>
+      <p:nvGrpSpPr>
+        <p:cNvPr id="1" name=""/>
+        <p:cNvGrpSpPr/>
+        <p:nvPr/>
+      </p:nvGrpSpPr>
+      <p:grpSpPr>
+        <a:xfrm>
+          <a:off x="0" y="0"/>
+          <a:ext cx="0" cy="0"/>
+          <a:chOff x="0" y="0"/>
+          <a:chExt cx="0" cy="0"/>
+        </a:xfrm>
+      </p:grpSpPr>
+      <p:sp>
+        <p:nvSpPr>
+          <p:cNvPr id="4" name="Title 3"/>
+          <p:cNvSpPr>
+            <a:spLocks noGrp="1"/>
+          </p:cNvSpPr>
+          <p:nvPr>
+            <p:ph type="title"/>
+          </p:nvPr>
+        </p:nvSpPr>
+        <p:spPr>
+          <a:xfrm>
+            <a:off x="457201" y="274640"/>
+            <a:ext cx="8229599" cy="6162776"/>
+          </a:xfrm>
+        </p:spPr>
+        <p:txBody>
+          <a:bodyPr>
+            <a:normAutofit/>
+          </a:bodyPr>
+          <a:lstStyle/>
+          <a:p>
+            <a:r>
+              <a:rPr lang="en-US" b="1" dirty="0" smtClean="0"/>
+              <a:t>Being a good driver/navigator</a:t>
+            </a:r>
+            <a:endParaRPr lang="en-US" b="1" dirty="0"/>
+          </a:p>
+        </p:txBody>
+      </p:sp>
+    </p:spTree>
+    <p:extLst>
+      <p:ext uri="{BB962C8B-B14F-4D97-AF65-F5344CB8AC3E}">
+        <p14:creationId xmlns:p14="http://schemas.microsoft.com/office/powerpoint/2010/main" val="2489864127"/>
+      </p:ext>
+    </p:extLst>
+  </p:cSld>
+  <p:clrMapOvr>
+    <a:masterClrMapping/>
+  </p:clrMapOvr>
+  <mc:AlternateContent xmlns:mc="http://schemas.openxmlformats.org/markup-compatibility/2006" xmlns:p14="http://schemas.microsoft.com/office/powerpoint/2010/main">
+    <mc:Choice Requires="p14">
+      <p:transition spd="slow" p14:dur="2000"/>
+    </mc:Choice>
+    <mc:Fallback xmlns="">
+      <p:transition xmlns:p14="http://schemas.microsoft.com/office/powerpoint/2010/main" spd="slow"/>
+    </mc:Fallback>
+  </mc:AlternateContent>
+  <p:timing>
+    <p:tnLst>
+      <p:par>
+        <p:cTn xmlns:p14="http://schemas.microsoft.com/office/powerpoint/2010/main" id="1" dur="indefinite" restart="never" nodeType="tmRoot"/>
+      </p:par>
+    </p:tnLst>
+  </p:timing>
+</p:sld>
+</file>
+
+<file path=ppt/slides/slide8.xml><?xml version="1.0" encoding="utf-8"?>
+<p:sld xmlns:a="http://schemas.openxmlformats.org/drawingml/2006/main" xmlns:r="http://schemas.openxmlformats.org/officeDocument/2006/relationships" xmlns:p="http://schemas.openxmlformats.org/presentationml/2006/main">
+  <p:cSld>
+    <p:spTree>
+      <p:nvGrpSpPr>
+        <p:cNvPr id="1" name=""/>
+        <p:cNvGrpSpPr/>
+        <p:nvPr/>
+      </p:nvGrpSpPr>
+      <p:grpSpPr>
+        <a:xfrm>
+          <a:off x="0" y="0"/>
+          <a:ext cx="0" cy="0"/>
+          <a:chOff x="0" y="0"/>
+          <a:chExt cx="0" cy="0"/>
+        </a:xfrm>
+      </p:grpSpPr>
+      <p:sp>
+        <p:nvSpPr>
+          <p:cNvPr id="4" name="Title 3"/>
+          <p:cNvSpPr>
+            <a:spLocks noGrp="1"/>
+          </p:cNvSpPr>
+          <p:nvPr>
+            <p:ph type="title"/>
+          </p:nvPr>
+        </p:nvSpPr>
+        <p:spPr>
+          <a:xfrm>
+            <a:off x="457201" y="274640"/>
+            <a:ext cx="8229599" cy="6162776"/>
+          </a:xfrm>
+        </p:spPr>
+        <p:txBody>
+          <a:bodyPr>
+            <a:normAutofit/>
+          </a:bodyPr>
+          <a:lstStyle/>
+          <a:p>
+            <a:r>
+              <a:rPr lang="en-US" b="1" dirty="0" smtClean="0">
+                <a:solidFill>
+                  <a:srgbClr val="0000FF"/>
+                </a:solidFill>
+              </a:rPr>
+              <a:t>Language (demo)</a:t>
+            </a:r>
+            <a:br>
+              <a:rPr lang="en-US" b="1" dirty="0" smtClean="0">
+                <a:solidFill>
+                  <a:srgbClr val="0000FF"/>
+                </a:solidFill>
+              </a:rPr>
+            </a:br>
+            <a:r>
+              <a:rPr lang="en-US" b="1" dirty="0" smtClean="0">
+                <a:solidFill>
+                  <a:srgbClr val="0000FF"/>
+                </a:solidFill>
+              </a:rPr>
+              <a:t/>
+            </a:r>
+            <a:br>
+              <a:rPr lang="en-US" b="1" dirty="0" smtClean="0">
+                <a:solidFill>
+                  <a:srgbClr val="0000FF"/>
+                </a:solidFill>
+              </a:rPr>
+            </a:br>
+            <a:r>
+              <a:rPr lang="en-US" dirty="0" smtClean="0"/>
+              <a:t>normal</a:t>
+            </a:r>
+            <a:br>
+              <a:rPr lang="en-US" dirty="0" smtClean="0"/>
+            </a:br>
+            <a:r>
+              <a:rPr lang="en-US" dirty="0" smtClean="0"/>
+              <a:t>strong</a:t>
+            </a:r>
+            <a:br>
+              <a:rPr lang="en-US" dirty="0" smtClean="0"/>
+            </a:br>
+            <a:r>
+              <a:rPr lang="en-US" dirty="0" smtClean="0"/>
+              <a:t>strong</a:t>
+            </a:r>
+            <a:endParaRPr lang="en-US" b="1" dirty="0">
+              <a:solidFill>
+                <a:srgbClr val="0000FF"/>
+              </a:solidFill>
+            </a:endParaRPr>
+          </a:p>
+        </p:txBody>
+      </p:sp>
+      <p:sp>
+        <p:nvSpPr>
+          <p:cNvPr id="3" name="TextBox 2"/>
+          <p:cNvSpPr txBox="1"/>
+          <p:nvPr/>
+        </p:nvSpPr>
+        <p:spPr>
+          <a:xfrm>
+            <a:off x="5289459" y="6273224"/>
+            <a:ext cx="3854541" cy="584776"/>
+          </a:xfrm>
+          <a:prstGeom prst="rect">
+            <a:avLst/>
+          </a:prstGeom>
+          <a:noFill/>
+        </p:spPr>
+        <p:txBody>
+          <a:bodyPr wrap="none" rtlCol="0">
+            <a:spAutoFit/>
+          </a:bodyPr>
+          <a:lstStyle/>
+          <a:p>
+            <a:pPr algn="r"/>
+            <a:r>
+              <a:rPr lang="en-US" sz="3200" b="1" dirty="0" smtClean="0">
+                <a:solidFill>
+                  <a:schemeClr val="bg1">
+                    <a:lumMod val="75000"/>
+                  </a:schemeClr>
+                </a:solidFill>
+                <a:latin typeface="Arial Black"/>
+                <a:cs typeface="Arial Black"/>
+              </a:rPr>
+              <a:t>@LlewellynFalco</a:t>
+            </a:r>
+            <a:endParaRPr lang="en-US" sz="3200" b="1" dirty="0">
+              <a:solidFill>
+                <a:schemeClr val="bg1">
+                  <a:lumMod val="75000"/>
+                </a:schemeClr>
+              </a:solidFill>
+              <a:latin typeface="Arial Black"/>
+              <a:cs typeface="Arial Black"/>
+            </a:endParaRPr>
+          </a:p>
+        </p:txBody>
+      </p:sp>
+    </p:spTree>
+    <p:extLst>
+      <p:ext uri="{BB962C8B-B14F-4D97-AF65-F5344CB8AC3E}">
+        <p14:creationId xmlns:p14="http://schemas.microsoft.com/office/powerpoint/2010/main" val="60788531"/>
+      </p:ext>
+    </p:extLst>
+  </p:cSld>
+  <p:clrMapOvr>
+    <a:masterClrMapping/>
+  </p:clrMapOvr>
+  <mc:AlternateContent xmlns:mc="http://schemas.openxmlformats.org/markup-compatibility/2006" xmlns:p14="http://schemas.microsoft.com/office/powerpoint/2010/main">
+    <mc:Choice Requires="p14">
+      <p:transition spd="slow" p14:dur="2000"/>
+    </mc:Choice>
+    <mc:Fallback xmlns="">
+      <p:transition xmlns:p14="http://schemas.microsoft.com/office/powerpoint/2010/main" spd="slow"/>
+    </mc:Fallback>
+  </mc:AlternateContent>
+  <p:timing>
+    <p:tnLst>
+      <p:par>
+        <p:cTn xmlns:p14="http://schemas.microsoft.com/office/powerpoint/2010/main" id="1" dur="indefinite" restart="never" nodeType="tmRoot"/>
+      </p:par>
+    </p:tnLst>
+  </p:timing>
+</p:sld>
+</file>
+
+<file path=ppt/slides/slide9.xml><?xml version="1.0" encoding="utf-8"?>
+<p:sld xmlns:a="http://schemas.openxmlformats.org/drawingml/2006/main" xmlns:r="http://schemas.openxmlformats.org/officeDocument/2006/relationships" xmlns:p="http://schemas.openxmlformats.org/presentationml/2006/main">
+  <p:cSld>
+    <p:spTree>
+      <p:nvGrpSpPr>
+        <p:cNvPr id="1" name=""/>
+        <p:cNvGrpSpPr/>
+        <p:nvPr/>
+      </p:nvGrpSpPr>
+      <p:grpSpPr>
+        <a:xfrm>
+          <a:off x="0" y="0"/>
+          <a:ext cx="0" cy="0"/>
+          <a:chOff x="0" y="0"/>
+          <a:chExt cx="0" cy="0"/>
+        </a:xfrm>
+      </p:grpSpPr>
+      <p:sp>
+        <p:nvSpPr>
+          <p:cNvPr id="4" name="Title 3"/>
+          <p:cNvSpPr>
+            <a:spLocks noGrp="1"/>
+          </p:cNvSpPr>
+          <p:nvPr>
+            <p:ph type="title"/>
+          </p:nvPr>
+        </p:nvSpPr>
+        <p:spPr>
+          <a:xfrm>
+            <a:off x="457201" y="274640"/>
+            <a:ext cx="8229599" cy="6162776"/>
+          </a:xfrm>
+        </p:spPr>
+        <p:txBody>
+          <a:bodyPr>
+            <a:normAutofit/>
+          </a:bodyPr>
+          <a:lstStyle/>
+          <a:p>
+            <a:r>
+              <a:rPr lang="en-US" b="1" dirty="0" smtClean="0">
+                <a:solidFill>
+                  <a:srgbClr val="0000FF"/>
+                </a:solidFill>
+              </a:rPr>
+              <a:t>Language (Exercise)</a:t>
+            </a:r>
+            <a:endParaRPr lang="en-US" b="1" dirty="0">
+              <a:solidFill>
+                <a:srgbClr val="0000FF"/>
+              </a:solidFill>
+            </a:endParaRPr>
+          </a:p>
+        </p:txBody>
+      </p:sp>
+      <p:sp>
+        <p:nvSpPr>
+          <p:cNvPr id="3" name="TextBox 2"/>
+          <p:cNvSpPr txBox="1"/>
+          <p:nvPr/>
+        </p:nvSpPr>
+        <p:spPr>
+          <a:xfrm>
+            <a:off x="5289459" y="6273224"/>
+            <a:ext cx="3854541" cy="584776"/>
+          </a:xfrm>
+          <a:prstGeom prst="rect">
+            <a:avLst/>
+          </a:prstGeom>
+          <a:noFill/>
+        </p:spPr>
+        <p:txBody>
+          <a:bodyPr wrap="none" rtlCol="0">
+            <a:spAutoFit/>
+          </a:bodyPr>
+          <a:lstStyle/>
+          <a:p>
+            <a:pPr algn="r"/>
+            <a:r>
+              <a:rPr lang="en-US" sz="3200" b="1" dirty="0" smtClean="0">
+                <a:solidFill>
+                  <a:schemeClr val="bg1">
+                    <a:lumMod val="75000"/>
+                  </a:schemeClr>
+                </a:solidFill>
+                <a:latin typeface="Arial Black"/>
+                <a:cs typeface="Arial Black"/>
+              </a:rPr>
+              <a:t>@LlewellynFalco</a:t>
+            </a:r>
+            <a:endParaRPr lang="en-US" sz="3200" b="1" dirty="0">
+              <a:solidFill>
+                <a:schemeClr val="bg1">
+                  <a:lumMod val="75000"/>
+                </a:schemeClr>
+              </a:solidFill>
+              <a:latin typeface="Arial Black"/>
+              <a:cs typeface="Arial Black"/>
+            </a:endParaRPr>
+          </a:p>
+        </p:txBody>
+      </p:sp>
+    </p:spTree>
+    <p:extLst>
+      <p:ext uri="{BB962C8B-B14F-4D97-AF65-F5344CB8AC3E}">
+        <p14:creationId xmlns:p14="http://schemas.microsoft.com/office/powerpoint/2010/main" val="959464983"/>
       </p:ext>
     </p:extLst>
   </p:cSld>

--- a/StrongStylePairing.pptx
+++ b/StrongStylePairing.pptx
@@ -5,25 +5,32 @@
     <p:sldMasterId id="2147483648" r:id="rId1"/>
   </p:sldMasterIdLst>
   <p:notesMasterIdLst>
-    <p:notesMasterId r:id="rId18"/>
+    <p:notesMasterId r:id="rId25"/>
   </p:notesMasterIdLst>
   <p:sldIdLst>
     <p:sldId id="256" r:id="rId2"/>
-    <p:sldId id="296" r:id="rId3"/>
-    <p:sldId id="301" r:id="rId4"/>
-    <p:sldId id="299" r:id="rId5"/>
+    <p:sldId id="305" r:id="rId3"/>
+    <p:sldId id="296" r:id="rId4"/>
+    <p:sldId id="301" r:id="rId5"/>
     <p:sldId id="304" r:id="rId6"/>
     <p:sldId id="292" r:id="rId7"/>
     <p:sldId id="298" r:id="rId8"/>
-    <p:sldId id="293" r:id="rId9"/>
-    <p:sldId id="294" r:id="rId10"/>
-    <p:sldId id="297" r:id="rId11"/>
-    <p:sldId id="300" r:id="rId12"/>
-    <p:sldId id="295" r:id="rId13"/>
-    <p:sldId id="303" r:id="rId14"/>
-    <p:sldId id="302" r:id="rId15"/>
-    <p:sldId id="287" r:id="rId16"/>
-    <p:sldId id="272" r:id="rId17"/>
+    <p:sldId id="299" r:id="rId9"/>
+    <p:sldId id="293" r:id="rId10"/>
+    <p:sldId id="306" r:id="rId11"/>
+    <p:sldId id="307" r:id="rId12"/>
+    <p:sldId id="294" r:id="rId13"/>
+    <p:sldId id="297" r:id="rId14"/>
+    <p:sldId id="300" r:id="rId15"/>
+    <p:sldId id="295" r:id="rId16"/>
+    <p:sldId id="310" r:id="rId17"/>
+    <p:sldId id="303" r:id="rId18"/>
+    <p:sldId id="311" r:id="rId19"/>
+    <p:sldId id="309" r:id="rId20"/>
+    <p:sldId id="302" r:id="rId21"/>
+    <p:sldId id="308" r:id="rId22"/>
+    <p:sldId id="287" r:id="rId23"/>
+    <p:sldId id="272" r:id="rId24"/>
   </p:sldIdLst>
   <p:sldSz cx="9144000" cy="6858000" type="screen4x3"/>
   <p:notesSz cx="6858000" cy="9144000"/>
@@ -473,6 +480,90 @@
     </a:lvl9pPr>
   </p:notesStyle>
 </p:notesMaster>
+</file>
+
+<file path=ppt/notesSlides/notesSlide1.xml><?xml version="1.0" encoding="utf-8"?>
+<p:notes xmlns:a="http://schemas.openxmlformats.org/drawingml/2006/main" xmlns:r="http://schemas.openxmlformats.org/officeDocument/2006/relationships" xmlns:p="http://schemas.openxmlformats.org/presentationml/2006/main">
+  <p:cSld>
+    <p:spTree>
+      <p:nvGrpSpPr>
+        <p:cNvPr id="1" name=""/>
+        <p:cNvGrpSpPr/>
+        <p:nvPr/>
+      </p:nvGrpSpPr>
+      <p:grpSpPr>
+        <a:xfrm>
+          <a:off x="0" y="0"/>
+          <a:ext cx="0" cy="0"/>
+          <a:chOff x="0" y="0"/>
+          <a:chExt cx="0" cy="0"/>
+        </a:xfrm>
+      </p:grpSpPr>
+      <p:sp>
+        <p:nvSpPr>
+          <p:cNvPr id="2" name="Slide Image Placeholder 1"/>
+          <p:cNvSpPr>
+            <a:spLocks noGrp="1" noRot="1" noChangeAspect="1"/>
+          </p:cNvSpPr>
+          <p:nvPr>
+            <p:ph type="sldImg"/>
+          </p:nvPr>
+        </p:nvSpPr>
+        <p:spPr/>
+      </p:sp>
+      <p:sp>
+        <p:nvSpPr>
+          <p:cNvPr id="3" name="Notes Placeholder 2"/>
+          <p:cNvSpPr>
+            <a:spLocks noGrp="1"/>
+          </p:cNvSpPr>
+          <p:nvPr>
+            <p:ph type="body" idx="1"/>
+          </p:nvPr>
+        </p:nvSpPr>
+        <p:spPr/>
+        <p:txBody>
+          <a:bodyPr/>
+          <a:lstStyle/>
+          <a:p>
+            <a:endParaRPr lang="en-US"/>
+          </a:p>
+        </p:txBody>
+      </p:sp>
+      <p:sp>
+        <p:nvSpPr>
+          <p:cNvPr id="4" name="Slide Number Placeholder 3"/>
+          <p:cNvSpPr>
+            <a:spLocks noGrp="1"/>
+          </p:cNvSpPr>
+          <p:nvPr>
+            <p:ph type="sldNum" sz="quarter" idx="10"/>
+          </p:nvPr>
+        </p:nvSpPr>
+        <p:spPr/>
+        <p:txBody>
+          <a:bodyPr/>
+          <a:lstStyle/>
+          <a:p>
+            <a:fld id="{6C157C8D-6C9C-3F41-A598-90F2004D4917}" type="slidenum">
+              <a:rPr lang="en-US" smtClean="0"/>
+              <a:t>21</a:t>
+            </a:fld>
+            <a:endParaRPr lang="en-US"/>
+          </a:p>
+        </p:txBody>
+      </p:sp>
+    </p:spTree>
+    <p:extLst>
+      <p:ext uri="{BB962C8B-B14F-4D97-AF65-F5344CB8AC3E}">
+        <p14:creationId xmlns:p14="http://schemas.microsoft.com/office/powerpoint/2010/main" val="1443528722"/>
+      </p:ext>
+    </p:extLst>
+  </p:cSld>
+  <p:clrMapOvr>
+    <a:masterClrMapping/>
+  </p:clrMapOvr>
+</p:notes>
 </file>
 
 <file path=ppt/slideLayouts/slideLayout1.xml><?xml version="1.0" encoding="utf-8"?>
@@ -3686,7 +3777,50 @@
           <a:p>
             <a:r>
               <a:rPr lang="en-US" b="1" dirty="0" smtClean="0"/>
-              <a:t>How to start pairing.</a:t>
+              <a:t>Rules of </a:t>
+            </a:r>
+            <a:r>
+              <a:rPr lang="en-US" b="1" dirty="0" err="1" smtClean="0"/>
+              <a:t>Improv</a:t>
+            </a:r>
+            <a:r>
+              <a:rPr lang="en-US" b="1" dirty="0" smtClean="0"/>
+              <a:t> </a:t>
+            </a:r>
+            <a:br>
+              <a:rPr lang="en-US" b="1" dirty="0" smtClean="0"/>
+            </a:br>
+            <a:r>
+              <a:rPr lang="en-US" b="1" dirty="0" smtClean="0"/>
+              <a:t/>
+            </a:r>
+            <a:br>
+              <a:rPr lang="en-US" b="1" dirty="0" smtClean="0"/>
+            </a:br>
+            <a:r>
+              <a:rPr lang="en-US" b="1" dirty="0" smtClean="0"/>
+              <a:t>Agree</a:t>
+            </a:r>
+            <a:br>
+              <a:rPr lang="en-US" b="1" dirty="0" smtClean="0"/>
+            </a:br>
+            <a:r>
+              <a:rPr lang="en-US" b="1" dirty="0" smtClean="0"/>
+              <a:t>Yes, and…</a:t>
+            </a:r>
+            <a:br>
+              <a:rPr lang="en-US" b="1" dirty="0" smtClean="0"/>
+            </a:br>
+            <a:r>
+              <a:rPr lang="en-US" b="1" dirty="0" smtClean="0"/>
+              <a:t>Statements</a:t>
+            </a:r>
+            <a:br>
+              <a:rPr lang="en-US" b="1" dirty="0" smtClean="0"/>
+            </a:br>
+            <a:r>
+              <a:rPr lang="en-US" b="1" dirty="0" smtClean="0"/>
+              <a:t>there are no mistakes</a:t>
             </a:r>
             <a:endParaRPr lang="en-US" b="1" dirty="0"/>
           </a:p>
@@ -3695,7 +3829,7 @@
     </p:spTree>
     <p:extLst>
       <p:ext uri="{BB962C8B-B14F-4D97-AF65-F5344CB8AC3E}">
-        <p14:creationId xmlns:p14="http://schemas.microsoft.com/office/powerpoint/2010/main" val="1727143805"/>
+        <p14:creationId xmlns:p14="http://schemas.microsoft.com/office/powerpoint/2010/main" val="2397359577"/>
       </p:ext>
     </p:extLst>
   </p:cSld>
@@ -3761,14 +3895,42 @@
           <a:p>
             <a:r>
               <a:rPr lang="en-US" b="1" dirty="0" smtClean="0"/>
-              <a:t>Trust is built on </a:t>
+              <a:t>Rules of Pairing</a:t>
             </a:r>
             <a:br>
               <a:rPr lang="en-US" b="1" dirty="0" smtClean="0"/>
             </a:br>
             <a:r>
               <a:rPr lang="en-US" b="1" dirty="0" smtClean="0"/>
-              <a:t>Many small successes</a:t>
+              <a:t/>
+            </a:r>
+            <a:br>
+              <a:rPr lang="en-US" b="1" dirty="0" smtClean="0"/>
+            </a:br>
+            <a:r>
+              <a:rPr lang="en-US" b="1" dirty="0" smtClean="0"/>
+              <a:t>Try it</a:t>
+            </a:r>
+            <a:br>
+              <a:rPr lang="en-US" b="1" dirty="0" smtClean="0"/>
+            </a:br>
+            <a:r>
+              <a:rPr lang="en-US" b="1" dirty="0" smtClean="0"/>
+              <a:t>Yes, and…</a:t>
+            </a:r>
+            <a:br>
+              <a:rPr lang="en-US" b="1" dirty="0" smtClean="0"/>
+            </a:br>
+            <a:r>
+              <a:rPr lang="en-US" b="1" dirty="0" smtClean="0"/>
+              <a:t>Do first, explain later</a:t>
+            </a:r>
+            <a:br>
+              <a:rPr lang="en-US" b="1" dirty="0" smtClean="0"/>
+            </a:br>
+            <a:r>
+              <a:rPr lang="en-US" b="1" dirty="0" smtClean="0"/>
+              <a:t>Look for wins</a:t>
             </a:r>
             <a:endParaRPr lang="en-US" b="1" dirty="0"/>
           </a:p>
@@ -3777,7 +3939,7 @@
     </p:spTree>
     <p:extLst>
       <p:ext uri="{BB962C8B-B14F-4D97-AF65-F5344CB8AC3E}">
-        <p14:creationId xmlns:p14="http://schemas.microsoft.com/office/powerpoint/2010/main" val="2066617551"/>
+        <p14:creationId xmlns:p14="http://schemas.microsoft.com/office/powerpoint/2010/main" val="3826001111"/>
       </p:ext>
     </p:extLst>
   </p:cSld>
@@ -3847,7 +4009,7 @@
                   <a:srgbClr val="0000FF"/>
                 </a:solidFill>
               </a:rPr>
-              <a:t>Coding exercise</a:t>
+              <a:t>Language (Exercise)</a:t>
             </a:r>
             <a:endParaRPr lang="en-US" b="1" dirty="0">
               <a:solidFill>
@@ -3865,8 +4027,8 @@
         </p:nvSpPr>
         <p:spPr>
           <a:xfrm>
-            <a:off x="5289459" y="6273224"/>
-            <a:ext cx="3854541" cy="584776"/>
+            <a:off x="6779451" y="6273224"/>
+            <a:ext cx="2364549" cy="584776"/>
           </a:xfrm>
           <a:prstGeom prst="rect">
             <a:avLst/>
@@ -3890,7 +4052,19 @@
                 <a:latin typeface="Arial Black"/>
                 <a:cs typeface="Arial Black"/>
               </a:rPr>
-              <a:t>@LlewellynFalco</a:t>
+              <a:t>@</a:t>
+            </a:r>
+            <a:r>
+              <a:rPr lang="en-US" sz="3200" b="1" dirty="0" err="1" smtClean="0">
+                <a:solidFill>
+                  <a:schemeClr val="bg1">
+                    <a:lumMod val="75000"/>
+                  </a:schemeClr>
+                </a:solidFill>
+                <a:latin typeface="Arial Black"/>
+                <a:cs typeface="Arial Black"/>
+              </a:rPr>
+              <a:t>maaretp</a:t>
             </a:r>
             <a:endParaRPr lang="en-US" sz="3200" b="1" dirty="0">
               <a:solidFill>
@@ -3972,72 +4146,17 @@
           <a:lstStyle/>
           <a:p>
             <a:r>
-              <a:rPr lang="en-US" b="1" dirty="0" smtClean="0">
-                <a:solidFill>
-                  <a:srgbClr val="0000FF"/>
-                </a:solidFill>
-              </a:rPr>
-              <a:t>Mobbing exercise</a:t>
-            </a:r>
-            <a:endParaRPr lang="en-US" b="1" dirty="0">
-              <a:solidFill>
-                <a:srgbClr val="0000FF"/>
-              </a:solidFill>
-            </a:endParaRPr>
-          </a:p>
-        </p:txBody>
-      </p:sp>
-      <p:sp>
-        <p:nvSpPr>
-          <p:cNvPr id="3" name="TextBox 2"/>
-          <p:cNvSpPr txBox="1"/>
-          <p:nvPr/>
-        </p:nvSpPr>
-        <p:spPr>
-          <a:xfrm>
-            <a:off x="5289459" y="6273224"/>
-            <a:ext cx="3854541" cy="584776"/>
-          </a:xfrm>
-          <a:prstGeom prst="rect">
-            <a:avLst/>
-          </a:prstGeom>
-          <a:noFill/>
-        </p:spPr>
-        <p:txBody>
-          <a:bodyPr wrap="none" rtlCol="0">
-            <a:spAutoFit/>
-          </a:bodyPr>
-          <a:lstStyle/>
-          <a:p>
-            <a:pPr algn="r"/>
-            <a:r>
-              <a:rPr lang="en-US" sz="3200" b="1" dirty="0" smtClean="0">
-                <a:solidFill>
-                  <a:schemeClr val="bg1">
-                    <a:lumMod val="75000"/>
-                  </a:schemeClr>
-                </a:solidFill>
-                <a:latin typeface="Arial Black"/>
-                <a:cs typeface="Arial Black"/>
-              </a:rPr>
-              <a:t>@LlewellynFalco</a:t>
-            </a:r>
-            <a:endParaRPr lang="en-US" sz="3200" b="1" dirty="0">
-              <a:solidFill>
-                <a:schemeClr val="bg1">
-                  <a:lumMod val="75000"/>
-                </a:schemeClr>
-              </a:solidFill>
-              <a:latin typeface="Arial Black"/>
-              <a:cs typeface="Arial Black"/>
-            </a:endParaRPr>
+              <a:rPr lang="en-US" b="1" dirty="0" smtClean="0"/>
+              <a:t>How to start pairing.</a:t>
+            </a:r>
+            <a:endParaRPr lang="en-US" b="1" dirty="0"/>
           </a:p>
         </p:txBody>
       </p:sp>
     </p:spTree>
     <p:extLst>
       <p:ext uri="{BB962C8B-B14F-4D97-AF65-F5344CB8AC3E}">
-        <p14:creationId xmlns:p14="http://schemas.microsoft.com/office/powerpoint/2010/main" val="3147229093"/>
+        <p14:creationId xmlns:p14="http://schemas.microsoft.com/office/powerpoint/2010/main" val="1727143805"/>
       </p:ext>
     </p:extLst>
   </p:cSld>
@@ -4102,72 +4221,24 @@
           <a:lstStyle/>
           <a:p>
             <a:r>
-              <a:rPr lang="en-US" b="1" dirty="0" smtClean="0">
-                <a:solidFill>
-                  <a:srgbClr val="0000FF"/>
-                </a:solidFill>
-              </a:rPr>
-              <a:t>Homework Assignment</a:t>
-            </a:r>
-            <a:endParaRPr lang="en-US" b="1" dirty="0">
-              <a:solidFill>
-                <a:srgbClr val="0000FF"/>
-              </a:solidFill>
-            </a:endParaRPr>
-          </a:p>
-        </p:txBody>
-      </p:sp>
-      <p:sp>
-        <p:nvSpPr>
-          <p:cNvPr id="3" name="TextBox 2"/>
-          <p:cNvSpPr txBox="1"/>
-          <p:nvPr/>
-        </p:nvSpPr>
-        <p:spPr>
-          <a:xfrm>
-            <a:off x="5289459" y="6273224"/>
-            <a:ext cx="3854541" cy="584776"/>
-          </a:xfrm>
-          <a:prstGeom prst="rect">
-            <a:avLst/>
-          </a:prstGeom>
-          <a:noFill/>
-        </p:spPr>
-        <p:txBody>
-          <a:bodyPr wrap="none" rtlCol="0">
-            <a:spAutoFit/>
-          </a:bodyPr>
-          <a:lstStyle/>
-          <a:p>
-            <a:pPr algn="r"/>
-            <a:r>
-              <a:rPr lang="en-US" sz="3200" b="1" dirty="0" smtClean="0">
-                <a:solidFill>
-                  <a:schemeClr val="bg1">
-                    <a:lumMod val="75000"/>
-                  </a:schemeClr>
-                </a:solidFill>
-                <a:latin typeface="Arial Black"/>
-                <a:cs typeface="Arial Black"/>
-              </a:rPr>
-              <a:t>@LlewellynFalco</a:t>
-            </a:r>
-            <a:endParaRPr lang="en-US" sz="3200" b="1" dirty="0">
-              <a:solidFill>
-                <a:schemeClr val="bg1">
-                  <a:lumMod val="75000"/>
-                </a:schemeClr>
-              </a:solidFill>
-              <a:latin typeface="Arial Black"/>
-              <a:cs typeface="Arial Black"/>
-            </a:endParaRPr>
+              <a:rPr lang="en-US" b="1" dirty="0" smtClean="0"/>
+              <a:t>Trust is built on </a:t>
+            </a:r>
+            <a:br>
+              <a:rPr lang="en-US" b="1" dirty="0" smtClean="0"/>
+            </a:br>
+            <a:r>
+              <a:rPr lang="en-US" b="1" dirty="0" smtClean="0"/>
+              <a:t>Many small successes</a:t>
+            </a:r>
+            <a:endParaRPr lang="en-US" b="1" dirty="0"/>
           </a:p>
         </p:txBody>
       </p:sp>
     </p:spTree>
     <p:extLst>
       <p:ext uri="{BB962C8B-B14F-4D97-AF65-F5344CB8AC3E}">
-        <p14:creationId xmlns:p14="http://schemas.microsoft.com/office/powerpoint/2010/main" val="258791637"/>
+        <p14:creationId xmlns:p14="http://schemas.microsoft.com/office/powerpoint/2010/main" val="2066617551"/>
       </p:ext>
     </p:extLst>
   </p:cSld>
@@ -4211,14 +4282,52 @@
       </p:grpSpPr>
       <p:sp>
         <p:nvSpPr>
+          <p:cNvPr id="4" name="Title 3"/>
+          <p:cNvSpPr>
+            <a:spLocks noGrp="1"/>
+          </p:cNvSpPr>
+          <p:nvPr>
+            <p:ph type="title"/>
+          </p:nvPr>
+        </p:nvSpPr>
+        <p:spPr>
+          <a:xfrm>
+            <a:off x="457201" y="274640"/>
+            <a:ext cx="8229599" cy="6162776"/>
+          </a:xfrm>
+        </p:spPr>
+        <p:txBody>
+          <a:bodyPr>
+            <a:normAutofit/>
+          </a:bodyPr>
+          <a:lstStyle/>
+          <a:p>
+            <a:r>
+              <a:rPr lang="en-US" b="1" dirty="0" smtClean="0">
+                <a:solidFill>
+                  <a:srgbClr val="0000FF"/>
+                </a:solidFill>
+              </a:rPr>
+              <a:t>Coding exercise</a:t>
+            </a:r>
+            <a:endParaRPr lang="en-US" b="1" dirty="0">
+              <a:solidFill>
+                <a:srgbClr val="0000FF"/>
+              </a:solidFill>
+            </a:endParaRPr>
+          </a:p>
+        </p:txBody>
+      </p:sp>
+      <p:sp>
+        <p:nvSpPr>
           <p:cNvPr id="3" name="TextBox 2"/>
           <p:cNvSpPr txBox="1"/>
           <p:nvPr/>
         </p:nvSpPr>
         <p:spPr>
           <a:xfrm>
-            <a:off x="0" y="5835769"/>
-            <a:ext cx="9144000" cy="477021"/>
+            <a:off x="5289459" y="6273224"/>
+            <a:ext cx="3854541" cy="584776"/>
           </a:xfrm>
           <a:prstGeom prst="rect">
             <a:avLst/>
@@ -4226,58 +4335,40 @@
           <a:noFill/>
         </p:spPr>
         <p:txBody>
-          <a:bodyPr wrap="square" lIns="91412" tIns="45704" rIns="91412" bIns="45704" rtlCol="0">
+          <a:bodyPr wrap="none" rtlCol="0">
             <a:spAutoFit/>
           </a:bodyPr>
           <a:lstStyle/>
           <a:p>
-            <a:pPr algn="ctr"/>
-            <a:r>
-              <a:rPr lang="en-US" sz="2500" dirty="0"/>
-              <a:t>#</a:t>
-            </a:r>
-            <a:r>
-              <a:rPr lang="en-US" sz="2500" dirty="0" err="1"/>
-              <a:t>MobProgrammingGuidebook</a:t>
-            </a:r>
-            <a:endParaRPr lang="en-US" sz="2500" dirty="0"/>
-          </a:p>
-        </p:txBody>
-      </p:sp>
-      <p:pic>
-        <p:nvPicPr>
-          <p:cNvPr id="26" name="Picture 25" descr="Screen Shot 2015-11-05 at 8.12.21 AM.png"/>
-          <p:cNvPicPr>
-            <a:picLocks noChangeAspect="1"/>
-          </p:cNvPicPr>
-          <p:nvPr/>
-        </p:nvPicPr>
-        <p:blipFill>
-          <a:blip r:embed="rId2">
-            <a:extLst>
-              <a:ext uri="{28A0092B-C50C-407E-A947-70E740481C1C}">
-                <a14:useLocalDpi xmlns:a14="http://schemas.microsoft.com/office/drawing/2010/main" val="0"/>
-              </a:ext>
-            </a:extLst>
-          </a:blip>
-          <a:stretch>
-            <a:fillRect/>
-          </a:stretch>
-        </p:blipFill>
-        <p:spPr>
-          <a:xfrm>
-            <a:off x="1104902" y="366258"/>
-            <a:ext cx="6197601" cy="5336160"/>
-          </a:xfrm>
-          <a:prstGeom prst="rect">
-            <a:avLst/>
-          </a:prstGeom>
-        </p:spPr>
-      </p:pic>
+            <a:pPr algn="r"/>
+            <a:r>
+              <a:rPr lang="en-US" sz="3200" b="1" dirty="0" smtClean="0">
+                <a:solidFill>
+                  <a:schemeClr val="bg1">
+                    <a:lumMod val="75000"/>
+                  </a:schemeClr>
+                </a:solidFill>
+                <a:latin typeface="Arial Black"/>
+                <a:cs typeface="Arial Black"/>
+              </a:rPr>
+              <a:t>@LlewellynFalco</a:t>
+            </a:r>
+            <a:endParaRPr lang="en-US" sz="3200" b="1" dirty="0">
+              <a:solidFill>
+                <a:schemeClr val="bg1">
+                  <a:lumMod val="75000"/>
+                </a:schemeClr>
+              </a:solidFill>
+              <a:latin typeface="Arial Black"/>
+              <a:cs typeface="Arial Black"/>
+            </a:endParaRPr>
+          </a:p>
+        </p:txBody>
+      </p:sp>
     </p:spTree>
     <p:extLst>
       <p:ext uri="{BB962C8B-B14F-4D97-AF65-F5344CB8AC3E}">
-        <p14:creationId xmlns:p14="http://schemas.microsoft.com/office/powerpoint/2010/main" val="3827118245"/>
+        <p14:creationId xmlns:p14="http://schemas.microsoft.com/office/powerpoint/2010/main" val="959464983"/>
       </p:ext>
     </p:extLst>
   </p:cSld>
@@ -4321,216 +4412,392 @@
       </p:grpSpPr>
       <p:sp>
         <p:nvSpPr>
-          <p:cNvPr id="5" name="Rectangle 4"/>
-          <p:cNvSpPr/>
+          <p:cNvPr id="4" name="Title 3"/>
+          <p:cNvSpPr>
+            <a:spLocks noGrp="1"/>
+          </p:cNvSpPr>
+          <p:nvPr>
+            <p:ph type="title"/>
+          </p:nvPr>
+        </p:nvSpPr>
+        <p:spPr>
+          <a:xfrm>
+            <a:off x="457201" y="274640"/>
+            <a:ext cx="8229599" cy="6162776"/>
+          </a:xfrm>
+        </p:spPr>
+        <p:txBody>
+          <a:bodyPr>
+            <a:normAutofit/>
+          </a:bodyPr>
+          <a:lstStyle/>
+          <a:p>
+            <a:r>
+              <a:rPr lang="en-US" b="1" dirty="0" smtClean="0">
+                <a:solidFill>
+                  <a:srgbClr val="0000FF"/>
+                </a:solidFill>
+              </a:rPr>
+              <a:t>Fizz Buzz</a:t>
+            </a:r>
+            <a:br>
+              <a:rPr lang="en-US" b="1" dirty="0" smtClean="0">
+                <a:solidFill>
+                  <a:srgbClr val="0000FF"/>
+                </a:solidFill>
+              </a:rPr>
+            </a:br>
+            <a:r>
+              <a:rPr lang="en-US" sz="3200" dirty="0"/>
+              <a:t/>
+            </a:r>
+            <a:br>
+              <a:rPr lang="en-US" sz="3200" dirty="0"/>
+            </a:br>
+            <a:r>
+              <a:rPr lang="en-US" sz="3200" dirty="0" smtClean="0"/>
+              <a:t>1, 2, Fizz, 4, Buzz, </a:t>
+            </a:r>
+            <a:br>
+              <a:rPr lang="en-US" sz="3200" dirty="0" smtClean="0"/>
+            </a:br>
+            <a:r>
+              <a:rPr lang="en-US" sz="3200" dirty="0" smtClean="0"/>
+              <a:t>Fizz, 7, 8, Fizz, Buzz,</a:t>
+            </a:r>
+            <a:br>
+              <a:rPr lang="en-US" sz="3200" dirty="0" smtClean="0"/>
+            </a:br>
+            <a:r>
+              <a:rPr lang="en-US" sz="3200" dirty="0" smtClean="0"/>
+              <a:t> 11, Fizz, 13, 14, FizzBuzz,</a:t>
+            </a:r>
+            <a:br>
+              <a:rPr lang="en-US" sz="3200" dirty="0" smtClean="0"/>
+            </a:br>
+            <a:r>
+              <a:rPr lang="en-US" sz="3200" dirty="0" smtClean="0"/>
+              <a:t> 16, 17, Fizz, 19, Buzz</a:t>
+            </a:r>
+            <a:endParaRPr lang="en-US" sz="3200" dirty="0"/>
+          </a:p>
+        </p:txBody>
+      </p:sp>
+      <p:sp>
+        <p:nvSpPr>
+          <p:cNvPr id="3" name="TextBox 2"/>
+          <p:cNvSpPr txBox="1"/>
           <p:nvPr/>
         </p:nvSpPr>
         <p:spPr>
           <a:xfrm>
-            <a:off x="1572297" y="3886199"/>
-            <a:ext cx="6329492" cy="1535701"/>
+            <a:off x="5289459" y="6273224"/>
+            <a:ext cx="3854541" cy="584776"/>
           </a:xfrm>
           <a:prstGeom prst="rect">
             <a:avLst/>
           </a:prstGeom>
-          <a:solidFill>
-            <a:srgbClr val="FFFFFF">
-              <a:alpha val="77000"/>
-            </a:srgbClr>
-          </a:solidFill>
-          <a:ln>
-            <a:solidFill>
-              <a:srgbClr val="FFFFFF"/>
-            </a:solidFill>
-          </a:ln>
-          <a:effectLst/>
-        </p:spPr>
-        <p:style>
-          <a:lnRef idx="1">
-            <a:schemeClr val="accent1"/>
-          </a:lnRef>
-          <a:fillRef idx="3">
-            <a:schemeClr val="accent1"/>
-          </a:fillRef>
-          <a:effectRef idx="2">
-            <a:schemeClr val="accent1"/>
-          </a:effectRef>
-          <a:fontRef idx="minor">
-            <a:schemeClr val="lt1"/>
-          </a:fontRef>
-        </p:style>
-        <p:txBody>
-          <a:bodyPr lIns="91412" tIns="45704" rIns="91412" bIns="45704" rtlCol="0" anchor="ctr"/>
-          <a:lstStyle/>
-          <a:p>
-            <a:pPr algn="ctr"/>
-            <a:endParaRPr lang="en-US"/>
-          </a:p>
-        </p:txBody>
-      </p:sp>
-      <p:sp>
-        <p:nvSpPr>
-          <p:cNvPr id="8" name="Rectangle 7"/>
-          <p:cNvSpPr/>
+          <a:noFill/>
+        </p:spPr>
+        <p:txBody>
+          <a:bodyPr wrap="none" rtlCol="0">
+            <a:spAutoFit/>
+          </a:bodyPr>
+          <a:lstStyle/>
+          <a:p>
+            <a:pPr algn="r"/>
+            <a:r>
+              <a:rPr lang="en-US" sz="3200" b="1" dirty="0" smtClean="0">
+                <a:solidFill>
+                  <a:schemeClr val="bg1">
+                    <a:lumMod val="75000"/>
+                  </a:schemeClr>
+                </a:solidFill>
+                <a:latin typeface="Arial Black"/>
+                <a:cs typeface="Arial Black"/>
+              </a:rPr>
+              <a:t>@LlewellynFalco</a:t>
+            </a:r>
+            <a:endParaRPr lang="en-US" sz="3200" b="1" dirty="0">
+              <a:solidFill>
+                <a:schemeClr val="bg1">
+                  <a:lumMod val="75000"/>
+                </a:schemeClr>
+              </a:solidFill>
+              <a:latin typeface="Arial Black"/>
+              <a:cs typeface="Arial Black"/>
+            </a:endParaRPr>
+          </a:p>
+        </p:txBody>
+      </p:sp>
+    </p:spTree>
+    <p:extLst>
+      <p:ext uri="{BB962C8B-B14F-4D97-AF65-F5344CB8AC3E}">
+        <p14:creationId xmlns:p14="http://schemas.microsoft.com/office/powerpoint/2010/main" val="2026983350"/>
+      </p:ext>
+    </p:extLst>
+  </p:cSld>
+  <p:clrMapOvr>
+    <a:masterClrMapping/>
+  </p:clrMapOvr>
+  <mc:AlternateContent xmlns:mc="http://schemas.openxmlformats.org/markup-compatibility/2006" xmlns:p14="http://schemas.microsoft.com/office/powerpoint/2010/main">
+    <mc:Choice Requires="p14">
+      <p:transition spd="slow" p14:dur="2000"/>
+    </mc:Choice>
+    <mc:Fallback xmlns="">
+      <p:transition xmlns:p14="http://schemas.microsoft.com/office/powerpoint/2010/main" spd="slow"/>
+    </mc:Fallback>
+  </mc:AlternateContent>
+  <p:timing>
+    <p:tnLst>
+      <p:par>
+        <p:cTn xmlns:p14="http://schemas.microsoft.com/office/powerpoint/2010/main" id="1" dur="indefinite" restart="never" nodeType="tmRoot"/>
+      </p:par>
+    </p:tnLst>
+  </p:timing>
+</p:sld>
+</file>
+
+<file path=ppt/slides/slide17.xml><?xml version="1.0" encoding="utf-8"?>
+<p:sld xmlns:a="http://schemas.openxmlformats.org/drawingml/2006/main" xmlns:r="http://schemas.openxmlformats.org/officeDocument/2006/relationships" xmlns:p="http://schemas.openxmlformats.org/presentationml/2006/main">
+  <p:cSld>
+    <p:spTree>
+      <p:nvGrpSpPr>
+        <p:cNvPr id="1" name=""/>
+        <p:cNvGrpSpPr/>
+        <p:nvPr/>
+      </p:nvGrpSpPr>
+      <p:grpSpPr>
+        <a:xfrm>
+          <a:off x="0" y="0"/>
+          <a:ext cx="0" cy="0"/>
+          <a:chOff x="0" y="0"/>
+          <a:chExt cx="0" cy="0"/>
+        </a:xfrm>
+      </p:grpSpPr>
+      <p:sp>
+        <p:nvSpPr>
+          <p:cNvPr id="4" name="Title 3"/>
+          <p:cNvSpPr>
+            <a:spLocks noGrp="1"/>
+          </p:cNvSpPr>
+          <p:nvPr>
+            <p:ph type="title"/>
+          </p:nvPr>
+        </p:nvSpPr>
+        <p:spPr>
+          <a:xfrm>
+            <a:off x="457201" y="274640"/>
+            <a:ext cx="8229599" cy="6162776"/>
+          </a:xfrm>
+        </p:spPr>
+        <p:txBody>
+          <a:bodyPr>
+            <a:normAutofit/>
+          </a:bodyPr>
+          <a:lstStyle/>
+          <a:p>
+            <a:r>
+              <a:rPr lang="en-US" b="1" dirty="0" smtClean="0">
+                <a:solidFill>
+                  <a:srgbClr val="0000FF"/>
+                </a:solidFill>
+              </a:rPr>
+              <a:t>Mobbing exercise</a:t>
+            </a:r>
+            <a:endParaRPr lang="en-US" b="1" dirty="0">
+              <a:solidFill>
+                <a:srgbClr val="0000FF"/>
+              </a:solidFill>
+            </a:endParaRPr>
+          </a:p>
+        </p:txBody>
+      </p:sp>
+      <p:sp>
+        <p:nvSpPr>
+          <p:cNvPr id="3" name="TextBox 2"/>
+          <p:cNvSpPr txBox="1"/>
           <p:nvPr/>
         </p:nvSpPr>
         <p:spPr>
           <a:xfrm>
-            <a:off x="3276829" y="2699355"/>
-            <a:ext cx="2568881" cy="646503"/>
+            <a:off x="6779451" y="6273224"/>
+            <a:ext cx="2364549" cy="584776"/>
           </a:xfrm>
           <a:prstGeom prst="rect">
             <a:avLst/>
           </a:prstGeom>
-          <a:solidFill>
-            <a:srgbClr val="FFFFFF">
-              <a:alpha val="78000"/>
-            </a:srgbClr>
-          </a:solidFill>
-          <a:ln>
-            <a:solidFill>
-              <a:srgbClr val="FFFFFF"/>
-            </a:solidFill>
-          </a:ln>
-          <a:effectLst/>
-        </p:spPr>
-        <p:style>
-          <a:lnRef idx="1">
-            <a:schemeClr val="accent1"/>
-          </a:lnRef>
-          <a:fillRef idx="3">
-            <a:schemeClr val="accent1"/>
-          </a:fillRef>
-          <a:effectRef idx="2">
-            <a:schemeClr val="accent1"/>
-          </a:effectRef>
-          <a:fontRef idx="minor">
-            <a:schemeClr val="lt1"/>
-          </a:fontRef>
-        </p:style>
-        <p:txBody>
-          <a:bodyPr lIns="91412" tIns="45704" rIns="91412" bIns="45704" rtlCol="0" anchor="ctr"/>
-          <a:lstStyle/>
-          <a:p>
-            <a:pPr algn="ctr"/>
-            <a:endParaRPr lang="en-US"/>
-          </a:p>
-        </p:txBody>
-      </p:sp>
-      <p:sp>
-        <p:nvSpPr>
-          <p:cNvPr id="6" name="Title 5"/>
-          <p:cNvSpPr>
-            <a:spLocks noGrp="1"/>
-          </p:cNvSpPr>
-          <p:nvPr>
-            <p:ph type="ctrTitle"/>
-          </p:nvPr>
-        </p:nvSpPr>
-        <p:spPr>
-          <a:xfrm>
-            <a:off x="685801" y="2262910"/>
-            <a:ext cx="7772399" cy="1470024"/>
-          </a:xfrm>
-        </p:spPr>
-        <p:txBody>
-          <a:bodyPr/>
-          <a:lstStyle/>
-          <a:p>
-            <a:r>
-              <a:rPr lang="en-US" b="1" dirty="0" smtClean="0"/>
-              <a:t>Thank you.</a:t>
-            </a:r>
-            <a:endParaRPr lang="en-US" b="1" dirty="0"/>
-          </a:p>
-        </p:txBody>
-      </p:sp>
-      <p:sp>
-        <p:nvSpPr>
-          <p:cNvPr id="7" name="Subtitle 6"/>
-          <p:cNvSpPr>
-            <a:spLocks noGrp="1"/>
-          </p:cNvSpPr>
-          <p:nvPr>
-            <p:ph type="subTitle" idx="1"/>
-          </p:nvPr>
-        </p:nvSpPr>
-        <p:spPr/>
+          <a:noFill/>
+        </p:spPr>
+        <p:txBody>
+          <a:bodyPr wrap="none" rtlCol="0">
+            <a:spAutoFit/>
+          </a:bodyPr>
+          <a:lstStyle/>
+          <a:p>
+            <a:pPr algn="r"/>
+            <a:r>
+              <a:rPr lang="en-US" sz="3200" b="1" dirty="0" smtClean="0">
+                <a:solidFill>
+                  <a:schemeClr val="bg1">
+                    <a:lumMod val="75000"/>
+                  </a:schemeClr>
+                </a:solidFill>
+                <a:latin typeface="Arial Black"/>
+                <a:cs typeface="Arial Black"/>
+              </a:rPr>
+              <a:t>@</a:t>
+            </a:r>
+            <a:r>
+              <a:rPr lang="en-US" sz="3200" b="1" dirty="0" err="1" smtClean="0">
+                <a:solidFill>
+                  <a:schemeClr val="bg1">
+                    <a:lumMod val="75000"/>
+                  </a:schemeClr>
+                </a:solidFill>
+                <a:latin typeface="Arial Black"/>
+                <a:cs typeface="Arial Black"/>
+              </a:rPr>
+              <a:t>maaretp</a:t>
+            </a:r>
+            <a:endParaRPr lang="en-US" sz="3200" b="1" dirty="0">
+              <a:solidFill>
+                <a:schemeClr val="bg1">
+                  <a:lumMod val="75000"/>
+                </a:schemeClr>
+              </a:solidFill>
+              <a:latin typeface="Arial Black"/>
+              <a:cs typeface="Arial Black"/>
+            </a:endParaRPr>
+          </a:p>
+        </p:txBody>
+      </p:sp>
+    </p:spTree>
+    <p:extLst>
+      <p:ext uri="{BB962C8B-B14F-4D97-AF65-F5344CB8AC3E}">
+        <p14:creationId xmlns:p14="http://schemas.microsoft.com/office/powerpoint/2010/main" val="3147229093"/>
+      </p:ext>
+    </p:extLst>
+  </p:cSld>
+  <p:clrMapOvr>
+    <a:masterClrMapping/>
+  </p:clrMapOvr>
+  <mc:AlternateContent xmlns:mc="http://schemas.openxmlformats.org/markup-compatibility/2006" xmlns:p14="http://schemas.microsoft.com/office/powerpoint/2010/main">
+    <mc:Choice Requires="p14">
+      <p:transition spd="slow" p14:dur="2000"/>
+    </mc:Choice>
+    <mc:Fallback xmlns="">
+      <p:transition xmlns:p14="http://schemas.microsoft.com/office/powerpoint/2010/main" spd="slow"/>
+    </mc:Fallback>
+  </mc:AlternateContent>
+  <p:timing>
+    <p:tnLst>
+      <p:par>
+        <p:cTn xmlns:p14="http://schemas.microsoft.com/office/powerpoint/2010/main" id="1" dur="indefinite" restart="never" nodeType="tmRoot"/>
+      </p:par>
+    </p:tnLst>
+  </p:timing>
+</p:sld>
+</file>
+
+<file path=ppt/slides/slide18.xml><?xml version="1.0" encoding="utf-8"?>
+<p:sld xmlns:a="http://schemas.openxmlformats.org/drawingml/2006/main" xmlns:r="http://schemas.openxmlformats.org/officeDocument/2006/relationships" xmlns:p="http://schemas.openxmlformats.org/presentationml/2006/main">
+  <p:cSld>
+    <p:spTree>
+      <p:nvGrpSpPr>
+        <p:cNvPr id="1" name=""/>
+        <p:cNvGrpSpPr/>
+        <p:nvPr/>
+      </p:nvGrpSpPr>
+      <p:grpSpPr>
+        <a:xfrm>
+          <a:off x="0" y="0"/>
+          <a:ext cx="0" cy="0"/>
+          <a:chOff x="0" y="0"/>
+          <a:chExt cx="0" cy="0"/>
+        </a:xfrm>
+      </p:grpSpPr>
+      <p:sp>
+        <p:nvSpPr>
+          <p:cNvPr id="4" name="Title 3"/>
+          <p:cNvSpPr>
+            <a:spLocks noGrp="1"/>
+          </p:cNvSpPr>
+          <p:nvPr>
+            <p:ph type="title"/>
+          </p:nvPr>
+        </p:nvSpPr>
+        <p:spPr>
+          <a:xfrm>
+            <a:off x="457201" y="274640"/>
+            <a:ext cx="8229599" cy="6162776"/>
+          </a:xfrm>
+        </p:spPr>
         <p:txBody>
           <a:bodyPr>
             <a:normAutofit/>
           </a:bodyPr>
           <a:lstStyle/>
           <a:p>
+            <a:r>
+              <a:rPr lang="en-US" b="1" dirty="0" smtClean="0">
+                <a:solidFill>
+                  <a:srgbClr val="0000FF"/>
+                </a:solidFill>
+              </a:rPr>
+              <a:t>Reese’s exercise</a:t>
+            </a:r>
+            <a:endParaRPr lang="en-US" b="1" dirty="0">
+              <a:solidFill>
+                <a:srgbClr val="0000FF"/>
+              </a:solidFill>
+            </a:endParaRPr>
+          </a:p>
+        </p:txBody>
+      </p:sp>
+      <p:sp>
+        <p:nvSpPr>
+          <p:cNvPr id="3" name="TextBox 2"/>
+          <p:cNvSpPr txBox="1"/>
+          <p:nvPr/>
+        </p:nvSpPr>
+        <p:spPr>
+          <a:xfrm>
+            <a:off x="5289459" y="6273224"/>
+            <a:ext cx="3854541" cy="584776"/>
+          </a:xfrm>
+          <a:prstGeom prst="rect">
+            <a:avLst/>
+          </a:prstGeom>
+          <a:noFill/>
+        </p:spPr>
+        <p:txBody>
+          <a:bodyPr wrap="none" rtlCol="0">
+            <a:spAutoFit/>
+          </a:bodyPr>
+          <a:lstStyle/>
+          <a:p>
             <a:pPr algn="r"/>
             <a:r>
-              <a:rPr lang="en-US" dirty="0" smtClean="0">
+              <a:rPr lang="en-US" sz="3200" b="1" dirty="0" smtClean="0">
                 <a:solidFill>
-                  <a:schemeClr val="tx1">
+                  <a:schemeClr val="bg1">
                     <a:lumMod val="75000"/>
-                    <a:lumOff val="25000"/>
                   </a:schemeClr>
                 </a:solidFill>
+                <a:latin typeface="Arial Black"/>
+                <a:cs typeface="Arial Black"/>
               </a:rPr>
-              <a:t>@</a:t>
-            </a:r>
-            <a:r>
-              <a:rPr lang="en-US" dirty="0" err="1" smtClean="0">
-                <a:solidFill>
-                  <a:schemeClr val="tx1">
-                    <a:lumMod val="75000"/>
-                    <a:lumOff val="25000"/>
-                  </a:schemeClr>
-                </a:solidFill>
-              </a:rPr>
-              <a:t>maaretp</a:t>
-            </a:r>
-            <a:endParaRPr lang="en-US" dirty="0" smtClean="0">
+              <a:t>@LlewellynFalco</a:t>
+            </a:r>
+            <a:endParaRPr lang="en-US" sz="3200" b="1" dirty="0">
               <a:solidFill>
-                <a:schemeClr val="tx1">
+                <a:schemeClr val="bg1">
                   <a:lumMod val="75000"/>
-                  <a:lumOff val="25000"/>
                 </a:schemeClr>
               </a:solidFill>
-            </a:endParaRPr>
-          </a:p>
-          <a:p>
-            <a:pPr algn="r"/>
-            <a:r>
-              <a:rPr lang="en-US" dirty="0" smtClean="0">
-                <a:solidFill>
-                  <a:schemeClr val="tx1">
-                    <a:lumMod val="75000"/>
-                    <a:lumOff val="25000"/>
-                  </a:schemeClr>
-                </a:solidFill>
-              </a:rPr>
-              <a:t>@LlewellynFalco</a:t>
-            </a:r>
-          </a:p>
-          <a:p>
-            <a:pPr algn="r"/>
-            <a:r>
-              <a:rPr lang="en-US" sz="2100" dirty="0">
-                <a:solidFill>
-                  <a:schemeClr val="tx1">
-                    <a:lumMod val="75000"/>
-                    <a:lumOff val="25000"/>
-                  </a:schemeClr>
-                </a:solidFill>
-              </a:rPr>
-              <a:t>(please connect with us through Twitter or LinkedIn)</a:t>
-            </a:r>
-          </a:p>
-          <a:p>
-            <a:pPr algn="r"/>
-            <a:endParaRPr lang="en-US" sz="2100" dirty="0">
-              <a:solidFill>
-                <a:schemeClr val="tx1">
-                  <a:lumMod val="75000"/>
-                  <a:lumOff val="25000"/>
-                </a:schemeClr>
-              </a:solidFill>
+              <a:latin typeface="Arial Black"/>
+              <a:cs typeface="Arial Black"/>
             </a:endParaRPr>
           </a:p>
         </p:txBody>
@@ -4538,7 +4805,113 @@
     </p:spTree>
     <p:extLst>
       <p:ext uri="{BB962C8B-B14F-4D97-AF65-F5344CB8AC3E}">
-        <p14:creationId xmlns:p14="http://schemas.microsoft.com/office/powerpoint/2010/main" val="1060893599"/>
+        <p14:creationId xmlns:p14="http://schemas.microsoft.com/office/powerpoint/2010/main" val="1922938958"/>
+      </p:ext>
+    </p:extLst>
+  </p:cSld>
+  <p:clrMapOvr>
+    <a:masterClrMapping/>
+  </p:clrMapOvr>
+  <mc:AlternateContent xmlns:mc="http://schemas.openxmlformats.org/markup-compatibility/2006" xmlns:p14="http://schemas.microsoft.com/office/powerpoint/2010/main">
+    <mc:Choice Requires="p14">
+      <p:transition spd="slow" p14:dur="2000"/>
+    </mc:Choice>
+    <mc:Fallback xmlns="">
+      <p:transition xmlns:p14="http://schemas.microsoft.com/office/powerpoint/2010/main" spd="slow"/>
+    </mc:Fallback>
+  </mc:AlternateContent>
+  <p:timing>
+    <p:tnLst>
+      <p:par>
+        <p:cTn xmlns:p14="http://schemas.microsoft.com/office/powerpoint/2010/main" id="1" dur="indefinite" restart="never" nodeType="tmRoot"/>
+      </p:par>
+    </p:tnLst>
+  </p:timing>
+</p:sld>
+</file>
+
+<file path=ppt/slides/slide19.xml><?xml version="1.0" encoding="utf-8"?>
+<p:sld xmlns:a="http://schemas.openxmlformats.org/drawingml/2006/main" xmlns:r="http://schemas.openxmlformats.org/officeDocument/2006/relationships" xmlns:p="http://schemas.openxmlformats.org/presentationml/2006/main">
+  <p:cSld>
+    <p:spTree>
+      <p:nvGrpSpPr>
+        <p:cNvPr id="1" name=""/>
+        <p:cNvGrpSpPr/>
+        <p:nvPr/>
+      </p:nvGrpSpPr>
+      <p:grpSpPr>
+        <a:xfrm>
+          <a:off x="0" y="0"/>
+          <a:ext cx="0" cy="0"/>
+          <a:chOff x="0" y="0"/>
+          <a:chExt cx="0" cy="0"/>
+        </a:xfrm>
+      </p:grpSpPr>
+      <p:sp>
+        <p:nvSpPr>
+          <p:cNvPr id="4" name="Title 3"/>
+          <p:cNvSpPr>
+            <a:spLocks noGrp="1"/>
+          </p:cNvSpPr>
+          <p:nvPr>
+            <p:ph type="title"/>
+          </p:nvPr>
+        </p:nvSpPr>
+        <p:spPr>
+          <a:xfrm>
+            <a:off x="457201" y="274640"/>
+            <a:ext cx="8229599" cy="6162776"/>
+          </a:xfrm>
+        </p:spPr>
+        <p:txBody>
+          <a:bodyPr>
+            <a:normAutofit/>
+          </a:bodyPr>
+          <a:lstStyle/>
+          <a:p>
+            <a:r>
+              <a:rPr lang="en-US" b="1" dirty="0" smtClean="0"/>
+              <a:t>Switching</a:t>
+            </a:r>
+            <a:br>
+              <a:rPr lang="en-US" b="1" dirty="0" smtClean="0"/>
+            </a:br>
+            <a:r>
+              <a:rPr lang="en-US" b="1" dirty="0"/>
+              <a:t/>
+            </a:r>
+            <a:br>
+              <a:rPr lang="en-US" b="1" dirty="0"/>
+            </a:br>
+            <a:r>
+              <a:rPr lang="en-US" dirty="0" smtClean="0"/>
+              <a:t>on time</a:t>
+            </a:r>
+            <a:r>
+              <a:rPr lang="en-US" dirty="0"/>
+              <a:t/>
+            </a:r>
+            <a:br>
+              <a:rPr lang="en-US" dirty="0"/>
+            </a:br>
+            <a:r>
+              <a:rPr lang="en-US" dirty="0" smtClean="0"/>
+              <a:t>on task</a:t>
+            </a:r>
+            <a:br>
+              <a:rPr lang="en-US" dirty="0" smtClean="0"/>
+            </a:br>
+            <a:r>
+              <a:rPr lang="en-US" dirty="0" smtClean="0"/>
+              <a:t>on idea</a:t>
+            </a:r>
+          </a:p>
+        </p:txBody>
+      </p:sp>
+    </p:spTree>
+    <p:extLst>
+      <p:ext uri="{BB962C8B-B14F-4D97-AF65-F5344CB8AC3E}">
+        <p14:creationId xmlns:p14="http://schemas.microsoft.com/office/powerpoint/2010/main" val="3064202126"/>
       </p:ext>
     </p:extLst>
   </p:cSld>
@@ -4604,16 +4977,1348 @@
           <a:p>
             <a:r>
               <a:rPr lang="en-US" b="1" dirty="0" smtClean="0"/>
-              <a:t>What is Strong Style?</a:t>
-            </a:r>
-            <a:endParaRPr lang="en-US" b="1" dirty="0"/>
+              <a:t>In the beginning </a:t>
+            </a:r>
+            <a:br>
+              <a:rPr lang="en-US" b="1" dirty="0" smtClean="0"/>
+            </a:br>
+            <a:r>
+              <a:rPr lang="en-US" b="1" dirty="0"/>
+              <a:t/>
+            </a:r>
+            <a:br>
+              <a:rPr lang="en-US" b="1" dirty="0"/>
+            </a:br>
+            <a:r>
+              <a:rPr lang="en-US" sz="3200" i="1" dirty="0" smtClean="0"/>
+              <a:t>(stories of pairing with </a:t>
+            </a:r>
+            <a:r>
+              <a:rPr lang="en-US" sz="3200" i="1" dirty="0"/>
+              <a:t>L</a:t>
+            </a:r>
+            <a:r>
+              <a:rPr lang="en-US" sz="3200" i="1" dirty="0" smtClean="0"/>
+              <a:t>lewellyn)</a:t>
+            </a:r>
+            <a:endParaRPr lang="en-US" sz="3200" i="1" dirty="0"/>
           </a:p>
         </p:txBody>
       </p:sp>
     </p:spTree>
     <p:extLst>
       <p:ext uri="{BB962C8B-B14F-4D97-AF65-F5344CB8AC3E}">
-        <p14:creationId xmlns:p14="http://schemas.microsoft.com/office/powerpoint/2010/main" val="14549952"/>
+        <p14:creationId xmlns:p14="http://schemas.microsoft.com/office/powerpoint/2010/main" val="2460151504"/>
+      </p:ext>
+    </p:extLst>
+  </p:cSld>
+  <p:clrMapOvr>
+    <a:masterClrMapping/>
+  </p:clrMapOvr>
+  <mc:AlternateContent xmlns:mc="http://schemas.openxmlformats.org/markup-compatibility/2006" xmlns:p14="http://schemas.microsoft.com/office/powerpoint/2010/main">
+    <mc:Choice Requires="p14">
+      <p:transition spd="slow" p14:dur="2000"/>
+    </mc:Choice>
+    <mc:Fallback xmlns="">
+      <p:transition xmlns:p14="http://schemas.microsoft.com/office/powerpoint/2010/main" spd="slow"/>
+    </mc:Fallback>
+  </mc:AlternateContent>
+  <p:timing>
+    <p:tnLst>
+      <p:par>
+        <p:cTn xmlns:p14="http://schemas.microsoft.com/office/powerpoint/2010/main" id="1" dur="indefinite" restart="never" nodeType="tmRoot"/>
+      </p:par>
+    </p:tnLst>
+  </p:timing>
+</p:sld>
+</file>
+
+<file path=ppt/slides/slide20.xml><?xml version="1.0" encoding="utf-8"?>
+<p:sld xmlns:a="http://schemas.openxmlformats.org/drawingml/2006/main" xmlns:r="http://schemas.openxmlformats.org/officeDocument/2006/relationships" xmlns:p="http://schemas.openxmlformats.org/presentationml/2006/main">
+  <p:cSld>
+    <p:spTree>
+      <p:nvGrpSpPr>
+        <p:cNvPr id="1" name=""/>
+        <p:cNvGrpSpPr/>
+        <p:nvPr/>
+      </p:nvGrpSpPr>
+      <p:grpSpPr>
+        <a:xfrm>
+          <a:off x="0" y="0"/>
+          <a:ext cx="0" cy="0"/>
+          <a:chOff x="0" y="0"/>
+          <a:chExt cx="0" cy="0"/>
+        </a:xfrm>
+      </p:grpSpPr>
+      <p:sp>
+        <p:nvSpPr>
+          <p:cNvPr id="4" name="Title 3"/>
+          <p:cNvSpPr>
+            <a:spLocks noGrp="1"/>
+          </p:cNvSpPr>
+          <p:nvPr>
+            <p:ph type="title"/>
+          </p:nvPr>
+        </p:nvSpPr>
+        <p:spPr>
+          <a:xfrm>
+            <a:off x="457201" y="274640"/>
+            <a:ext cx="8229599" cy="6162776"/>
+          </a:xfrm>
+        </p:spPr>
+        <p:txBody>
+          <a:bodyPr>
+            <a:normAutofit/>
+          </a:bodyPr>
+          <a:lstStyle/>
+          <a:p>
+            <a:r>
+              <a:rPr lang="en-US" b="1" dirty="0" smtClean="0">
+                <a:solidFill>
+                  <a:srgbClr val="0000FF"/>
+                </a:solidFill>
+              </a:rPr>
+              <a:t>Homework Assignment</a:t>
+            </a:r>
+            <a:endParaRPr lang="en-US" b="1" dirty="0">
+              <a:solidFill>
+                <a:srgbClr val="0000FF"/>
+              </a:solidFill>
+            </a:endParaRPr>
+          </a:p>
+        </p:txBody>
+      </p:sp>
+      <p:sp>
+        <p:nvSpPr>
+          <p:cNvPr id="3" name="TextBox 2"/>
+          <p:cNvSpPr txBox="1"/>
+          <p:nvPr/>
+        </p:nvSpPr>
+        <p:spPr>
+          <a:xfrm>
+            <a:off x="5289459" y="6273224"/>
+            <a:ext cx="3854541" cy="584776"/>
+          </a:xfrm>
+          <a:prstGeom prst="rect">
+            <a:avLst/>
+          </a:prstGeom>
+          <a:noFill/>
+        </p:spPr>
+        <p:txBody>
+          <a:bodyPr wrap="none" rtlCol="0">
+            <a:spAutoFit/>
+          </a:bodyPr>
+          <a:lstStyle/>
+          <a:p>
+            <a:pPr algn="r"/>
+            <a:r>
+              <a:rPr lang="en-US" sz="3200" b="1" dirty="0" smtClean="0">
+                <a:solidFill>
+                  <a:schemeClr val="bg1">
+                    <a:lumMod val="75000"/>
+                  </a:schemeClr>
+                </a:solidFill>
+                <a:latin typeface="Arial Black"/>
+                <a:cs typeface="Arial Black"/>
+              </a:rPr>
+              <a:t>@LlewellynFalco</a:t>
+            </a:r>
+            <a:endParaRPr lang="en-US" sz="3200" b="1" dirty="0">
+              <a:solidFill>
+                <a:schemeClr val="bg1">
+                  <a:lumMod val="75000"/>
+                </a:schemeClr>
+              </a:solidFill>
+              <a:latin typeface="Arial Black"/>
+              <a:cs typeface="Arial Black"/>
+            </a:endParaRPr>
+          </a:p>
+        </p:txBody>
+      </p:sp>
+    </p:spTree>
+    <p:extLst>
+      <p:ext uri="{BB962C8B-B14F-4D97-AF65-F5344CB8AC3E}">
+        <p14:creationId xmlns:p14="http://schemas.microsoft.com/office/powerpoint/2010/main" val="258791637"/>
+      </p:ext>
+    </p:extLst>
+  </p:cSld>
+  <p:clrMapOvr>
+    <a:masterClrMapping/>
+  </p:clrMapOvr>
+  <mc:AlternateContent xmlns:mc="http://schemas.openxmlformats.org/markup-compatibility/2006" xmlns:p14="http://schemas.microsoft.com/office/powerpoint/2010/main">
+    <mc:Choice Requires="p14">
+      <p:transition spd="slow" p14:dur="2000"/>
+    </mc:Choice>
+    <mc:Fallback xmlns="">
+      <p:transition xmlns:p14="http://schemas.microsoft.com/office/powerpoint/2010/main" spd="slow"/>
+    </mc:Fallback>
+  </mc:AlternateContent>
+  <p:timing>
+    <p:tnLst>
+      <p:par>
+        <p:cTn xmlns:p14="http://schemas.microsoft.com/office/powerpoint/2010/main" id="1" dur="indefinite" restart="never" nodeType="tmRoot"/>
+      </p:par>
+    </p:tnLst>
+  </p:timing>
+</p:sld>
+</file>
+
+<file path=ppt/slides/slide21.xml><?xml version="1.0" encoding="utf-8"?>
+<p:sld xmlns:a="http://schemas.openxmlformats.org/drawingml/2006/main" xmlns:r="http://schemas.openxmlformats.org/officeDocument/2006/relationships" xmlns:p="http://schemas.openxmlformats.org/presentationml/2006/main">
+  <p:cSld>
+    <p:spTree>
+      <p:nvGrpSpPr>
+        <p:cNvPr id="1" name=""/>
+        <p:cNvGrpSpPr/>
+        <p:nvPr/>
+      </p:nvGrpSpPr>
+      <p:grpSpPr>
+        <a:xfrm>
+          <a:off x="0" y="0"/>
+          <a:ext cx="0" cy="0"/>
+          <a:chOff x="0" y="0"/>
+          <a:chExt cx="0" cy="0"/>
+        </a:xfrm>
+      </p:grpSpPr>
+      <p:sp>
+        <p:nvSpPr>
+          <p:cNvPr id="9" name="Rounded Rectangle 8"/>
+          <p:cNvSpPr/>
+          <p:nvPr/>
+        </p:nvSpPr>
+        <p:spPr>
+          <a:xfrm>
+            <a:off x="19560" y="31465"/>
+            <a:ext cx="9107732" cy="6788920"/>
+          </a:xfrm>
+          <a:prstGeom prst="roundRect">
+            <a:avLst>
+              <a:gd name="adj" fmla="val 0"/>
+            </a:avLst>
+          </a:prstGeom>
+          <a:solidFill>
+            <a:schemeClr val="bg1"/>
+          </a:solidFill>
+          <a:ln w="19050" cmpd="sng">
+            <a:solidFill>
+              <a:schemeClr val="bg1">
+                <a:lumMod val="75000"/>
+              </a:schemeClr>
+            </a:solidFill>
+          </a:ln>
+        </p:spPr>
+        <p:style>
+          <a:lnRef idx="1">
+            <a:schemeClr val="accent1"/>
+          </a:lnRef>
+          <a:fillRef idx="3">
+            <a:schemeClr val="accent1"/>
+          </a:fillRef>
+          <a:effectRef idx="2">
+            <a:schemeClr val="accent1"/>
+          </a:effectRef>
+          <a:fontRef idx="minor">
+            <a:schemeClr val="lt1"/>
+          </a:fontRef>
+        </p:style>
+        <p:txBody>
+          <a:bodyPr lIns="81565" tIns="40782" rIns="81565" bIns="40782" rtlCol="0" anchor="ctr"/>
+          <a:lstStyle/>
+          <a:p>
+            <a:pPr algn="ctr"/>
+            <a:endParaRPr lang="en-US" dirty="0">
+              <a:ln>
+                <a:solidFill>
+                  <a:schemeClr val="bg1">
+                    <a:lumMod val="75000"/>
+                  </a:schemeClr>
+                </a:solidFill>
+              </a:ln>
+            </a:endParaRPr>
+          </a:p>
+        </p:txBody>
+      </p:sp>
+      <p:sp>
+        <p:nvSpPr>
+          <p:cNvPr id="2" name="Rectangle 1"/>
+          <p:cNvSpPr/>
+          <p:nvPr/>
+        </p:nvSpPr>
+        <p:spPr>
+          <a:xfrm>
+            <a:off x="305269" y="521680"/>
+            <a:ext cx="6319851" cy="1268774"/>
+          </a:xfrm>
+          <a:prstGeom prst="rect">
+            <a:avLst/>
+          </a:prstGeom>
+        </p:spPr>
+        <p:txBody>
+          <a:bodyPr wrap="square" lIns="250664" tIns="125332" rIns="250664" bIns="125332">
+            <a:spAutoFit/>
+          </a:bodyPr>
+          <a:lstStyle/>
+          <a:p>
+            <a:pPr algn="ctr"/>
+            <a:r>
+              <a:rPr lang="en-US" sz="2200" b="1" dirty="0">
+                <a:latin typeface="News Gothic MT"/>
+                <a:cs typeface="News Gothic MT"/>
+              </a:rPr>
+              <a:t>ROI of spending </a:t>
+            </a:r>
+            <a:r>
+              <a:rPr lang="en-US" sz="4400" dirty="0">
+                <a:latin typeface="Futura"/>
+                <a:cs typeface="Futura"/>
+              </a:rPr>
+              <a:t>1 hour </a:t>
+            </a:r>
+            <a:r>
+              <a:rPr lang="en-US" sz="2200" b="1" dirty="0">
+                <a:latin typeface="News Gothic MT"/>
+                <a:cs typeface="News Gothic MT"/>
+              </a:rPr>
+              <a:t>a day </a:t>
+            </a:r>
+          </a:p>
+          <a:p>
+            <a:pPr algn="ctr"/>
+            <a:r>
+              <a:rPr lang="en-US" sz="2200" b="1" dirty="0">
+                <a:latin typeface="News Gothic MT"/>
+                <a:cs typeface="News Gothic MT"/>
+              </a:rPr>
+              <a:t>learning for a 1% increase</a:t>
+            </a:r>
+            <a:endParaRPr lang="en-US" sz="2900" b="1" dirty="0">
+              <a:latin typeface="News Gothic MT"/>
+              <a:cs typeface="News Gothic MT"/>
+            </a:endParaRPr>
+          </a:p>
+        </p:txBody>
+      </p:sp>
+      <p:sp>
+        <p:nvSpPr>
+          <p:cNvPr id="4" name="Rectangle 3"/>
+          <p:cNvSpPr/>
+          <p:nvPr/>
+        </p:nvSpPr>
+        <p:spPr>
+          <a:xfrm rot="16200000">
+            <a:off x="-3589231" y="3103783"/>
+            <a:ext cx="8107976" cy="699388"/>
+          </a:xfrm>
+          <a:prstGeom prst="rect">
+            <a:avLst/>
+          </a:prstGeom>
+        </p:spPr>
+        <p:txBody>
+          <a:bodyPr wrap="square" lIns="250664" tIns="125332" rIns="250664" bIns="125332">
+            <a:spAutoFit/>
+          </a:bodyPr>
+          <a:lstStyle/>
+          <a:p>
+            <a:pPr algn="ctr"/>
+            <a:r>
+              <a:rPr lang="en-US" sz="2900" b="1" dirty="0">
+                <a:latin typeface="News Gothic MT"/>
+                <a:cs typeface="News Gothic MT"/>
+              </a:rPr>
+              <a:t>Output</a:t>
+            </a:r>
+          </a:p>
+        </p:txBody>
+      </p:sp>
+      <p:cxnSp>
+        <p:nvCxnSpPr>
+          <p:cNvPr id="5" name="Straight Connector 4"/>
+          <p:cNvCxnSpPr/>
+          <p:nvPr/>
+        </p:nvCxnSpPr>
+        <p:spPr>
+          <a:xfrm>
+            <a:off x="798830" y="486518"/>
+            <a:ext cx="0" cy="6083121"/>
+          </a:xfrm>
+          <a:prstGeom prst="line">
+            <a:avLst/>
+          </a:prstGeom>
+          <a:ln w="28575" cmpd="sng">
+            <a:solidFill>
+              <a:schemeClr val="tx1">
+                <a:lumMod val="65000"/>
+                <a:lumOff val="35000"/>
+              </a:schemeClr>
+            </a:solidFill>
+          </a:ln>
+        </p:spPr>
+        <p:style>
+          <a:lnRef idx="3">
+            <a:schemeClr val="accent1"/>
+          </a:lnRef>
+          <a:fillRef idx="0">
+            <a:schemeClr val="accent1"/>
+          </a:fillRef>
+          <a:effectRef idx="2">
+            <a:schemeClr val="accent1"/>
+          </a:effectRef>
+          <a:fontRef idx="minor">
+            <a:schemeClr val="tx1"/>
+          </a:fontRef>
+        </p:style>
+      </p:cxnSp>
+      <p:cxnSp>
+        <p:nvCxnSpPr>
+          <p:cNvPr id="7" name="Straight Connector 6"/>
+          <p:cNvCxnSpPr/>
+          <p:nvPr/>
+        </p:nvCxnSpPr>
+        <p:spPr>
+          <a:xfrm>
+            <a:off x="305265" y="5915863"/>
+            <a:ext cx="7088467" cy="42983"/>
+          </a:xfrm>
+          <a:prstGeom prst="line">
+            <a:avLst/>
+          </a:prstGeom>
+          <a:ln w="28575" cmpd="sng">
+            <a:solidFill>
+              <a:schemeClr val="tx1">
+                <a:lumMod val="65000"/>
+                <a:lumOff val="35000"/>
+              </a:schemeClr>
+            </a:solidFill>
+          </a:ln>
+        </p:spPr>
+        <p:style>
+          <a:lnRef idx="3">
+            <a:schemeClr val="accent1"/>
+          </a:lnRef>
+          <a:fillRef idx="0">
+            <a:schemeClr val="accent1"/>
+          </a:fillRef>
+          <a:effectRef idx="2">
+            <a:schemeClr val="accent1"/>
+          </a:effectRef>
+          <a:fontRef idx="minor">
+            <a:schemeClr val="tx1"/>
+          </a:fontRef>
+        </p:style>
+      </p:cxnSp>
+      <p:cxnSp>
+        <p:nvCxnSpPr>
+          <p:cNvPr id="11" name="Straight Connector 10"/>
+          <p:cNvCxnSpPr/>
+          <p:nvPr/>
+        </p:nvCxnSpPr>
+        <p:spPr>
+          <a:xfrm>
+            <a:off x="935705" y="5165444"/>
+            <a:ext cx="7596515" cy="12537"/>
+          </a:xfrm>
+          <a:prstGeom prst="line">
+            <a:avLst/>
+          </a:prstGeom>
+          <a:ln>
+            <a:solidFill>
+              <a:srgbClr val="FF6600"/>
+            </a:solidFill>
+          </a:ln>
+        </p:spPr>
+        <p:style>
+          <a:lnRef idx="2">
+            <a:schemeClr val="accent1"/>
+          </a:lnRef>
+          <a:fillRef idx="0">
+            <a:schemeClr val="accent1"/>
+          </a:fillRef>
+          <a:effectRef idx="1">
+            <a:schemeClr val="accent1"/>
+          </a:effectRef>
+          <a:fontRef idx="minor">
+            <a:schemeClr val="tx1"/>
+          </a:fontRef>
+        </p:style>
+      </p:cxnSp>
+      <p:sp>
+        <p:nvSpPr>
+          <p:cNvPr id="13" name="Freeform 12"/>
+          <p:cNvSpPr/>
+          <p:nvPr/>
+        </p:nvSpPr>
+        <p:spPr>
+          <a:xfrm>
+            <a:off x="918996" y="376125"/>
+            <a:ext cx="7585885" cy="4989916"/>
+          </a:xfrm>
+          <a:custGeom>
+            <a:avLst/>
+            <a:gdLst>
+              <a:gd name="connsiteX0" fmla="*/ 0 w 2882900"/>
+              <a:gd name="connsiteY0" fmla="*/ 1263650 h 1263650"/>
+              <a:gd name="connsiteX1" fmla="*/ 2882900 w 2882900"/>
+              <a:gd name="connsiteY1" fmla="*/ 0 h 1263650"/>
+              <a:gd name="connsiteX0" fmla="*/ 0 w 2882900"/>
+              <a:gd name="connsiteY0" fmla="*/ 1263650 h 1263650"/>
+              <a:gd name="connsiteX1" fmla="*/ 2882900 w 2882900"/>
+              <a:gd name="connsiteY1" fmla="*/ 0 h 1263650"/>
+              <a:gd name="connsiteX0" fmla="*/ 0 w 2882900"/>
+              <a:gd name="connsiteY0" fmla="*/ 1263650 h 1263650"/>
+              <a:gd name="connsiteX1" fmla="*/ 2882900 w 2882900"/>
+              <a:gd name="connsiteY1" fmla="*/ 0 h 1263650"/>
+              <a:gd name="connsiteX0" fmla="*/ 0 w 2882900"/>
+              <a:gd name="connsiteY0" fmla="*/ 1263650 h 1263650"/>
+              <a:gd name="connsiteX1" fmla="*/ 2882900 w 2882900"/>
+              <a:gd name="connsiteY1" fmla="*/ 0 h 1263650"/>
+            </a:gdLst>
+            <a:ahLst/>
+            <a:cxnLst>
+              <a:cxn ang="0">
+                <a:pos x="connsiteX0" y="connsiteY0"/>
+              </a:cxn>
+              <a:cxn ang="0">
+                <a:pos x="connsiteX1" y="connsiteY1"/>
+              </a:cxn>
+            </a:cxnLst>
+            <a:rect l="l" t="t" r="r" b="b"/>
+            <a:pathLst>
+              <a:path w="2882900" h="1263650">
+                <a:moveTo>
+                  <a:pt x="0" y="1263650"/>
+                </a:moveTo>
+                <a:cubicBezTo>
+                  <a:pt x="741362" y="1109662"/>
+                  <a:pt x="1993900" y="1054100"/>
+                  <a:pt x="2882900" y="0"/>
+                </a:cubicBezTo>
+              </a:path>
+            </a:pathLst>
+          </a:custGeom>
+          <a:ln>
+            <a:solidFill>
+              <a:srgbClr val="0000FF"/>
+            </a:solidFill>
+          </a:ln>
+        </p:spPr>
+        <p:style>
+          <a:lnRef idx="2">
+            <a:schemeClr val="accent1"/>
+          </a:lnRef>
+          <a:fillRef idx="0">
+            <a:schemeClr val="accent1"/>
+          </a:fillRef>
+          <a:effectRef idx="1">
+            <a:schemeClr val="accent1"/>
+          </a:effectRef>
+          <a:fontRef idx="minor">
+            <a:schemeClr val="tx1"/>
+          </a:fontRef>
+        </p:style>
+        <p:txBody>
+          <a:bodyPr lIns="250664" tIns="125332" rIns="250664" bIns="125332" rtlCol="0" anchor="ctr"/>
+          <a:lstStyle/>
+          <a:p>
+            <a:pPr algn="ctr"/>
+            <a:endParaRPr lang="en-US"/>
+          </a:p>
+        </p:txBody>
+      </p:sp>
+      <p:sp>
+        <p:nvSpPr>
+          <p:cNvPr id="17" name="Rectangle 16"/>
+          <p:cNvSpPr/>
+          <p:nvPr/>
+        </p:nvSpPr>
+        <p:spPr>
+          <a:xfrm>
+            <a:off x="802032" y="3980727"/>
+            <a:ext cx="1832838" cy="530111"/>
+          </a:xfrm>
+          <a:prstGeom prst="rect">
+            <a:avLst/>
+          </a:prstGeom>
+        </p:spPr>
+        <p:txBody>
+          <a:bodyPr wrap="square" lIns="250664" tIns="125332" rIns="250664" bIns="125332">
+            <a:spAutoFit/>
+          </a:bodyPr>
+          <a:lstStyle/>
+          <a:p>
+            <a:pPr algn="ctr"/>
+            <a:r>
+              <a:rPr lang="en-US" b="1" dirty="0" smtClean="0">
+                <a:latin typeface="News Gothic MT"/>
+                <a:cs typeface="News Gothic MT"/>
+              </a:rPr>
+              <a:t>28 days</a:t>
+            </a:r>
+            <a:endParaRPr lang="en-US" b="1" dirty="0">
+              <a:latin typeface="News Gothic MT"/>
+              <a:cs typeface="News Gothic MT"/>
+            </a:endParaRPr>
+          </a:p>
+        </p:txBody>
+      </p:sp>
+      <p:cxnSp>
+        <p:nvCxnSpPr>
+          <p:cNvPr id="18" name="Straight Connector 17"/>
+          <p:cNvCxnSpPr/>
+          <p:nvPr/>
+        </p:nvCxnSpPr>
+        <p:spPr>
+          <a:xfrm>
+            <a:off x="1625925" y="4620256"/>
+            <a:ext cx="0" cy="557723"/>
+          </a:xfrm>
+          <a:prstGeom prst="line">
+            <a:avLst/>
+          </a:prstGeom>
+          <a:ln w="9525" cmpd="sng"/>
+        </p:spPr>
+        <p:style>
+          <a:lnRef idx="2">
+            <a:schemeClr val="dk1"/>
+          </a:lnRef>
+          <a:fillRef idx="0">
+            <a:schemeClr val="dk1"/>
+          </a:fillRef>
+          <a:effectRef idx="1">
+            <a:schemeClr val="dk1"/>
+          </a:effectRef>
+          <a:fontRef idx="minor">
+            <a:schemeClr val="tx1"/>
+          </a:fontRef>
+        </p:style>
+      </p:cxnSp>
+      <p:sp>
+        <p:nvSpPr>
+          <p:cNvPr id="21" name="Rectangle 20"/>
+          <p:cNvSpPr/>
+          <p:nvPr/>
+        </p:nvSpPr>
+        <p:spPr>
+          <a:xfrm>
+            <a:off x="3542307" y="3128177"/>
+            <a:ext cx="1832838" cy="807110"/>
+          </a:xfrm>
+          <a:prstGeom prst="rect">
+            <a:avLst/>
+          </a:prstGeom>
+        </p:spPr>
+        <p:txBody>
+          <a:bodyPr wrap="square" lIns="250664" tIns="125332" rIns="250664" bIns="125332">
+            <a:spAutoFit/>
+          </a:bodyPr>
+          <a:lstStyle/>
+          <a:p>
+            <a:pPr algn="ctr"/>
+            <a:r>
+              <a:rPr lang="en-US" b="1" dirty="0" smtClean="0">
+                <a:latin typeface="News Gothic MT"/>
+                <a:cs typeface="News Gothic MT"/>
+              </a:rPr>
+              <a:t>2x (6 months)</a:t>
+            </a:r>
+            <a:endParaRPr lang="en-US" b="1" dirty="0">
+              <a:latin typeface="News Gothic MT"/>
+              <a:cs typeface="News Gothic MT"/>
+            </a:endParaRPr>
+          </a:p>
+        </p:txBody>
+      </p:sp>
+      <p:cxnSp>
+        <p:nvCxnSpPr>
+          <p:cNvPr id="22" name="Straight Connector 21"/>
+          <p:cNvCxnSpPr/>
+          <p:nvPr/>
+        </p:nvCxnSpPr>
+        <p:spPr>
+          <a:xfrm>
+            <a:off x="4366200" y="3767707"/>
+            <a:ext cx="0" cy="557723"/>
+          </a:xfrm>
+          <a:prstGeom prst="line">
+            <a:avLst/>
+          </a:prstGeom>
+          <a:ln w="9525" cmpd="sng"/>
+        </p:spPr>
+        <p:style>
+          <a:lnRef idx="2">
+            <a:schemeClr val="dk1"/>
+          </a:lnRef>
+          <a:fillRef idx="0">
+            <a:schemeClr val="dk1"/>
+          </a:fillRef>
+          <a:effectRef idx="1">
+            <a:schemeClr val="dk1"/>
+          </a:effectRef>
+          <a:fontRef idx="minor">
+            <a:schemeClr val="tx1"/>
+          </a:fontRef>
+        </p:style>
+      </p:cxnSp>
+      <p:sp>
+        <p:nvSpPr>
+          <p:cNvPr id="23" name="Rectangle 22"/>
+          <p:cNvSpPr/>
+          <p:nvPr/>
+        </p:nvSpPr>
+        <p:spPr>
+          <a:xfrm>
+            <a:off x="5079536" y="3634301"/>
+            <a:ext cx="2222297" cy="807110"/>
+          </a:xfrm>
+          <a:prstGeom prst="rect">
+            <a:avLst/>
+          </a:prstGeom>
+        </p:spPr>
+        <p:txBody>
+          <a:bodyPr wrap="square" lIns="250664" tIns="125332" rIns="250664" bIns="125332">
+            <a:spAutoFit/>
+          </a:bodyPr>
+          <a:lstStyle/>
+          <a:p>
+            <a:pPr algn="ctr"/>
+            <a:r>
+              <a:rPr lang="en-US" b="1" dirty="0">
+                <a:latin typeface="News Gothic MT"/>
+                <a:cs typeface="News Gothic MT"/>
+              </a:rPr>
+              <a:t>3</a:t>
+            </a:r>
+            <a:r>
+              <a:rPr lang="en-US" b="1" dirty="0" smtClean="0">
+                <a:latin typeface="News Gothic MT"/>
+                <a:cs typeface="News Gothic MT"/>
+              </a:rPr>
+              <a:t>x (8.5 months)</a:t>
+            </a:r>
+            <a:endParaRPr lang="en-US" b="1" dirty="0">
+              <a:latin typeface="News Gothic MT"/>
+              <a:cs typeface="News Gothic MT"/>
+            </a:endParaRPr>
+          </a:p>
+        </p:txBody>
+      </p:sp>
+      <p:cxnSp>
+        <p:nvCxnSpPr>
+          <p:cNvPr id="24" name="Straight Connector 23"/>
+          <p:cNvCxnSpPr/>
+          <p:nvPr/>
+        </p:nvCxnSpPr>
+        <p:spPr>
+          <a:xfrm>
+            <a:off x="6025543" y="3282979"/>
+            <a:ext cx="0" cy="557723"/>
+          </a:xfrm>
+          <a:prstGeom prst="line">
+            <a:avLst/>
+          </a:prstGeom>
+          <a:ln w="9525" cmpd="sng"/>
+        </p:spPr>
+        <p:style>
+          <a:lnRef idx="2">
+            <a:schemeClr val="dk1"/>
+          </a:lnRef>
+          <a:fillRef idx="0">
+            <a:schemeClr val="dk1"/>
+          </a:fillRef>
+          <a:effectRef idx="1">
+            <a:schemeClr val="dk1"/>
+          </a:effectRef>
+          <a:fontRef idx="minor">
+            <a:schemeClr val="tx1"/>
+          </a:fontRef>
+        </p:style>
+      </p:cxnSp>
+      <p:sp>
+        <p:nvSpPr>
+          <p:cNvPr id="25" name="Rectangle 24"/>
+          <p:cNvSpPr/>
+          <p:nvPr/>
+        </p:nvSpPr>
+        <p:spPr>
+          <a:xfrm>
+            <a:off x="6040304" y="2706528"/>
+            <a:ext cx="2596299" cy="530111"/>
+          </a:xfrm>
+          <a:prstGeom prst="rect">
+            <a:avLst/>
+          </a:prstGeom>
+        </p:spPr>
+        <p:txBody>
+          <a:bodyPr wrap="square" lIns="250664" tIns="125332" rIns="250664" bIns="125332">
+            <a:spAutoFit/>
+          </a:bodyPr>
+          <a:lstStyle/>
+          <a:p>
+            <a:pPr algn="ctr"/>
+            <a:r>
+              <a:rPr lang="en-US" b="1" dirty="0" smtClean="0">
+                <a:latin typeface="News Gothic MT"/>
+                <a:cs typeface="News Gothic MT"/>
+              </a:rPr>
+              <a:t>4x (10 months)</a:t>
+            </a:r>
+            <a:endParaRPr lang="en-US" b="1" dirty="0">
+              <a:latin typeface="News Gothic MT"/>
+              <a:cs typeface="News Gothic MT"/>
+            </a:endParaRPr>
+          </a:p>
+        </p:txBody>
+      </p:sp>
+      <p:cxnSp>
+        <p:nvCxnSpPr>
+          <p:cNvPr id="26" name="Straight Connector 25"/>
+          <p:cNvCxnSpPr/>
+          <p:nvPr/>
+        </p:nvCxnSpPr>
+        <p:spPr>
+          <a:xfrm>
+            <a:off x="7094919" y="2355205"/>
+            <a:ext cx="0" cy="557723"/>
+          </a:xfrm>
+          <a:prstGeom prst="line">
+            <a:avLst/>
+          </a:prstGeom>
+          <a:ln w="9525" cmpd="sng"/>
+        </p:spPr>
+        <p:style>
+          <a:lnRef idx="2">
+            <a:schemeClr val="dk1"/>
+          </a:lnRef>
+          <a:fillRef idx="0">
+            <a:schemeClr val="dk1"/>
+          </a:fillRef>
+          <a:effectRef idx="1">
+            <a:schemeClr val="dk1"/>
+          </a:effectRef>
+          <a:fontRef idx="minor">
+            <a:schemeClr val="tx1"/>
+          </a:fontRef>
+        </p:style>
+      </p:cxnSp>
+      <p:sp>
+        <p:nvSpPr>
+          <p:cNvPr id="27" name="Rectangle 26"/>
+          <p:cNvSpPr/>
+          <p:nvPr/>
+        </p:nvSpPr>
+        <p:spPr>
+          <a:xfrm>
+            <a:off x="7170109" y="1800224"/>
+            <a:ext cx="1832838" cy="530111"/>
+          </a:xfrm>
+          <a:prstGeom prst="rect">
+            <a:avLst/>
+          </a:prstGeom>
+        </p:spPr>
+        <p:txBody>
+          <a:bodyPr wrap="square" lIns="250664" tIns="125332" rIns="250664" bIns="125332">
+            <a:spAutoFit/>
+          </a:bodyPr>
+          <a:lstStyle/>
+          <a:p>
+            <a:pPr algn="ctr"/>
+            <a:r>
+              <a:rPr lang="en-US" b="1" dirty="0" smtClean="0">
+                <a:latin typeface="News Gothic MT"/>
+                <a:cs typeface="News Gothic MT"/>
+              </a:rPr>
+              <a:t>5x (1 year)</a:t>
+            </a:r>
+            <a:endParaRPr lang="en-US" b="1" dirty="0">
+              <a:latin typeface="News Gothic MT"/>
+              <a:cs typeface="News Gothic MT"/>
+            </a:endParaRPr>
+          </a:p>
+        </p:txBody>
+      </p:sp>
+      <p:cxnSp>
+        <p:nvCxnSpPr>
+          <p:cNvPr id="28" name="Straight Connector 27"/>
+          <p:cNvCxnSpPr/>
+          <p:nvPr/>
+        </p:nvCxnSpPr>
+        <p:spPr>
+          <a:xfrm>
+            <a:off x="7858381" y="1427432"/>
+            <a:ext cx="0" cy="557723"/>
+          </a:xfrm>
+          <a:prstGeom prst="line">
+            <a:avLst/>
+          </a:prstGeom>
+          <a:ln w="9525" cmpd="sng"/>
+        </p:spPr>
+        <p:style>
+          <a:lnRef idx="2">
+            <a:schemeClr val="dk1"/>
+          </a:lnRef>
+          <a:fillRef idx="0">
+            <a:schemeClr val="dk1"/>
+          </a:fillRef>
+          <a:effectRef idx="1">
+            <a:schemeClr val="dk1"/>
+          </a:effectRef>
+          <a:fontRef idx="minor">
+            <a:schemeClr val="tx1"/>
+          </a:fontRef>
+        </p:style>
+      </p:cxnSp>
+      <p:pic>
+        <p:nvPicPr>
+          <p:cNvPr id="32" name="Picture 31" descr="signature.png"/>
+          <p:cNvPicPr>
+            <a:picLocks noChangeAspect="1"/>
+          </p:cNvPicPr>
+          <p:nvPr/>
+        </p:nvPicPr>
+        <p:blipFill>
+          <a:blip r:embed="rId3">
+            <a:alphaModFix amt="47000"/>
+            <a:extLst>
+              <a:ext uri="{BEBA8EAE-BF5A-486C-A8C5-ECC9F3942E4B}">
+                <a14:imgProps xmlns:a14="http://schemas.microsoft.com/office/drawing/2010/main">
+                  <a14:imgLayer r:embed="rId4">
+                    <a14:imgEffect>
+                      <a14:backgroundRemoval t="4726" b="89925" l="10000" r="90000">
+                        <a14:foregroundMark x1="65000" y1="50498" x2="65000" y2="50498"/>
+                        <a14:backgroundMark x1="57278" y1="44403" x2="57278" y2="44403"/>
+                      </a14:backgroundRemoval>
+                    </a14:imgEffect>
+                  </a14:imgLayer>
+                </a14:imgProps>
+              </a:ext>
+              <a:ext uri="{28A0092B-C50C-407E-A947-70E740481C1C}">
+                <a14:useLocalDpi xmlns:a14="http://schemas.microsoft.com/office/drawing/2010/main" val="0"/>
+              </a:ext>
+            </a:extLst>
+          </a:blip>
+          <a:stretch>
+            <a:fillRect/>
+          </a:stretch>
+        </p:blipFill>
+        <p:spPr>
+          <a:xfrm>
+            <a:off x="7049197" y="5205651"/>
+            <a:ext cx="2229451" cy="1702499"/>
+          </a:xfrm>
+          <a:prstGeom prst="rect">
+            <a:avLst/>
+          </a:prstGeom>
+        </p:spPr>
+      </p:pic>
+      <p:sp>
+        <p:nvSpPr>
+          <p:cNvPr id="36" name="TextBox 35"/>
+          <p:cNvSpPr txBox="1"/>
+          <p:nvPr/>
+        </p:nvSpPr>
+        <p:spPr>
+          <a:xfrm>
+            <a:off x="7381210" y="5971385"/>
+            <a:ext cx="1609090" cy="468555"/>
+          </a:xfrm>
+          <a:prstGeom prst="rect">
+            <a:avLst/>
+          </a:prstGeom>
+          <a:noFill/>
+        </p:spPr>
+        <p:txBody>
+          <a:bodyPr wrap="none" lIns="250664" tIns="125332" rIns="250664" bIns="125332" rtlCol="0">
+            <a:spAutoFit/>
+          </a:bodyPr>
+          <a:lstStyle/>
+          <a:p>
+            <a:r>
+              <a:rPr lang="en-US" sz="1400" dirty="0">
+                <a:solidFill>
+                  <a:schemeClr val="bg1">
+                    <a:lumMod val="65000"/>
+                  </a:schemeClr>
+                </a:solidFill>
+              </a:rPr>
+              <a:t>Llewellyn Falco</a:t>
+            </a:r>
+          </a:p>
+        </p:txBody>
+      </p:sp>
+    </p:spTree>
+    <p:extLst>
+      <p:ext uri="{BB962C8B-B14F-4D97-AF65-F5344CB8AC3E}">
+        <p14:creationId xmlns:p14="http://schemas.microsoft.com/office/powerpoint/2010/main" val="1574354463"/>
+      </p:ext>
+    </p:extLst>
+  </p:cSld>
+  <p:clrMapOvr>
+    <a:masterClrMapping/>
+  </p:clrMapOvr>
+  <mc:AlternateContent xmlns:mc="http://schemas.openxmlformats.org/markup-compatibility/2006">
+    <mc:Choice xmlns:p14="http://schemas.microsoft.com/office/powerpoint/2010/main" Requires="p14">
+      <p:transition spd="slow" p14:dur="2000"/>
+    </mc:Choice>
+    <mc:Fallback>
+      <p:transition xmlns:p14="http://schemas.microsoft.com/office/powerpoint/2010/main" spd="slow"/>
+    </mc:Fallback>
+  </mc:AlternateContent>
+  <p:timing>
+    <p:tnLst>
+      <p:par>
+        <p:cTn xmlns:p14="http://schemas.microsoft.com/office/powerpoint/2010/main" id="1" dur="indefinite" restart="never" nodeType="tmRoot"/>
+      </p:par>
+    </p:tnLst>
+  </p:timing>
+</p:sld>
+</file>
+
+<file path=ppt/slides/slide22.xml><?xml version="1.0" encoding="utf-8"?>
+<p:sld xmlns:a="http://schemas.openxmlformats.org/drawingml/2006/main" xmlns:r="http://schemas.openxmlformats.org/officeDocument/2006/relationships" xmlns:p="http://schemas.openxmlformats.org/presentationml/2006/main">
+  <p:cSld>
+    <p:spTree>
+      <p:nvGrpSpPr>
+        <p:cNvPr id="1" name=""/>
+        <p:cNvGrpSpPr/>
+        <p:nvPr/>
+      </p:nvGrpSpPr>
+      <p:grpSpPr>
+        <a:xfrm>
+          <a:off x="0" y="0"/>
+          <a:ext cx="0" cy="0"/>
+          <a:chOff x="0" y="0"/>
+          <a:chExt cx="0" cy="0"/>
+        </a:xfrm>
+      </p:grpSpPr>
+      <p:sp>
+        <p:nvSpPr>
+          <p:cNvPr id="3" name="TextBox 2"/>
+          <p:cNvSpPr txBox="1"/>
+          <p:nvPr/>
+        </p:nvSpPr>
+        <p:spPr>
+          <a:xfrm>
+            <a:off x="0" y="5835769"/>
+            <a:ext cx="9144000" cy="477021"/>
+          </a:xfrm>
+          <a:prstGeom prst="rect">
+            <a:avLst/>
+          </a:prstGeom>
+          <a:noFill/>
+        </p:spPr>
+        <p:txBody>
+          <a:bodyPr wrap="square" lIns="91412" tIns="45704" rIns="91412" bIns="45704" rtlCol="0">
+            <a:spAutoFit/>
+          </a:bodyPr>
+          <a:lstStyle/>
+          <a:p>
+            <a:pPr algn="ctr"/>
+            <a:r>
+              <a:rPr lang="en-US" sz="2500" dirty="0"/>
+              <a:t>#</a:t>
+            </a:r>
+            <a:r>
+              <a:rPr lang="en-US" sz="2500" dirty="0" err="1"/>
+              <a:t>MobProgrammingGuidebook</a:t>
+            </a:r>
+            <a:endParaRPr lang="en-US" sz="2500" dirty="0"/>
+          </a:p>
+        </p:txBody>
+      </p:sp>
+      <p:pic>
+        <p:nvPicPr>
+          <p:cNvPr id="26" name="Picture 25" descr="Screen Shot 2015-11-05 at 8.12.21 AM.png"/>
+          <p:cNvPicPr>
+            <a:picLocks noChangeAspect="1"/>
+          </p:cNvPicPr>
+          <p:nvPr/>
+        </p:nvPicPr>
+        <p:blipFill>
+          <a:blip r:embed="rId2">
+            <a:extLst>
+              <a:ext uri="{28A0092B-C50C-407E-A947-70E740481C1C}">
+                <a14:useLocalDpi xmlns:a14="http://schemas.microsoft.com/office/drawing/2010/main" val="0"/>
+              </a:ext>
+            </a:extLst>
+          </a:blip>
+          <a:stretch>
+            <a:fillRect/>
+          </a:stretch>
+        </p:blipFill>
+        <p:spPr>
+          <a:xfrm>
+            <a:off x="1104902" y="366258"/>
+            <a:ext cx="6197601" cy="5336160"/>
+          </a:xfrm>
+          <a:prstGeom prst="rect">
+            <a:avLst/>
+          </a:prstGeom>
+        </p:spPr>
+      </p:pic>
+    </p:spTree>
+    <p:extLst>
+      <p:ext uri="{BB962C8B-B14F-4D97-AF65-F5344CB8AC3E}">
+        <p14:creationId xmlns:p14="http://schemas.microsoft.com/office/powerpoint/2010/main" val="3827118245"/>
+      </p:ext>
+    </p:extLst>
+  </p:cSld>
+  <p:clrMapOvr>
+    <a:masterClrMapping/>
+  </p:clrMapOvr>
+  <mc:AlternateContent xmlns:mc="http://schemas.openxmlformats.org/markup-compatibility/2006" xmlns:p14="http://schemas.microsoft.com/office/powerpoint/2010/main">
+    <mc:Choice Requires="p14">
+      <p:transition spd="slow" p14:dur="2000"/>
+    </mc:Choice>
+    <mc:Fallback xmlns="">
+      <p:transition xmlns:p14="http://schemas.microsoft.com/office/powerpoint/2010/main" spd="slow"/>
+    </mc:Fallback>
+  </mc:AlternateContent>
+  <p:timing>
+    <p:tnLst>
+      <p:par>
+        <p:cTn xmlns:p14="http://schemas.microsoft.com/office/powerpoint/2010/main" id="1" dur="indefinite" restart="never" nodeType="tmRoot"/>
+      </p:par>
+    </p:tnLst>
+  </p:timing>
+</p:sld>
+</file>
+
+<file path=ppt/slides/slide23.xml><?xml version="1.0" encoding="utf-8"?>
+<p:sld xmlns:a="http://schemas.openxmlformats.org/drawingml/2006/main" xmlns:r="http://schemas.openxmlformats.org/officeDocument/2006/relationships" xmlns:p="http://schemas.openxmlformats.org/presentationml/2006/main">
+  <p:cSld>
+    <p:spTree>
+      <p:nvGrpSpPr>
+        <p:cNvPr id="1" name=""/>
+        <p:cNvGrpSpPr/>
+        <p:nvPr/>
+      </p:nvGrpSpPr>
+      <p:grpSpPr>
+        <a:xfrm>
+          <a:off x="0" y="0"/>
+          <a:ext cx="0" cy="0"/>
+          <a:chOff x="0" y="0"/>
+          <a:chExt cx="0" cy="0"/>
+        </a:xfrm>
+      </p:grpSpPr>
+      <p:sp>
+        <p:nvSpPr>
+          <p:cNvPr id="5" name="Rectangle 4"/>
+          <p:cNvSpPr/>
+          <p:nvPr/>
+        </p:nvSpPr>
+        <p:spPr>
+          <a:xfrm>
+            <a:off x="1572297" y="3886199"/>
+            <a:ext cx="6329492" cy="1535701"/>
+          </a:xfrm>
+          <a:prstGeom prst="rect">
+            <a:avLst/>
+          </a:prstGeom>
+          <a:solidFill>
+            <a:srgbClr val="FFFFFF">
+              <a:alpha val="77000"/>
+            </a:srgbClr>
+          </a:solidFill>
+          <a:ln>
+            <a:solidFill>
+              <a:srgbClr val="FFFFFF"/>
+            </a:solidFill>
+          </a:ln>
+          <a:effectLst/>
+        </p:spPr>
+        <p:style>
+          <a:lnRef idx="1">
+            <a:schemeClr val="accent1"/>
+          </a:lnRef>
+          <a:fillRef idx="3">
+            <a:schemeClr val="accent1"/>
+          </a:fillRef>
+          <a:effectRef idx="2">
+            <a:schemeClr val="accent1"/>
+          </a:effectRef>
+          <a:fontRef idx="minor">
+            <a:schemeClr val="lt1"/>
+          </a:fontRef>
+        </p:style>
+        <p:txBody>
+          <a:bodyPr lIns="91412" tIns="45704" rIns="91412" bIns="45704" rtlCol="0" anchor="ctr"/>
+          <a:lstStyle/>
+          <a:p>
+            <a:pPr algn="ctr"/>
+            <a:endParaRPr lang="en-US"/>
+          </a:p>
+        </p:txBody>
+      </p:sp>
+      <p:sp>
+        <p:nvSpPr>
+          <p:cNvPr id="8" name="Rectangle 7"/>
+          <p:cNvSpPr/>
+          <p:nvPr/>
+        </p:nvSpPr>
+        <p:spPr>
+          <a:xfrm>
+            <a:off x="3276829" y="2699355"/>
+            <a:ext cx="2568881" cy="646503"/>
+          </a:xfrm>
+          <a:prstGeom prst="rect">
+            <a:avLst/>
+          </a:prstGeom>
+          <a:solidFill>
+            <a:srgbClr val="FFFFFF">
+              <a:alpha val="78000"/>
+            </a:srgbClr>
+          </a:solidFill>
+          <a:ln>
+            <a:solidFill>
+              <a:srgbClr val="FFFFFF"/>
+            </a:solidFill>
+          </a:ln>
+          <a:effectLst/>
+        </p:spPr>
+        <p:style>
+          <a:lnRef idx="1">
+            <a:schemeClr val="accent1"/>
+          </a:lnRef>
+          <a:fillRef idx="3">
+            <a:schemeClr val="accent1"/>
+          </a:fillRef>
+          <a:effectRef idx="2">
+            <a:schemeClr val="accent1"/>
+          </a:effectRef>
+          <a:fontRef idx="minor">
+            <a:schemeClr val="lt1"/>
+          </a:fontRef>
+        </p:style>
+        <p:txBody>
+          <a:bodyPr lIns="91412" tIns="45704" rIns="91412" bIns="45704" rtlCol="0" anchor="ctr"/>
+          <a:lstStyle/>
+          <a:p>
+            <a:pPr algn="ctr"/>
+            <a:endParaRPr lang="en-US"/>
+          </a:p>
+        </p:txBody>
+      </p:sp>
+      <p:sp>
+        <p:nvSpPr>
+          <p:cNvPr id="6" name="Title 5"/>
+          <p:cNvSpPr>
+            <a:spLocks noGrp="1"/>
+          </p:cNvSpPr>
+          <p:nvPr>
+            <p:ph type="ctrTitle"/>
+          </p:nvPr>
+        </p:nvSpPr>
+        <p:spPr>
+          <a:xfrm>
+            <a:off x="685801" y="2262910"/>
+            <a:ext cx="7772399" cy="1470024"/>
+          </a:xfrm>
+        </p:spPr>
+        <p:txBody>
+          <a:bodyPr/>
+          <a:lstStyle/>
+          <a:p>
+            <a:r>
+              <a:rPr lang="en-US" b="1" dirty="0" smtClean="0"/>
+              <a:t>Thank you.</a:t>
+            </a:r>
+            <a:endParaRPr lang="en-US" b="1" dirty="0"/>
+          </a:p>
+        </p:txBody>
+      </p:sp>
+      <p:sp>
+        <p:nvSpPr>
+          <p:cNvPr id="7" name="Subtitle 6"/>
+          <p:cNvSpPr>
+            <a:spLocks noGrp="1"/>
+          </p:cNvSpPr>
+          <p:nvPr>
+            <p:ph type="subTitle" idx="1"/>
+          </p:nvPr>
+        </p:nvSpPr>
+        <p:spPr/>
+        <p:txBody>
+          <a:bodyPr>
+            <a:normAutofit/>
+          </a:bodyPr>
+          <a:lstStyle/>
+          <a:p>
+            <a:pPr algn="r"/>
+            <a:r>
+              <a:rPr lang="en-US" dirty="0" smtClean="0">
+                <a:solidFill>
+                  <a:schemeClr val="tx1">
+                    <a:lumMod val="75000"/>
+                    <a:lumOff val="25000"/>
+                  </a:schemeClr>
+                </a:solidFill>
+              </a:rPr>
+              <a:t>@</a:t>
+            </a:r>
+            <a:r>
+              <a:rPr lang="en-US" dirty="0" err="1" smtClean="0">
+                <a:solidFill>
+                  <a:schemeClr val="tx1">
+                    <a:lumMod val="75000"/>
+                    <a:lumOff val="25000"/>
+                  </a:schemeClr>
+                </a:solidFill>
+              </a:rPr>
+              <a:t>maaretp</a:t>
+            </a:r>
+            <a:endParaRPr lang="en-US" dirty="0" smtClean="0">
+              <a:solidFill>
+                <a:schemeClr val="tx1">
+                  <a:lumMod val="75000"/>
+                  <a:lumOff val="25000"/>
+                </a:schemeClr>
+              </a:solidFill>
+            </a:endParaRPr>
+          </a:p>
+          <a:p>
+            <a:pPr algn="r"/>
+            <a:r>
+              <a:rPr lang="en-US" dirty="0" smtClean="0">
+                <a:solidFill>
+                  <a:schemeClr val="tx1">
+                    <a:lumMod val="75000"/>
+                    <a:lumOff val="25000"/>
+                  </a:schemeClr>
+                </a:solidFill>
+              </a:rPr>
+              <a:t>@LlewellynFalco</a:t>
+            </a:r>
+          </a:p>
+          <a:p>
+            <a:pPr algn="r"/>
+            <a:r>
+              <a:rPr lang="en-US" sz="2100" dirty="0">
+                <a:solidFill>
+                  <a:schemeClr val="tx1">
+                    <a:lumMod val="75000"/>
+                    <a:lumOff val="25000"/>
+                  </a:schemeClr>
+                </a:solidFill>
+              </a:rPr>
+              <a:t>(please connect with us through Twitter or LinkedIn)</a:t>
+            </a:r>
+          </a:p>
+          <a:p>
+            <a:pPr algn="r"/>
+            <a:endParaRPr lang="en-US" sz="2100" dirty="0">
+              <a:solidFill>
+                <a:schemeClr val="tx1">
+                  <a:lumMod val="75000"/>
+                  <a:lumOff val="25000"/>
+                </a:schemeClr>
+              </a:solidFill>
+            </a:endParaRPr>
+          </a:p>
+        </p:txBody>
+      </p:sp>
+    </p:spTree>
+    <p:extLst>
+      <p:ext uri="{BB962C8B-B14F-4D97-AF65-F5344CB8AC3E}">
+        <p14:creationId xmlns:p14="http://schemas.microsoft.com/office/powerpoint/2010/main" val="1060893599"/>
       </p:ext>
     </p:extLst>
   </p:cSld>
@@ -4679,68 +6384,7 @@
           <a:p>
             <a:r>
               <a:rPr lang="en-US" b="1" dirty="0" smtClean="0"/>
-              <a:t>“</a:t>
-            </a:r>
-            <a:r>
-              <a:rPr lang="en-US" dirty="0" smtClean="0"/>
-              <a:t>For an </a:t>
-            </a:r>
-            <a:r>
-              <a:rPr lang="en-US" dirty="0"/>
-              <a:t>i</a:t>
-            </a:r>
-            <a:r>
-              <a:rPr lang="en-US" dirty="0" smtClean="0"/>
-              <a:t>dea to go from </a:t>
-            </a:r>
-            <a:br>
-              <a:rPr lang="en-US" dirty="0" smtClean="0"/>
-            </a:br>
-            <a:r>
-              <a:rPr lang="en-US" b="1" dirty="0" smtClean="0"/>
-              <a:t>your</a:t>
-            </a:r>
-            <a:r>
-              <a:rPr lang="en-US" dirty="0" smtClean="0"/>
-              <a:t> </a:t>
-            </a:r>
-            <a:r>
-              <a:rPr lang="en-US" b="1" dirty="0"/>
-              <a:t>h</a:t>
-            </a:r>
-            <a:r>
-              <a:rPr lang="en-US" b="1" dirty="0" smtClean="0"/>
-              <a:t>ead </a:t>
-            </a:r>
-            <a:r>
-              <a:rPr lang="en-US" dirty="0" smtClean="0"/>
-              <a:t>to the </a:t>
-            </a:r>
-            <a:r>
-              <a:rPr lang="en-US" b="1" dirty="0" smtClean="0"/>
-              <a:t>computer</a:t>
-            </a:r>
-            <a:br>
-              <a:rPr lang="en-US" b="1" dirty="0" smtClean="0"/>
-            </a:br>
-            <a:r>
-              <a:rPr lang="en-US" b="1" dirty="0" smtClean="0"/>
-              <a:t> </a:t>
-            </a:r>
-            <a:r>
-              <a:rPr lang="en-US" dirty="0" smtClean="0"/>
-              <a:t>it must go through</a:t>
-            </a:r>
-            <a:br>
-              <a:rPr lang="en-US" dirty="0" smtClean="0"/>
-            </a:br>
-            <a:r>
-              <a:rPr lang="en-US" dirty="0" smtClean="0"/>
-              <a:t> </a:t>
-            </a:r>
-            <a:r>
-              <a:rPr lang="en-US" b="1" dirty="0" smtClean="0"/>
-              <a:t>someone else’s hands”</a:t>
+              <a:t>What is Strong Style?</a:t>
             </a:r>
             <a:endParaRPr lang="en-US" b="1" dirty="0"/>
           </a:p>
@@ -4749,7 +6393,7 @@
     </p:spTree>
     <p:extLst>
       <p:ext uri="{BB962C8B-B14F-4D97-AF65-F5344CB8AC3E}">
-        <p14:creationId xmlns:p14="http://schemas.microsoft.com/office/powerpoint/2010/main" val="1918024727"/>
+        <p14:creationId xmlns:p14="http://schemas.microsoft.com/office/powerpoint/2010/main" val="14549952"/>
       </p:ext>
     </p:extLst>
   </p:cSld>
@@ -4815,35 +6459,68 @@
           <a:p>
             <a:r>
               <a:rPr lang="en-US" b="1" dirty="0" smtClean="0"/>
-              <a:t>Highest level of abstraction</a:t>
+              <a:t>“</a:t>
+            </a:r>
+            <a:r>
+              <a:rPr lang="en-US" dirty="0" smtClean="0"/>
+              <a:t>For an </a:t>
+            </a:r>
+            <a:r>
+              <a:rPr lang="en-US" dirty="0"/>
+              <a:t>i</a:t>
+            </a:r>
+            <a:r>
+              <a:rPr lang="en-US" dirty="0" smtClean="0"/>
+              <a:t>dea to go from </a:t>
+            </a:r>
+            <a:br>
+              <a:rPr lang="en-US" dirty="0" smtClean="0"/>
+            </a:br>
+            <a:r>
+              <a:rPr lang="en-US" b="1" dirty="0" smtClean="0"/>
+              <a:t>your</a:t>
+            </a:r>
+            <a:r>
+              <a:rPr lang="en-US" dirty="0" smtClean="0"/>
+              <a:t> </a:t>
+            </a:r>
+            <a:r>
+              <a:rPr lang="en-US" b="1" dirty="0"/>
+              <a:t>h</a:t>
+            </a:r>
+            <a:r>
+              <a:rPr lang="en-US" b="1" dirty="0" smtClean="0"/>
+              <a:t>ead </a:t>
+            </a:r>
+            <a:r>
+              <a:rPr lang="en-US" dirty="0" smtClean="0"/>
+              <a:t>to the </a:t>
+            </a:r>
+            <a:r>
+              <a:rPr lang="en-US" b="1" dirty="0" smtClean="0"/>
+              <a:t>computer</a:t>
             </a:r>
             <a:br>
               <a:rPr lang="en-US" b="1" dirty="0" smtClean="0"/>
             </a:br>
             <a:r>
-              <a:rPr lang="en-US" b="1" dirty="0"/>
-              <a:t/>
+              <a:rPr lang="en-US" b="1" dirty="0" smtClean="0"/>
+              <a:t> </a:t>
+            </a:r>
+            <a:r>
+              <a:rPr lang="en-US" dirty="0" smtClean="0"/>
+              <a:t>it must go through</a:t>
             </a:r>
             <a:br>
-              <a:rPr lang="en-US" b="1" dirty="0"/>
+              <a:rPr lang="en-US" dirty="0" smtClean="0"/>
             </a:br>
             <a:r>
+              <a:rPr lang="en-US" dirty="0" smtClean="0"/>
+              <a:t> </a:t>
+            </a:r>
+            <a:r>
               <a:rPr lang="en-US" b="1" dirty="0" smtClean="0"/>
-              <a:t>Intent</a:t>
-            </a:r>
-            <a:br>
-              <a:rPr lang="en-US" b="1" dirty="0" smtClean="0"/>
-            </a:br>
-            <a:r>
-              <a:rPr lang="en-US" b="1" dirty="0" smtClean="0"/>
-              <a:t>Location</a:t>
-            </a:r>
-            <a:br>
-              <a:rPr lang="en-US" b="1" dirty="0" smtClean="0"/>
-            </a:br>
-            <a:r>
-              <a:rPr lang="en-US" b="1" dirty="0" smtClean="0"/>
-              <a:t>Details</a:t>
+              <a:t>someone else’s hands”</a:t>
             </a:r>
             <a:endParaRPr lang="en-US" b="1" dirty="0"/>
           </a:p>
@@ -4852,7 +6529,7 @@
     </p:spTree>
     <p:extLst>
       <p:ext uri="{BB962C8B-B14F-4D97-AF65-F5344CB8AC3E}">
-        <p14:creationId xmlns:p14="http://schemas.microsoft.com/office/powerpoint/2010/main" val="835406623"/>
+        <p14:creationId xmlns:p14="http://schemas.microsoft.com/office/powerpoint/2010/main" val="1918024727"/>
       </p:ext>
     </p:extLst>
   </p:cSld>
@@ -4932,15 +6609,7 @@
             </a:br>
             <a:r>
               <a:rPr lang="en-US" sz="3200" i="1" dirty="0" smtClean="0"/>
-              <a:t>(stories of pairing with </a:t>
-            </a:r>
-            <a:r>
-              <a:rPr lang="en-US" sz="3200" i="1" dirty="0"/>
-              <a:t>L</a:t>
-            </a:r>
-            <a:r>
-              <a:rPr lang="en-US" sz="3200" i="1" dirty="0" smtClean="0"/>
-              <a:t>lewellyn)</a:t>
+              <a:t>(stories of Maaret watching other people work)</a:t>
             </a:r>
             <a:endParaRPr lang="en-US" sz="3200" i="1" dirty="0"/>
           </a:p>
@@ -5037,8 +6706,8 @@
         </p:nvSpPr>
         <p:spPr>
           <a:xfrm>
-            <a:off x="5289459" y="6273224"/>
-            <a:ext cx="3854541" cy="584776"/>
+            <a:off x="6779451" y="6273224"/>
+            <a:ext cx="2364549" cy="584776"/>
           </a:xfrm>
           <a:prstGeom prst="rect">
             <a:avLst/>
@@ -5062,7 +6731,19 @@
                 <a:latin typeface="Arial Black"/>
                 <a:cs typeface="Arial Black"/>
               </a:rPr>
-              <a:t>@LlewellynFalco</a:t>
+              <a:t>@</a:t>
+            </a:r>
+            <a:r>
+              <a:rPr lang="en-US" sz="3200" b="1" dirty="0" err="1" smtClean="0">
+                <a:solidFill>
+                  <a:schemeClr val="bg1">
+                    <a:lumMod val="75000"/>
+                  </a:schemeClr>
+                </a:solidFill>
+                <a:latin typeface="Arial Black"/>
+                <a:cs typeface="Arial Black"/>
+              </a:rPr>
+              <a:t>maaretp</a:t>
             </a:r>
             <a:endParaRPr lang="en-US" sz="3200" b="1" dirty="0">
               <a:solidFill>
@@ -5219,112 +6900,45 @@
           <a:lstStyle/>
           <a:p>
             <a:r>
-              <a:rPr lang="en-US" b="1" dirty="0" smtClean="0">
-                <a:solidFill>
-                  <a:srgbClr val="0000FF"/>
-                </a:solidFill>
-              </a:rPr>
-              <a:t>Language (demo)</a:t>
+              <a:rPr lang="en-US" b="1" dirty="0" smtClean="0"/>
+              <a:t>Highest level of abstraction</a:t>
             </a:r>
             <a:br>
-              <a:rPr lang="en-US" b="1" dirty="0" smtClean="0">
-                <a:solidFill>
-                  <a:srgbClr val="0000FF"/>
-                </a:solidFill>
-              </a:rPr>
+              <a:rPr lang="en-US" b="1" dirty="0" smtClean="0"/>
             </a:br>
             <a:r>
-              <a:rPr lang="en-US" b="1" dirty="0" smtClean="0">
-                <a:solidFill>
-                  <a:srgbClr val="0000FF"/>
-                </a:solidFill>
-              </a:rPr>
+              <a:rPr lang="en-US" b="1" dirty="0"/>
               <a:t/>
             </a:r>
             <a:br>
-              <a:rPr lang="en-US" b="1" dirty="0" smtClean="0">
-                <a:solidFill>
-                  <a:srgbClr val="0000FF"/>
-                </a:solidFill>
-              </a:rPr>
+              <a:rPr lang="en-US" b="1" dirty="0"/>
             </a:br>
             <a:r>
-              <a:rPr lang="en-US" dirty="0" smtClean="0"/>
-              <a:t>normal</a:t>
+              <a:rPr lang="en-US" b="1" dirty="0" smtClean="0"/>
+              <a:t>Intent</a:t>
             </a:r>
             <a:br>
-              <a:rPr lang="en-US" dirty="0" smtClean="0"/>
+              <a:rPr lang="en-US" b="1" dirty="0" smtClean="0"/>
             </a:br>
             <a:r>
-              <a:rPr lang="en-US" dirty="0" smtClean="0"/>
-              <a:t>strong</a:t>
+              <a:rPr lang="en-US" b="1" dirty="0" smtClean="0"/>
+              <a:t>Location</a:t>
             </a:r>
             <a:br>
-              <a:rPr lang="en-US" dirty="0" smtClean="0"/>
+              <a:rPr lang="en-US" b="1" dirty="0" smtClean="0"/>
             </a:br>
             <a:r>
-              <a:rPr lang="en-US" dirty="0" smtClean="0"/>
-              <a:t>strong</a:t>
-            </a:r>
-            <a:endParaRPr lang="en-US" b="1" dirty="0">
-              <a:solidFill>
-                <a:srgbClr val="0000FF"/>
-              </a:solidFill>
-            </a:endParaRPr>
-          </a:p>
-        </p:txBody>
-      </p:sp>
-      <p:sp>
-        <p:nvSpPr>
-          <p:cNvPr id="3" name="TextBox 2"/>
-          <p:cNvSpPr txBox="1"/>
-          <p:nvPr/>
-        </p:nvSpPr>
-        <p:spPr>
-          <a:xfrm>
-            <a:off x="5289459" y="6273224"/>
-            <a:ext cx="3854541" cy="584776"/>
-          </a:xfrm>
-          <a:prstGeom prst="rect">
-            <a:avLst/>
-          </a:prstGeom>
-          <a:noFill/>
-        </p:spPr>
-        <p:txBody>
-          <a:bodyPr wrap="none" rtlCol="0">
-            <a:spAutoFit/>
-          </a:bodyPr>
-          <a:lstStyle/>
-          <a:p>
-            <a:pPr algn="r"/>
-            <a:r>
-              <a:rPr lang="en-US" sz="3200" b="1" dirty="0" smtClean="0">
-                <a:solidFill>
-                  <a:schemeClr val="bg1">
-                    <a:lumMod val="75000"/>
-                  </a:schemeClr>
-                </a:solidFill>
-                <a:latin typeface="Arial Black"/>
-                <a:cs typeface="Arial Black"/>
-              </a:rPr>
-              <a:t>@LlewellynFalco</a:t>
-            </a:r>
-            <a:endParaRPr lang="en-US" sz="3200" b="1" dirty="0">
-              <a:solidFill>
-                <a:schemeClr val="bg1">
-                  <a:lumMod val="75000"/>
-                </a:schemeClr>
-              </a:solidFill>
-              <a:latin typeface="Arial Black"/>
-              <a:cs typeface="Arial Black"/>
-            </a:endParaRPr>
+              <a:rPr lang="en-US" b="1" dirty="0" smtClean="0"/>
+              <a:t>Details</a:t>
+            </a:r>
+            <a:endParaRPr lang="en-US" b="1" dirty="0"/>
           </a:p>
         </p:txBody>
       </p:sp>
     </p:spTree>
     <p:extLst>
       <p:ext uri="{BB962C8B-B14F-4D97-AF65-F5344CB8AC3E}">
-        <p14:creationId xmlns:p14="http://schemas.microsoft.com/office/powerpoint/2010/main" val="60788531"/>
+        <p14:creationId xmlns:p14="http://schemas.microsoft.com/office/powerpoint/2010/main" val="835406623"/>
       </p:ext>
     </p:extLst>
   </p:cSld>
@@ -5394,7 +7008,47 @@
                   <a:srgbClr val="0000FF"/>
                 </a:solidFill>
               </a:rPr>
-              <a:t>Language (Exercise)</a:t>
+              <a:t>Language (demo)</a:t>
+            </a:r>
+            <a:br>
+              <a:rPr lang="en-US" b="1" dirty="0" smtClean="0">
+                <a:solidFill>
+                  <a:srgbClr val="0000FF"/>
+                </a:solidFill>
+              </a:rPr>
+            </a:br>
+            <a:r>
+              <a:rPr lang="en-US" b="1" dirty="0" smtClean="0">
+                <a:solidFill>
+                  <a:srgbClr val="0000FF"/>
+                </a:solidFill>
+              </a:rPr>
+              <a:t/>
+            </a:r>
+            <a:br>
+              <a:rPr lang="en-US" b="1" dirty="0" smtClean="0">
+                <a:solidFill>
+                  <a:srgbClr val="0000FF"/>
+                </a:solidFill>
+              </a:rPr>
+            </a:br>
+            <a:r>
+              <a:rPr lang="en-US" dirty="0" smtClean="0"/>
+              <a:t>normal</a:t>
+            </a:r>
+            <a:br>
+              <a:rPr lang="en-US" dirty="0" smtClean="0"/>
+            </a:br>
+            <a:r>
+              <a:rPr lang="en-US" dirty="0" smtClean="0"/>
+              <a:t>strong</a:t>
+            </a:r>
+            <a:br>
+              <a:rPr lang="en-US" dirty="0" smtClean="0"/>
+            </a:br>
+            <a:r>
+              <a:rPr lang="en-US" dirty="0" smtClean="0"/>
+              <a:t>strong</a:t>
             </a:r>
             <a:endParaRPr lang="en-US" b="1" dirty="0">
               <a:solidFill>
@@ -5454,7 +7108,7 @@
     </p:spTree>
     <p:extLst>
       <p:ext uri="{BB962C8B-B14F-4D97-AF65-F5344CB8AC3E}">
-        <p14:creationId xmlns:p14="http://schemas.microsoft.com/office/powerpoint/2010/main" val="959464983"/>
+        <p14:creationId xmlns:p14="http://schemas.microsoft.com/office/powerpoint/2010/main" val="60788531"/>
       </p:ext>
     </p:extLst>
   </p:cSld>

--- a/StrongStylePairing.pptx
+++ b/StrongStylePairing.pptx
@@ -5,7 +5,7 @@
     <p:sldMasterId id="2147483648" r:id="rId1"/>
   </p:sldMasterIdLst>
   <p:notesMasterIdLst>
-    <p:notesMasterId r:id="rId25"/>
+    <p:notesMasterId r:id="rId26"/>
   </p:notesMasterIdLst>
   <p:sldIdLst>
     <p:sldId id="256" r:id="rId2"/>
@@ -20,17 +20,18 @@
     <p:sldId id="306" r:id="rId11"/>
     <p:sldId id="307" r:id="rId12"/>
     <p:sldId id="294" r:id="rId13"/>
-    <p:sldId id="297" r:id="rId14"/>
-    <p:sldId id="300" r:id="rId15"/>
-    <p:sldId id="295" r:id="rId16"/>
-    <p:sldId id="310" r:id="rId17"/>
-    <p:sldId id="303" r:id="rId18"/>
-    <p:sldId id="311" r:id="rId19"/>
-    <p:sldId id="309" r:id="rId20"/>
-    <p:sldId id="302" r:id="rId21"/>
+    <p:sldId id="312" r:id="rId14"/>
+    <p:sldId id="297" r:id="rId15"/>
+    <p:sldId id="300" r:id="rId16"/>
+    <p:sldId id="295" r:id="rId17"/>
+    <p:sldId id="310" r:id="rId18"/>
+    <p:sldId id="303" r:id="rId19"/>
+    <p:sldId id="311" r:id="rId20"/>
+    <p:sldId id="309" r:id="rId21"/>
     <p:sldId id="308" r:id="rId22"/>
-    <p:sldId id="287" r:id="rId23"/>
-    <p:sldId id="272" r:id="rId24"/>
+    <p:sldId id="302" r:id="rId23"/>
+    <p:sldId id="287" r:id="rId24"/>
+    <p:sldId id="272" r:id="rId25"/>
   </p:sldIdLst>
   <p:sldSz cx="9144000" cy="6858000" type="screen4x3"/>
   <p:notesSz cx="6858000" cy="9144000"/>
@@ -214,7 +215,7 @@
           <a:p>
             <a:fld id="{378E7EDD-6406-4A41-9393-8F7AD46F97CF}" type="datetimeFigureOut">
               <a:rPr lang="en-US" smtClean="0"/>
-              <a:t>6/12/16</a:t>
+              <a:t>6/14/16</a:t>
             </a:fld>
             <a:endParaRPr lang="en-US"/>
           </a:p>
@@ -747,7 +748,7 @@
           <a:p>
             <a:fld id="{B7CABD0F-E43C-9343-80E3-B733E3541CC1}" type="datetimeFigureOut">
               <a:rPr lang="en-US" smtClean="0"/>
-              <a:t>6/12/16</a:t>
+              <a:t>6/14/16</a:t>
             </a:fld>
             <a:endParaRPr lang="en-US"/>
           </a:p>
@@ -925,7 +926,7 @@
           <a:p>
             <a:fld id="{B7CABD0F-E43C-9343-80E3-B733E3541CC1}" type="datetimeFigureOut">
               <a:rPr lang="en-US" smtClean="0"/>
-              <a:t>6/12/16</a:t>
+              <a:t>6/14/16</a:t>
             </a:fld>
             <a:endParaRPr lang="en-US"/>
           </a:p>
@@ -1113,7 +1114,7 @@
           <a:p>
             <a:fld id="{B7CABD0F-E43C-9343-80E3-B733E3541CC1}" type="datetimeFigureOut">
               <a:rPr lang="en-US" smtClean="0"/>
-              <a:t>6/12/16</a:t>
+              <a:t>6/14/16</a:t>
             </a:fld>
             <a:endParaRPr lang="en-US"/>
           </a:p>
@@ -1291,7 +1292,7 @@
           <a:p>
             <a:fld id="{B7CABD0F-E43C-9343-80E3-B733E3541CC1}" type="datetimeFigureOut">
               <a:rPr lang="en-US" smtClean="0"/>
-              <a:t>6/12/16</a:t>
+              <a:t>6/14/16</a:t>
             </a:fld>
             <a:endParaRPr lang="en-US"/>
           </a:p>
@@ -1545,7 +1546,7 @@
           <a:p>
             <a:fld id="{B7CABD0F-E43C-9343-80E3-B733E3541CC1}" type="datetimeFigureOut">
               <a:rPr lang="en-US" smtClean="0"/>
-              <a:t>6/12/16</a:t>
+              <a:t>6/14/16</a:t>
             </a:fld>
             <a:endParaRPr lang="en-US"/>
           </a:p>
@@ -1841,7 +1842,7 @@
           <a:p>
             <a:fld id="{B7CABD0F-E43C-9343-80E3-B733E3541CC1}" type="datetimeFigureOut">
               <a:rPr lang="en-US" smtClean="0"/>
-              <a:t>6/12/16</a:t>
+              <a:t>6/14/16</a:t>
             </a:fld>
             <a:endParaRPr lang="en-US"/>
           </a:p>
@@ -2271,7 +2272,7 @@
           <a:p>
             <a:fld id="{B7CABD0F-E43C-9343-80E3-B733E3541CC1}" type="datetimeFigureOut">
               <a:rPr lang="en-US" smtClean="0"/>
-              <a:t>6/12/16</a:t>
+              <a:t>6/14/16</a:t>
             </a:fld>
             <a:endParaRPr lang="en-US"/>
           </a:p>
@@ -2397,7 +2398,7 @@
           <a:p>
             <a:fld id="{B7CABD0F-E43C-9343-80E3-B733E3541CC1}" type="datetimeFigureOut">
               <a:rPr lang="en-US" smtClean="0"/>
-              <a:t>6/12/16</a:t>
+              <a:t>6/14/16</a:t>
             </a:fld>
             <a:endParaRPr lang="en-US"/>
           </a:p>
@@ -2500,7 +2501,7 @@
           <a:p>
             <a:fld id="{B7CABD0F-E43C-9343-80E3-B733E3541CC1}" type="datetimeFigureOut">
               <a:rPr lang="en-US" smtClean="0"/>
-              <a:t>6/12/16</a:t>
+              <a:t>6/14/16</a:t>
             </a:fld>
             <a:endParaRPr lang="en-US"/>
           </a:p>
@@ -2785,7 +2786,7 @@
           <a:p>
             <a:fld id="{B7CABD0F-E43C-9343-80E3-B733E3541CC1}" type="datetimeFigureOut">
               <a:rPr lang="en-US" smtClean="0"/>
-              <a:t>6/12/16</a:t>
+              <a:t>6/14/16</a:t>
             </a:fld>
             <a:endParaRPr lang="en-US"/>
           </a:p>
@@ -3046,7 +3047,7 @@
           <a:p>
             <a:fld id="{B7CABD0F-E43C-9343-80E3-B733E3541CC1}" type="datetimeFigureOut">
               <a:rPr lang="en-US" smtClean="0"/>
-              <a:t>6/12/16</a:t>
+              <a:t>6/14/16</a:t>
             </a:fld>
             <a:endParaRPr lang="en-US"/>
           </a:p>
@@ -3267,7 +3268,7 @@
           <a:p>
             <a:fld id="{B7CABD0F-E43C-9343-80E3-B733E3541CC1}" type="datetimeFigureOut">
               <a:rPr lang="en-US" smtClean="0"/>
-              <a:t>6/12/16</a:t>
+              <a:t>6/14/16</a:t>
             </a:fld>
             <a:endParaRPr lang="en-US"/>
           </a:p>
@@ -3348,6 +3349,77 @@
               <a:t>‹#›</a:t>
             </a:fld>
             <a:endParaRPr lang="en-US"/>
+          </a:p>
+        </p:txBody>
+      </p:sp>
+      <p:sp>
+        <p:nvSpPr>
+          <p:cNvPr id="7" name="TextBox 6"/>
+          <p:cNvSpPr txBox="1"/>
+          <p:nvPr userDrawn="1"/>
+        </p:nvSpPr>
+        <p:spPr>
+          <a:xfrm>
+            <a:off x="116114" y="6118906"/>
+            <a:ext cx="1794632" cy="646331"/>
+          </a:xfrm>
+          <a:prstGeom prst="rect">
+            <a:avLst/>
+          </a:prstGeom>
+          <a:noFill/>
+        </p:spPr>
+        <p:txBody>
+          <a:bodyPr wrap="none" rtlCol="0">
+            <a:spAutoFit/>
+          </a:bodyPr>
+          <a:lstStyle/>
+          <a:p>
+            <a:r>
+              <a:rPr lang="en-US" b="1" dirty="0" smtClean="0">
+                <a:solidFill>
+                  <a:schemeClr val="bg1">
+                    <a:lumMod val="65000"/>
+                  </a:schemeClr>
+                </a:solidFill>
+              </a:rPr>
+              <a:t>@</a:t>
+            </a:r>
+            <a:r>
+              <a:rPr lang="en-US" b="1" dirty="0" err="1" smtClean="0">
+                <a:solidFill>
+                  <a:schemeClr val="bg1">
+                    <a:lumMod val="65000"/>
+                  </a:schemeClr>
+                </a:solidFill>
+              </a:rPr>
+              <a:t>maaretp</a:t>
+            </a:r>
+            <a:endParaRPr lang="en-US" b="1" dirty="0" smtClean="0">
+              <a:solidFill>
+                <a:schemeClr val="bg1">
+                  <a:lumMod val="65000"/>
+                </a:schemeClr>
+              </a:solidFill>
+            </a:endParaRPr>
+          </a:p>
+          <a:p>
+            <a:r>
+              <a:rPr lang="en-US" b="1" dirty="0" smtClean="0">
+                <a:solidFill>
+                  <a:schemeClr val="bg1">
+                    <a:lumMod val="65000"/>
+                  </a:schemeClr>
+                </a:solidFill>
+              </a:rPr>
+              <a:t>@LlewellynFalco</a:t>
+            </a:r>
+            <a:endParaRPr lang="en-US" b="1" dirty="0">
+              <a:solidFill>
+                <a:schemeClr val="bg1">
+                  <a:lumMod val="65000"/>
+                </a:schemeClr>
+              </a:solidFill>
+            </a:endParaRPr>
           </a:p>
         </p:txBody>
       </p:sp>
@@ -3689,20 +3761,12 @@
           <a:lstStyle/>
           <a:p>
             <a:r>
-              <a:rPr lang="en-US" dirty="0" err="1" smtClean="0"/>
-              <a:t>Maaret</a:t>
+              <a:rPr lang="en-US" dirty="0"/>
+              <a:t>Llewellyn Falco &amp; Maaret </a:t>
             </a:r>
             <a:r>
               <a:rPr lang="en-US" dirty="0" smtClean="0"/>
-              <a:t> </a:t>
-            </a:r>
-            <a:r>
-              <a:rPr lang="en-US" dirty="0" err="1" smtClean="0"/>
               <a:t>Pyhäjärvi</a:t>
-            </a:r>
-            <a:r>
-              <a:rPr lang="en-US" dirty="0" smtClean="0"/>
-              <a:t> &amp; Llewellyn Falco</a:t>
             </a:r>
             <a:endParaRPr lang="en-US" dirty="0"/>
           </a:p>
@@ -4019,65 +4083,6 @@
           </a:p>
         </p:txBody>
       </p:sp>
-      <p:sp>
-        <p:nvSpPr>
-          <p:cNvPr id="3" name="TextBox 2"/>
-          <p:cNvSpPr txBox="1"/>
-          <p:nvPr/>
-        </p:nvSpPr>
-        <p:spPr>
-          <a:xfrm>
-            <a:off x="6779451" y="6273224"/>
-            <a:ext cx="2364549" cy="584776"/>
-          </a:xfrm>
-          <a:prstGeom prst="rect">
-            <a:avLst/>
-          </a:prstGeom>
-          <a:noFill/>
-        </p:spPr>
-        <p:txBody>
-          <a:bodyPr wrap="none" rtlCol="0">
-            <a:spAutoFit/>
-          </a:bodyPr>
-          <a:lstStyle/>
-          <a:p>
-            <a:pPr algn="r"/>
-            <a:r>
-              <a:rPr lang="en-US" sz="3200" b="1" dirty="0" smtClean="0">
-                <a:solidFill>
-                  <a:schemeClr val="bg1">
-                    <a:lumMod val="75000"/>
-                  </a:schemeClr>
-                </a:solidFill>
-                <a:latin typeface="Arial Black"/>
-                <a:cs typeface="Arial Black"/>
-              </a:rPr>
-              <a:t>@</a:t>
-            </a:r>
-            <a:r>
-              <a:rPr lang="en-US" sz="3200" b="1" dirty="0" err="1" smtClean="0">
-                <a:solidFill>
-                  <a:schemeClr val="bg1">
-                    <a:lumMod val="75000"/>
-                  </a:schemeClr>
-                </a:solidFill>
-                <a:latin typeface="Arial Black"/>
-                <a:cs typeface="Arial Black"/>
-              </a:rPr>
-              <a:t>maaretp</a:t>
-            </a:r>
-            <a:endParaRPr lang="en-US" sz="3200" b="1" dirty="0">
-              <a:solidFill>
-                <a:schemeClr val="bg1">
-                  <a:lumMod val="75000"/>
-                </a:schemeClr>
-              </a:solidFill>
-              <a:latin typeface="Arial Black"/>
-              <a:cs typeface="Arial Black"/>
-            </a:endParaRPr>
-          </a:p>
-        </p:txBody>
-      </p:sp>
     </p:spTree>
     <p:extLst>
       <p:ext uri="{BB962C8B-B14F-4D97-AF65-F5344CB8AC3E}">
@@ -4136,7 +4141,7 @@
         <p:spPr>
           <a:xfrm>
             <a:off x="457201" y="274640"/>
-            <a:ext cx="8229599" cy="6162776"/>
+            <a:ext cx="8229599" cy="1953577"/>
           </a:xfrm>
         </p:spPr>
         <p:txBody>
@@ -4146,17 +4151,117 @@
           <a:lstStyle/>
           <a:p>
             <a:r>
-              <a:rPr lang="en-US" b="1" dirty="0" smtClean="0"/>
-              <a:t>How to start pairing.</a:t>
-            </a:r>
-            <a:endParaRPr lang="en-US" b="1" dirty="0"/>
+              <a:rPr lang="en-US" b="1" dirty="0" smtClean="0">
+                <a:solidFill>
+                  <a:srgbClr val="0000FF"/>
+                </a:solidFill>
+              </a:rPr>
+              <a:t>Navigation</a:t>
+            </a:r>
+            <a:br>
+              <a:rPr lang="en-US" b="1" dirty="0" smtClean="0">
+                <a:solidFill>
+                  <a:srgbClr val="0000FF"/>
+                </a:solidFill>
+              </a:rPr>
+            </a:br>
+            <a:endParaRPr lang="en-US" b="1" dirty="0">
+              <a:solidFill>
+                <a:srgbClr val="0000FF"/>
+              </a:solidFill>
+            </a:endParaRPr>
+          </a:p>
+        </p:txBody>
+      </p:sp>
+      <p:sp>
+        <p:nvSpPr>
+          <p:cNvPr id="3" name="Title 3"/>
+          <p:cNvSpPr txBox="1">
+            <a:spLocks/>
+          </p:cNvSpPr>
+          <p:nvPr/>
+        </p:nvSpPr>
+        <p:spPr>
+          <a:xfrm>
+            <a:off x="457201" y="1932159"/>
+            <a:ext cx="8229599" cy="3211955"/>
+          </a:xfrm>
+          <a:prstGeom prst="rect">
+            <a:avLst/>
+          </a:prstGeom>
+        </p:spPr>
+        <p:txBody>
+          <a:bodyPr vert="horz" lIns="91412" tIns="45704" rIns="91412" bIns="45704" rtlCol="0" anchor="ctr">
+            <a:normAutofit/>
+          </a:bodyPr>
+          <a:lstStyle>
+            <a:lvl1pPr algn="ctr" defTabSz="457057" rtl="0" eaLnBrk="1" latinLnBrk="0" hangingPunct="1">
+              <a:spcBef>
+                <a:spcPct val="0"/>
+              </a:spcBef>
+              <a:buNone/>
+              <a:defRPr sz="4300" kern="1200">
+                <a:solidFill>
+                  <a:schemeClr val="tx1"/>
+                </a:solidFill>
+                <a:latin typeface="+mj-lt"/>
+                <a:ea typeface="+mj-ea"/>
+                <a:cs typeface="+mj-cs"/>
+              </a:defRPr>
+            </a:lvl1pPr>
+          </a:lstStyle>
+          <a:p>
+            <a:pPr algn="just"/>
+            <a:r>
+              <a:rPr lang="en-US" sz="1800" b="1" dirty="0" smtClean="0">
+                <a:solidFill>
+                  <a:srgbClr val="000000"/>
+                </a:solidFill>
+              </a:rPr>
+              <a:t>If you are working on a task or doing test-first development, it is very useful to have an example written on a whiteboard. The examples should be very simple, and only show one path at a time. This means you can not use conditional words like "or", "if", "depending", or "maybe". If there is an example, it might take many turns before its finished, and having it on the board will give guidance for the whole team on what they need to do as each new navigator takes over and continues on the task.</a:t>
+            </a:r>
+            <a:br>
+              <a:rPr lang="en-US" sz="1800" b="1" dirty="0" smtClean="0">
+                <a:solidFill>
+                  <a:srgbClr val="000000"/>
+                </a:solidFill>
+              </a:rPr>
+            </a:br>
+            <a:r>
+              <a:rPr lang="en-US" sz="1800" b="1" dirty="0" smtClean="0">
+                <a:solidFill>
+                  <a:srgbClr val="000000"/>
+                </a:solidFill>
+              </a:rPr>
+              <a:t/>
+            </a:r>
+            <a:br>
+              <a:rPr lang="en-US" sz="1800" b="1" dirty="0" smtClean="0">
+                <a:solidFill>
+                  <a:srgbClr val="000000"/>
+                </a:solidFill>
+              </a:rPr>
+            </a:br>
+            <a:r>
+              <a:rPr lang="en-US" sz="1800" b="1" dirty="0" smtClean="0">
+                <a:solidFill>
+                  <a:srgbClr val="000000"/>
+                </a:solidFill>
+              </a:rPr>
+              <a:t>Examples should make you feel like the person telling the example actually did the thing yesterday. </a:t>
+            </a:r>
+            <a:endParaRPr lang="en-US" sz="1800" b="1" dirty="0">
+              <a:solidFill>
+                <a:srgbClr val="000000"/>
+              </a:solidFill>
+            </a:endParaRPr>
           </a:p>
         </p:txBody>
       </p:sp>
     </p:spTree>
     <p:extLst>
       <p:ext uri="{BB962C8B-B14F-4D97-AF65-F5344CB8AC3E}">
-        <p14:creationId xmlns:p14="http://schemas.microsoft.com/office/powerpoint/2010/main" val="1727143805"/>
+        <p14:creationId xmlns:p14="http://schemas.microsoft.com/office/powerpoint/2010/main" val="3516022454"/>
       </p:ext>
     </p:extLst>
   </p:cSld>
@@ -4222,14 +4327,7 @@
           <a:p>
             <a:r>
               <a:rPr lang="en-US" b="1" dirty="0" smtClean="0"/>
-              <a:t>Trust is built on </a:t>
-            </a:r>
-            <a:br>
-              <a:rPr lang="en-US" b="1" dirty="0" smtClean="0"/>
-            </a:br>
-            <a:r>
-              <a:rPr lang="en-US" b="1" dirty="0" smtClean="0"/>
-              <a:t>Many small successes</a:t>
+              <a:t>How to start pairing.</a:t>
             </a:r>
             <a:endParaRPr lang="en-US" b="1" dirty="0"/>
           </a:p>
@@ -4238,7 +4336,7 @@
     </p:spTree>
     <p:extLst>
       <p:ext uri="{BB962C8B-B14F-4D97-AF65-F5344CB8AC3E}">
-        <p14:creationId xmlns:p14="http://schemas.microsoft.com/office/powerpoint/2010/main" val="2066617551"/>
+        <p14:creationId xmlns:p14="http://schemas.microsoft.com/office/powerpoint/2010/main" val="1727143805"/>
       </p:ext>
     </p:extLst>
   </p:cSld>
@@ -4303,72 +4401,24 @@
           <a:lstStyle/>
           <a:p>
             <a:r>
-              <a:rPr lang="en-US" b="1" dirty="0" smtClean="0">
-                <a:solidFill>
-                  <a:srgbClr val="0000FF"/>
-                </a:solidFill>
-              </a:rPr>
-              <a:t>Coding exercise</a:t>
-            </a:r>
-            <a:endParaRPr lang="en-US" b="1" dirty="0">
-              <a:solidFill>
-                <a:srgbClr val="0000FF"/>
-              </a:solidFill>
-            </a:endParaRPr>
-          </a:p>
-        </p:txBody>
-      </p:sp>
-      <p:sp>
-        <p:nvSpPr>
-          <p:cNvPr id="3" name="TextBox 2"/>
-          <p:cNvSpPr txBox="1"/>
-          <p:nvPr/>
-        </p:nvSpPr>
-        <p:spPr>
-          <a:xfrm>
-            <a:off x="5289459" y="6273224"/>
-            <a:ext cx="3854541" cy="584776"/>
-          </a:xfrm>
-          <a:prstGeom prst="rect">
-            <a:avLst/>
-          </a:prstGeom>
-          <a:noFill/>
-        </p:spPr>
-        <p:txBody>
-          <a:bodyPr wrap="none" rtlCol="0">
-            <a:spAutoFit/>
-          </a:bodyPr>
-          <a:lstStyle/>
-          <a:p>
-            <a:pPr algn="r"/>
-            <a:r>
-              <a:rPr lang="en-US" sz="3200" b="1" dirty="0" smtClean="0">
-                <a:solidFill>
-                  <a:schemeClr val="bg1">
-                    <a:lumMod val="75000"/>
-                  </a:schemeClr>
-                </a:solidFill>
-                <a:latin typeface="Arial Black"/>
-                <a:cs typeface="Arial Black"/>
-              </a:rPr>
-              <a:t>@LlewellynFalco</a:t>
-            </a:r>
-            <a:endParaRPr lang="en-US" sz="3200" b="1" dirty="0">
-              <a:solidFill>
-                <a:schemeClr val="bg1">
-                  <a:lumMod val="75000"/>
-                </a:schemeClr>
-              </a:solidFill>
-              <a:latin typeface="Arial Black"/>
-              <a:cs typeface="Arial Black"/>
-            </a:endParaRPr>
+              <a:rPr lang="en-US" b="1" dirty="0" smtClean="0"/>
+              <a:t>Trust is built on </a:t>
+            </a:r>
+            <a:br>
+              <a:rPr lang="en-US" b="1" dirty="0" smtClean="0"/>
+            </a:br>
+            <a:r>
+              <a:rPr lang="en-US" b="1" dirty="0" smtClean="0"/>
+              <a:t>Many small successes</a:t>
+            </a:r>
+            <a:endParaRPr lang="en-US" b="1" dirty="0"/>
           </a:p>
         </p:txBody>
       </p:sp>
     </p:spTree>
     <p:extLst>
       <p:ext uri="{BB962C8B-B14F-4D97-AF65-F5344CB8AC3E}">
-        <p14:creationId xmlns:p14="http://schemas.microsoft.com/office/powerpoint/2010/main" val="959464983"/>
+        <p14:creationId xmlns:p14="http://schemas.microsoft.com/office/powerpoint/2010/main" val="2066617551"/>
       </p:ext>
     </p:extLst>
   </p:cSld>
@@ -4438,94 +4488,12 @@
                   <a:srgbClr val="0000FF"/>
                 </a:solidFill>
               </a:rPr>
-              <a:t>Fizz Buzz</a:t>
-            </a:r>
-            <a:br>
-              <a:rPr lang="en-US" b="1" dirty="0" smtClean="0">
-                <a:solidFill>
-                  <a:srgbClr val="0000FF"/>
-                </a:solidFill>
-              </a:rPr>
-            </a:br>
-            <a:r>
-              <a:rPr lang="en-US" sz="3200" dirty="0"/>
-              <a:t/>
-            </a:r>
-            <a:br>
-              <a:rPr lang="en-US" sz="3200" dirty="0"/>
-            </a:br>
-            <a:r>
-              <a:rPr lang="en-US" sz="3200" dirty="0" smtClean="0"/>
-              <a:t>1, 2, Fizz, 4, Buzz, </a:t>
-            </a:r>
-            <a:br>
-              <a:rPr lang="en-US" sz="3200" dirty="0" smtClean="0"/>
-            </a:br>
-            <a:r>
-              <a:rPr lang="en-US" sz="3200" dirty="0" smtClean="0"/>
-              <a:t>Fizz, 7, 8, Fizz, Buzz,</a:t>
-            </a:r>
-            <a:br>
-              <a:rPr lang="en-US" sz="3200" dirty="0" smtClean="0"/>
-            </a:br>
-            <a:r>
-              <a:rPr lang="en-US" sz="3200" dirty="0" smtClean="0"/>
-              <a:t> 11, Fizz, 13, 14, FizzBuzz,</a:t>
-            </a:r>
-            <a:br>
-              <a:rPr lang="en-US" sz="3200" dirty="0" smtClean="0"/>
-            </a:br>
-            <a:r>
-              <a:rPr lang="en-US" sz="3200" dirty="0" smtClean="0"/>
-              <a:t> 16, 17, Fizz, 19, Buzz</a:t>
-            </a:r>
-            <a:endParaRPr lang="en-US" sz="3200" dirty="0"/>
-          </a:p>
-        </p:txBody>
-      </p:sp>
-      <p:sp>
-        <p:nvSpPr>
-          <p:cNvPr id="3" name="TextBox 2"/>
-          <p:cNvSpPr txBox="1"/>
-          <p:nvPr/>
-        </p:nvSpPr>
-        <p:spPr>
-          <a:xfrm>
-            <a:off x="5289459" y="6273224"/>
-            <a:ext cx="3854541" cy="584776"/>
-          </a:xfrm>
-          <a:prstGeom prst="rect">
-            <a:avLst/>
-          </a:prstGeom>
-          <a:noFill/>
-        </p:spPr>
-        <p:txBody>
-          <a:bodyPr wrap="none" rtlCol="0">
-            <a:spAutoFit/>
-          </a:bodyPr>
-          <a:lstStyle/>
-          <a:p>
-            <a:pPr algn="r"/>
-            <a:r>
-              <a:rPr lang="en-US" sz="3200" b="1" dirty="0" smtClean="0">
-                <a:solidFill>
-                  <a:schemeClr val="bg1">
-                    <a:lumMod val="75000"/>
-                  </a:schemeClr>
-                </a:solidFill>
-                <a:latin typeface="Arial Black"/>
-                <a:cs typeface="Arial Black"/>
-              </a:rPr>
-              <a:t>@LlewellynFalco</a:t>
-            </a:r>
-            <a:endParaRPr lang="en-US" sz="3200" b="1" dirty="0">
+              <a:t>Coding exercise</a:t>
+            </a:r>
+            <a:endParaRPr lang="en-US" b="1" dirty="0">
               <a:solidFill>
-                <a:schemeClr val="bg1">
-                  <a:lumMod val="75000"/>
-                </a:schemeClr>
+                <a:srgbClr val="0000FF"/>
               </a:solidFill>
-              <a:latin typeface="Arial Black"/>
-              <a:cs typeface="Arial Black"/>
             </a:endParaRPr>
           </a:p>
         </p:txBody>
@@ -4533,7 +4501,7 @@
     </p:spTree>
     <p:extLst>
       <p:ext uri="{BB962C8B-B14F-4D97-AF65-F5344CB8AC3E}">
-        <p14:creationId xmlns:p14="http://schemas.microsoft.com/office/powerpoint/2010/main" val="2026983350"/>
+        <p14:creationId xmlns:p14="http://schemas.microsoft.com/office/powerpoint/2010/main" val="959464983"/>
       </p:ext>
     </p:extLst>
   </p:cSld>
@@ -4603,79 +4571,55 @@
                   <a:srgbClr val="0000FF"/>
                 </a:solidFill>
               </a:rPr>
-              <a:t>Mobbing exercise</a:t>
-            </a:r>
-            <a:endParaRPr lang="en-US" b="1" dirty="0">
-              <a:solidFill>
-                <a:srgbClr val="0000FF"/>
-              </a:solidFill>
-            </a:endParaRPr>
-          </a:p>
-        </p:txBody>
-      </p:sp>
-      <p:sp>
-        <p:nvSpPr>
-          <p:cNvPr id="3" name="TextBox 2"/>
-          <p:cNvSpPr txBox="1"/>
-          <p:nvPr/>
-        </p:nvSpPr>
-        <p:spPr>
-          <a:xfrm>
-            <a:off x="6779451" y="6273224"/>
-            <a:ext cx="2364549" cy="584776"/>
-          </a:xfrm>
-          <a:prstGeom prst="rect">
-            <a:avLst/>
-          </a:prstGeom>
-          <a:noFill/>
-        </p:spPr>
-        <p:txBody>
-          <a:bodyPr wrap="none" rtlCol="0">
-            <a:spAutoFit/>
-          </a:bodyPr>
-          <a:lstStyle/>
-          <a:p>
-            <a:pPr algn="r"/>
-            <a:r>
-              <a:rPr lang="en-US" sz="3200" b="1" dirty="0" smtClean="0">
+              <a:t>Fizz Buzz</a:t>
+            </a:r>
+            <a:br>
+              <a:rPr lang="en-US" b="1" dirty="0" smtClean="0">
                 <a:solidFill>
-                  <a:schemeClr val="bg1">
-                    <a:lumMod val="75000"/>
-                  </a:schemeClr>
+                  <a:srgbClr val="0000FF"/>
                 </a:solidFill>
-                <a:latin typeface="Arial Black"/>
-                <a:cs typeface="Arial Black"/>
               </a:rPr>
-              <a:t>@</a:t>
-            </a:r>
-            <a:r>
-              <a:rPr lang="en-US" sz="3200" b="1" dirty="0" err="1" smtClean="0">
-                <a:solidFill>
-                  <a:schemeClr val="bg1">
-                    <a:lumMod val="75000"/>
-                  </a:schemeClr>
-                </a:solidFill>
-                <a:latin typeface="Arial Black"/>
-                <a:cs typeface="Arial Black"/>
-              </a:rPr>
-              <a:t>maaretp</a:t>
-            </a:r>
-            <a:endParaRPr lang="en-US" sz="3200" b="1" dirty="0">
-              <a:solidFill>
-                <a:schemeClr val="bg1">
-                  <a:lumMod val="75000"/>
-                </a:schemeClr>
-              </a:solidFill>
-              <a:latin typeface="Arial Black"/>
-              <a:cs typeface="Arial Black"/>
-            </a:endParaRPr>
+            </a:br>
+            <a:r>
+              <a:rPr lang="en-US" sz="3200" dirty="0"/>
+              <a:t/>
+            </a:r>
+            <a:br>
+              <a:rPr lang="en-US" sz="3200" dirty="0"/>
+            </a:br>
+            <a:r>
+              <a:rPr lang="en-US" sz="3200" dirty="0" smtClean="0"/>
+              <a:t>1, 2, Fizz, 4, Buzz, </a:t>
+            </a:r>
+            <a:br>
+              <a:rPr lang="en-US" sz="3200" dirty="0" smtClean="0"/>
+            </a:br>
+            <a:r>
+              <a:rPr lang="en-US" sz="3200" dirty="0" smtClean="0"/>
+              <a:t>Fizz, 7, 8, Fizz, Buzz,</a:t>
+            </a:r>
+            <a:br>
+              <a:rPr lang="en-US" sz="3200" dirty="0" smtClean="0"/>
+            </a:br>
+            <a:r>
+              <a:rPr lang="en-US" sz="3200" dirty="0" smtClean="0"/>
+              <a:t> 11, Fizz, 13, 14, FizzBuzz,</a:t>
+            </a:r>
+            <a:br>
+              <a:rPr lang="en-US" sz="3200" dirty="0" smtClean="0"/>
+            </a:br>
+            <a:r>
+              <a:rPr lang="en-US" sz="3200" dirty="0" smtClean="0"/>
+              <a:t> 16, 17, Fizz, 19, Buzz</a:t>
+            </a:r>
+            <a:endParaRPr lang="en-US" sz="3200" dirty="0"/>
           </a:p>
         </p:txBody>
       </p:sp>
     </p:spTree>
     <p:extLst>
       <p:ext uri="{BB962C8B-B14F-4D97-AF65-F5344CB8AC3E}">
-        <p14:creationId xmlns:p14="http://schemas.microsoft.com/office/powerpoint/2010/main" val="3147229093"/>
+        <p14:creationId xmlns:p14="http://schemas.microsoft.com/office/powerpoint/2010/main" val="2026983350"/>
       </p:ext>
     </p:extLst>
   </p:cSld>
@@ -4701,7 +4645,7 @@
 </file>
 
 <file path=ppt/slides/slide18.xml><?xml version="1.0" encoding="utf-8"?>
-<p:sld xmlns:a="http://schemas.openxmlformats.org/drawingml/2006/main" xmlns:r="http://schemas.openxmlformats.org/officeDocument/2006/relationships" xmlns:p="http://schemas.openxmlformats.org/presentationml/2006/main">
+<p:sld xmlns:a="http://schemas.openxmlformats.org/drawingml/2006/main" xmlns:r="http://schemas.openxmlformats.org/officeDocument/2006/relationships" xmlns:p="http://schemas.openxmlformats.org/presentationml/2006/main" show="0">
   <p:cSld>
     <p:spTree>
       <p:nvGrpSpPr>
@@ -4745,7 +4689,7 @@
                   <a:srgbClr val="0000FF"/>
                 </a:solidFill>
               </a:rPr>
-              <a:t>Reese’s exercise</a:t>
+              <a:t>Mobbing exercise</a:t>
             </a:r>
             <a:endParaRPr lang="en-US" b="1" dirty="0">
               <a:solidFill>
@@ -4755,68 +4699,21 @@
           </a:p>
         </p:txBody>
       </p:sp>
-      <p:sp>
-        <p:nvSpPr>
-          <p:cNvPr id="3" name="TextBox 2"/>
-          <p:cNvSpPr txBox="1"/>
-          <p:nvPr/>
-        </p:nvSpPr>
-        <p:spPr>
-          <a:xfrm>
-            <a:off x="5289459" y="6273224"/>
-            <a:ext cx="3854541" cy="584776"/>
-          </a:xfrm>
-          <a:prstGeom prst="rect">
-            <a:avLst/>
-          </a:prstGeom>
-          <a:noFill/>
-        </p:spPr>
-        <p:txBody>
-          <a:bodyPr wrap="none" rtlCol="0">
-            <a:spAutoFit/>
-          </a:bodyPr>
-          <a:lstStyle/>
-          <a:p>
-            <a:pPr algn="r"/>
-            <a:r>
-              <a:rPr lang="en-US" sz="3200" b="1" dirty="0" smtClean="0">
-                <a:solidFill>
-                  <a:schemeClr val="bg1">
-                    <a:lumMod val="75000"/>
-                  </a:schemeClr>
-                </a:solidFill>
-                <a:latin typeface="Arial Black"/>
-                <a:cs typeface="Arial Black"/>
-              </a:rPr>
-              <a:t>@LlewellynFalco</a:t>
-            </a:r>
-            <a:endParaRPr lang="en-US" sz="3200" b="1" dirty="0">
-              <a:solidFill>
-                <a:schemeClr val="bg1">
-                  <a:lumMod val="75000"/>
-                </a:schemeClr>
-              </a:solidFill>
-              <a:latin typeface="Arial Black"/>
-              <a:cs typeface="Arial Black"/>
-            </a:endParaRPr>
-          </a:p>
-        </p:txBody>
-      </p:sp>
     </p:spTree>
     <p:extLst>
       <p:ext uri="{BB962C8B-B14F-4D97-AF65-F5344CB8AC3E}">
-        <p14:creationId xmlns:p14="http://schemas.microsoft.com/office/powerpoint/2010/main" val="1922938958"/>
+        <p14:creationId xmlns:p14="http://schemas.microsoft.com/office/powerpoint/2010/main" val="3147229093"/>
       </p:ext>
     </p:extLst>
   </p:cSld>
   <p:clrMapOvr>
     <a:masterClrMapping/>
   </p:clrMapOvr>
-  <mc:AlternateContent xmlns:mc="http://schemas.openxmlformats.org/markup-compatibility/2006" xmlns:p14="http://schemas.microsoft.com/office/powerpoint/2010/main">
-    <mc:Choice Requires="p14">
+  <mc:AlternateContent xmlns:mc="http://schemas.openxmlformats.org/markup-compatibility/2006">
+    <mc:Choice xmlns:p14="http://schemas.microsoft.com/office/powerpoint/2010/main" Requires="p14">
       <p:transition spd="slow" p14:dur="2000"/>
     </mc:Choice>
-    <mc:Fallback xmlns="">
+    <mc:Fallback>
       <p:transition xmlns:p14="http://schemas.microsoft.com/office/powerpoint/2010/main" spd="slow"/>
     </mc:Fallback>
   </mc:AlternateContent>
@@ -4871,58 +4768,27 @@
           <a:p>
             <a:r>
               <a:rPr lang="en-US" b="1" dirty="0" smtClean="0"/>
-              <a:t>Switching</a:t>
-            </a:r>
-            <a:br>
-              <a:rPr lang="en-US" b="1" dirty="0" smtClean="0"/>
-            </a:br>
-            <a:r>
-              <a:rPr lang="en-US" b="1" dirty="0"/>
-              <a:t/>
-            </a:r>
-            <a:br>
-              <a:rPr lang="en-US" b="1" dirty="0"/>
-            </a:br>
-            <a:r>
-              <a:rPr lang="en-US" dirty="0" smtClean="0"/>
-              <a:t>on time</a:t>
-            </a:r>
-            <a:r>
-              <a:rPr lang="en-US" dirty="0"/>
-              <a:t/>
-            </a:r>
-            <a:br>
-              <a:rPr lang="en-US" dirty="0"/>
-            </a:br>
-            <a:r>
-              <a:rPr lang="en-US" dirty="0" smtClean="0"/>
-              <a:t>on task</a:t>
-            </a:r>
-            <a:br>
-              <a:rPr lang="en-US" dirty="0" smtClean="0"/>
-            </a:br>
-            <a:r>
-              <a:rPr lang="en-US" dirty="0" smtClean="0"/>
-              <a:t>on idea</a:t>
-            </a:r>
+              <a:t>Reese’s</a:t>
+            </a:r>
+            <a:endParaRPr lang="en-US" b="1" dirty="0"/>
           </a:p>
         </p:txBody>
       </p:sp>
     </p:spTree>
     <p:extLst>
       <p:ext uri="{BB962C8B-B14F-4D97-AF65-F5344CB8AC3E}">
-        <p14:creationId xmlns:p14="http://schemas.microsoft.com/office/powerpoint/2010/main" val="3064202126"/>
+        <p14:creationId xmlns:p14="http://schemas.microsoft.com/office/powerpoint/2010/main" val="1922938958"/>
       </p:ext>
     </p:extLst>
   </p:cSld>
   <p:clrMapOvr>
     <a:masterClrMapping/>
   </p:clrMapOvr>
-  <mc:AlternateContent xmlns:mc="http://schemas.openxmlformats.org/markup-compatibility/2006" xmlns:p14="http://schemas.microsoft.com/office/powerpoint/2010/main">
-    <mc:Choice Requires="p14">
+  <mc:AlternateContent xmlns:mc="http://schemas.openxmlformats.org/markup-compatibility/2006">
+    <mc:Choice xmlns:p14="http://schemas.microsoft.com/office/powerpoint/2010/main" Requires="p14">
       <p:transition spd="slow" p14:dur="2000"/>
     </mc:Choice>
-    <mc:Fallback xmlns="">
+    <mc:Fallback>
       <p:transition xmlns:p14="http://schemas.microsoft.com/office/powerpoint/2010/main" spd="slow"/>
     </mc:Fallback>
   </mc:AlternateContent>
@@ -5073,72 +4939,48 @@
           <a:lstStyle/>
           <a:p>
             <a:r>
-              <a:rPr lang="en-US" b="1" dirty="0" smtClean="0">
-                <a:solidFill>
-                  <a:srgbClr val="0000FF"/>
-                </a:solidFill>
-              </a:rPr>
-              <a:t>Homework Assignment</a:t>
-            </a:r>
-            <a:endParaRPr lang="en-US" b="1" dirty="0">
-              <a:solidFill>
-                <a:srgbClr val="0000FF"/>
-              </a:solidFill>
-            </a:endParaRPr>
-          </a:p>
-        </p:txBody>
-      </p:sp>
-      <p:sp>
-        <p:nvSpPr>
-          <p:cNvPr id="3" name="TextBox 2"/>
-          <p:cNvSpPr txBox="1"/>
-          <p:nvPr/>
-        </p:nvSpPr>
-        <p:spPr>
-          <a:xfrm>
-            <a:off x="5289459" y="6273224"/>
-            <a:ext cx="3854541" cy="584776"/>
-          </a:xfrm>
-          <a:prstGeom prst="rect">
-            <a:avLst/>
-          </a:prstGeom>
-          <a:noFill/>
-        </p:spPr>
-        <p:txBody>
-          <a:bodyPr wrap="none" rtlCol="0">
-            <a:spAutoFit/>
-          </a:bodyPr>
-          <a:lstStyle/>
-          <a:p>
-            <a:pPr algn="r"/>
-            <a:r>
-              <a:rPr lang="en-US" sz="3200" b="1" dirty="0" smtClean="0">
-                <a:solidFill>
-                  <a:schemeClr val="bg1">
-                    <a:lumMod val="75000"/>
-                  </a:schemeClr>
-                </a:solidFill>
-                <a:latin typeface="Arial Black"/>
-                <a:cs typeface="Arial Black"/>
-              </a:rPr>
-              <a:t>@LlewellynFalco</a:t>
-            </a:r>
-            <a:endParaRPr lang="en-US" sz="3200" b="1" dirty="0">
-              <a:solidFill>
-                <a:schemeClr val="bg1">
-                  <a:lumMod val="75000"/>
-                </a:schemeClr>
-              </a:solidFill>
-              <a:latin typeface="Arial Black"/>
-              <a:cs typeface="Arial Black"/>
-            </a:endParaRPr>
+              <a:rPr lang="en-US" b="1" dirty="0" smtClean="0"/>
+              <a:t>Switching</a:t>
+            </a:r>
+            <a:br>
+              <a:rPr lang="en-US" b="1" dirty="0" smtClean="0"/>
+            </a:br>
+            <a:r>
+              <a:rPr lang="en-US" b="1" dirty="0"/>
+              <a:t/>
+            </a:r>
+            <a:br>
+              <a:rPr lang="en-US" b="1" dirty="0"/>
+            </a:br>
+            <a:r>
+              <a:rPr lang="en-US" dirty="0" smtClean="0"/>
+              <a:t>on time</a:t>
+            </a:r>
+            <a:r>
+              <a:rPr lang="en-US" dirty="0"/>
+              <a:t/>
+            </a:r>
+            <a:br>
+              <a:rPr lang="en-US" dirty="0"/>
+            </a:br>
+            <a:r>
+              <a:rPr lang="en-US" dirty="0" smtClean="0"/>
+              <a:t>on task</a:t>
+            </a:r>
+            <a:br>
+              <a:rPr lang="en-US" dirty="0" smtClean="0"/>
+            </a:br>
+            <a:r>
+              <a:rPr lang="en-US" dirty="0" smtClean="0"/>
+              <a:t>on idea</a:t>
+            </a:r>
           </a:p>
         </p:txBody>
       </p:sp>
     </p:spTree>
     <p:extLst>
       <p:ext uri="{BB962C8B-B14F-4D97-AF65-F5344CB8AC3E}">
-        <p14:creationId xmlns:p14="http://schemas.microsoft.com/office/powerpoint/2010/main" val="258791637"/>
+        <p14:creationId xmlns:p14="http://schemas.microsoft.com/office/powerpoint/2010/main" val="3064202126"/>
       </p:ext>
     </p:extLst>
   </p:cSld>
@@ -5954,11 +5796,11 @@
   <p:clrMapOvr>
     <a:masterClrMapping/>
   </p:clrMapOvr>
-  <mc:AlternateContent xmlns:mc="http://schemas.openxmlformats.org/markup-compatibility/2006">
-    <mc:Choice xmlns:p14="http://schemas.microsoft.com/office/powerpoint/2010/main" Requires="p14">
+  <mc:AlternateContent xmlns:mc="http://schemas.openxmlformats.org/markup-compatibility/2006" xmlns:p14="http://schemas.microsoft.com/office/powerpoint/2010/main">
+    <mc:Choice Requires="p14">
       <p:transition spd="slow" p14:dur="2000"/>
     </mc:Choice>
-    <mc:Fallback>
+    <mc:Fallback xmlns="">
       <p:transition xmlns:p14="http://schemas.microsoft.com/office/powerpoint/2010/main" spd="slow"/>
     </mc:Fallback>
   </mc:AlternateContent>
@@ -5973,6 +5815,89 @@
 </file>
 
 <file path=ppt/slides/slide22.xml><?xml version="1.0" encoding="utf-8"?>
+<p:sld xmlns:a="http://schemas.openxmlformats.org/drawingml/2006/main" xmlns:r="http://schemas.openxmlformats.org/officeDocument/2006/relationships" xmlns:p="http://schemas.openxmlformats.org/presentationml/2006/main">
+  <p:cSld>
+    <p:spTree>
+      <p:nvGrpSpPr>
+        <p:cNvPr id="1" name=""/>
+        <p:cNvGrpSpPr/>
+        <p:nvPr/>
+      </p:nvGrpSpPr>
+      <p:grpSpPr>
+        <a:xfrm>
+          <a:off x="0" y="0"/>
+          <a:ext cx="0" cy="0"/>
+          <a:chOff x="0" y="0"/>
+          <a:chExt cx="0" cy="0"/>
+        </a:xfrm>
+      </p:grpSpPr>
+      <p:sp>
+        <p:nvSpPr>
+          <p:cNvPr id="4" name="Title 3"/>
+          <p:cNvSpPr>
+            <a:spLocks noGrp="1"/>
+          </p:cNvSpPr>
+          <p:nvPr>
+            <p:ph type="title"/>
+          </p:nvPr>
+        </p:nvSpPr>
+        <p:spPr>
+          <a:xfrm>
+            <a:off x="457201" y="274640"/>
+            <a:ext cx="8229599" cy="6162776"/>
+          </a:xfrm>
+        </p:spPr>
+        <p:txBody>
+          <a:bodyPr>
+            <a:normAutofit/>
+          </a:bodyPr>
+          <a:lstStyle/>
+          <a:p>
+            <a:r>
+              <a:rPr lang="en-US" b="1" dirty="0" smtClean="0">
+                <a:solidFill>
+                  <a:srgbClr val="0000FF"/>
+                </a:solidFill>
+              </a:rPr>
+              <a:t>Homework Assignment</a:t>
+            </a:r>
+            <a:endParaRPr lang="en-US" b="1" dirty="0">
+              <a:solidFill>
+                <a:srgbClr val="0000FF"/>
+              </a:solidFill>
+            </a:endParaRPr>
+          </a:p>
+        </p:txBody>
+      </p:sp>
+    </p:spTree>
+    <p:extLst>
+      <p:ext uri="{BB962C8B-B14F-4D97-AF65-F5344CB8AC3E}">
+        <p14:creationId xmlns:p14="http://schemas.microsoft.com/office/powerpoint/2010/main" val="258791637"/>
+      </p:ext>
+    </p:extLst>
+  </p:cSld>
+  <p:clrMapOvr>
+    <a:masterClrMapping/>
+  </p:clrMapOvr>
+  <mc:AlternateContent xmlns:mc="http://schemas.openxmlformats.org/markup-compatibility/2006" xmlns:p14="http://schemas.microsoft.com/office/powerpoint/2010/main">
+    <mc:Choice Requires="p14">
+      <p:transition spd="slow" p14:dur="2000"/>
+    </mc:Choice>
+    <mc:Fallback xmlns="">
+      <p:transition xmlns:p14="http://schemas.microsoft.com/office/powerpoint/2010/main" spd="slow"/>
+    </mc:Fallback>
+  </mc:AlternateContent>
+  <p:timing>
+    <p:tnLst>
+      <p:par>
+        <p:cTn xmlns:p14="http://schemas.microsoft.com/office/powerpoint/2010/main" id="1" dur="indefinite" restart="never" nodeType="tmRoot"/>
+      </p:par>
+    </p:tnLst>
+  </p:timing>
+</p:sld>
+</file>
+
+<file path=ppt/slides/slide23.xml><?xml version="1.0" encoding="utf-8"?>
 <p:sld xmlns:a="http://schemas.openxmlformats.org/drawingml/2006/main" xmlns:r="http://schemas.openxmlformats.org/officeDocument/2006/relationships" xmlns:p="http://schemas.openxmlformats.org/presentationml/2006/main">
   <p:cSld>
     <p:spTree>
@@ -6082,7 +6007,7 @@
 </p:sld>
 </file>
 
-<file path=ppt/slides/slide23.xml><?xml version="1.0" encoding="utf-8"?>
+<file path=ppt/slides/slide24.xml><?xml version="1.0" encoding="utf-8"?>
 <p:sld xmlns:a="http://schemas.openxmlformats.org/drawingml/2006/main" xmlns:r="http://schemas.openxmlformats.org/officeDocument/2006/relationships" xmlns:p="http://schemas.openxmlformats.org/presentationml/2006/main">
   <p:cSld>
     <p:spTree>
@@ -6698,65 +6623,6 @@
           </a:p>
         </p:txBody>
       </p:sp>
-      <p:sp>
-        <p:nvSpPr>
-          <p:cNvPr id="3" name="TextBox 2"/>
-          <p:cNvSpPr txBox="1"/>
-          <p:nvPr/>
-        </p:nvSpPr>
-        <p:spPr>
-          <a:xfrm>
-            <a:off x="6779451" y="6273224"/>
-            <a:ext cx="2364549" cy="584776"/>
-          </a:xfrm>
-          <a:prstGeom prst="rect">
-            <a:avLst/>
-          </a:prstGeom>
-          <a:noFill/>
-        </p:spPr>
-        <p:txBody>
-          <a:bodyPr wrap="none" rtlCol="0">
-            <a:spAutoFit/>
-          </a:bodyPr>
-          <a:lstStyle/>
-          <a:p>
-            <a:pPr algn="r"/>
-            <a:r>
-              <a:rPr lang="en-US" sz="3200" b="1" dirty="0" smtClean="0">
-                <a:solidFill>
-                  <a:schemeClr val="bg1">
-                    <a:lumMod val="75000"/>
-                  </a:schemeClr>
-                </a:solidFill>
-                <a:latin typeface="Arial Black"/>
-                <a:cs typeface="Arial Black"/>
-              </a:rPr>
-              <a:t>@</a:t>
-            </a:r>
-            <a:r>
-              <a:rPr lang="en-US" sz="3200" b="1" dirty="0" err="1" smtClean="0">
-                <a:solidFill>
-                  <a:schemeClr val="bg1">
-                    <a:lumMod val="75000"/>
-                  </a:schemeClr>
-                </a:solidFill>
-                <a:latin typeface="Arial Black"/>
-                <a:cs typeface="Arial Black"/>
-              </a:rPr>
-              <a:t>maaretp</a:t>
-            </a:r>
-            <a:endParaRPr lang="en-US" sz="3200" b="1" dirty="0">
-              <a:solidFill>
-                <a:schemeClr val="bg1">
-                  <a:lumMod val="75000"/>
-                </a:schemeClr>
-              </a:solidFill>
-              <a:latin typeface="Arial Black"/>
-              <a:cs typeface="Arial Black"/>
-            </a:endParaRPr>
-          </a:p>
-        </p:txBody>
-      </p:sp>
     </p:spTree>
     <p:extLst>
       <p:ext uri="{BB962C8B-B14F-4D97-AF65-F5344CB8AC3E}">
@@ -7054,53 +6920,6 @@
               <a:solidFill>
                 <a:srgbClr val="0000FF"/>
               </a:solidFill>
-            </a:endParaRPr>
-          </a:p>
-        </p:txBody>
-      </p:sp>
-      <p:sp>
-        <p:nvSpPr>
-          <p:cNvPr id="3" name="TextBox 2"/>
-          <p:cNvSpPr txBox="1"/>
-          <p:nvPr/>
-        </p:nvSpPr>
-        <p:spPr>
-          <a:xfrm>
-            <a:off x="5289459" y="6273224"/>
-            <a:ext cx="3854541" cy="584776"/>
-          </a:xfrm>
-          <a:prstGeom prst="rect">
-            <a:avLst/>
-          </a:prstGeom>
-          <a:noFill/>
-        </p:spPr>
-        <p:txBody>
-          <a:bodyPr wrap="none" rtlCol="0">
-            <a:spAutoFit/>
-          </a:bodyPr>
-          <a:lstStyle/>
-          <a:p>
-            <a:pPr algn="r"/>
-            <a:r>
-              <a:rPr lang="en-US" sz="3200" b="1" dirty="0" smtClean="0">
-                <a:solidFill>
-                  <a:schemeClr val="bg1">
-                    <a:lumMod val="75000"/>
-                  </a:schemeClr>
-                </a:solidFill>
-                <a:latin typeface="Arial Black"/>
-                <a:cs typeface="Arial Black"/>
-              </a:rPr>
-              <a:t>@LlewellynFalco</a:t>
-            </a:r>
-            <a:endParaRPr lang="en-US" sz="3200" b="1" dirty="0">
-              <a:solidFill>
-                <a:schemeClr val="bg1">
-                  <a:lumMod val="75000"/>
-                </a:schemeClr>
-              </a:solidFill>
-              <a:latin typeface="Arial Black"/>
-              <a:cs typeface="Arial Black"/>
             </a:endParaRPr>
           </a:p>
         </p:txBody>
